--- a/274slide.pptx
+++ b/274slide.pptx
@@ -32,23 +32,23 @@
   <p:notesSz cx="6858000" cy="9144000"/>
   <p:embeddedFontLst>
     <p:embeddedFont>
-      <p:font typeface="Calibri" pitchFamily="34" charset="0"/>
+      <p:font typeface="맑은 고딕" pitchFamily="34" charset="-127"/>
       <p:regular r:id="rId22"/>
       <p:bold r:id="rId23"/>
-      <p:italic r:id="rId24"/>
-      <p:boldItalic r:id="rId25"/>
     </p:embeddedFont>
     <p:embeddedFont>
       <p:font typeface="Roboto" charset="0"/>
-      <p:regular r:id="rId26"/>
-      <p:bold r:id="rId27"/>
-      <p:italic r:id="rId28"/>
-      <p:boldItalic r:id="rId29"/>
+      <p:regular r:id="rId24"/>
+      <p:bold r:id="rId25"/>
+      <p:italic r:id="rId26"/>
+      <p:boldItalic r:id="rId27"/>
     </p:embeddedFont>
     <p:embeddedFont>
-      <p:font typeface="맑은 고딕" pitchFamily="34" charset="-127"/>
-      <p:regular r:id="rId30"/>
-      <p:bold r:id="rId31"/>
+      <p:font typeface="Calibri" pitchFamily="34" charset="0"/>
+      <p:regular r:id="rId28"/>
+      <p:bold r:id="rId29"/>
+      <p:italic r:id="rId30"/>
+      <p:boldItalic r:id="rId31"/>
     </p:embeddedFont>
     <p:embeddedFont>
       <p:font typeface="Quattrocento Sans" charset="0"/>
@@ -289,7 +289,7 @@
   </p:defaultTextStyle>
   <p:extLst>
     <p:ext uri="{EFAFB233-063F-42B5-8137-9DF3F51BA10A}">
-      <p15:sldGuideLst xmlns:p15="http://schemas.microsoft.com/office/powerpoint/2012/main" xmlns="">
+      <p15:sldGuideLst xmlns="" xmlns:p15="http://schemas.microsoft.com/office/powerpoint/2012/main">
         <p15:guide id="1" orient="horz" pos="2160">
           <p15:clr>
             <a:srgbClr val="A4A3A4"/>
@@ -303,7 +303,7 @@
       </p15:sldGuideLst>
     </p:ext>
     <p:ext uri="{2D200454-40CA-4A62-9FC3-DE9A4176ACB9}">
-      <p15:notesGuideLst xmlns:p15="http://schemas.microsoft.com/office/powerpoint/2012/main" xmlns="">
+      <p15:notesGuideLst xmlns="" xmlns:p15="http://schemas.microsoft.com/office/powerpoint/2012/main">
         <p15:guide id="1" orient="horz" pos="2880">
           <p15:clr>
             <a:srgbClr val="A4A3A4"/>
@@ -317,7 +317,7 @@
       </p15:notesGuideLst>
     </p:ext>
     <p:ext uri="http://customooxmlschemas.google.com/">
-      <go:slidesCustomData xmlns:go="http://customooxmlschemas.google.com/" xmlns:p15="http://schemas.microsoft.com/office/powerpoint/2012/main" xmlns:p14="http://schemas.microsoft.com/office/powerpoint/2010/main" xmlns:com="http://schemas.openxmlformats.org/drawingml/2006/compatibility" xmlns:pvml="urn:schemas-microsoft-com:office:powerpoint" xmlns:v="urn:schemas-microsoft-com:vml" xmlns:o="urn:schemas-microsoft-com:office:office" xmlns:dgm="http://schemas.openxmlformats.org/drawingml/2006/diagram" xmlns:c="http://schemas.openxmlformats.org/drawingml/2006/chart" xmlns:mv="urn:schemas-microsoft-com:mac:vml" xmlns:mc="http://schemas.openxmlformats.org/markup-compatibility/2006" xmlns="" r:id="rId36" roundtripDataSignature="AMtx7miOGBkPJPiBwm29evHY2cxksiT79w=="/>
+      <go:slidesCustomData xmlns="" xmlns:mc="http://schemas.openxmlformats.org/markup-compatibility/2006" xmlns:mv="urn:schemas-microsoft-com:mac:vml" xmlns:c="http://schemas.openxmlformats.org/drawingml/2006/chart" xmlns:dgm="http://schemas.openxmlformats.org/drawingml/2006/diagram" xmlns:o="urn:schemas-microsoft-com:office:office" xmlns:v="urn:schemas-microsoft-com:vml" xmlns:pvml="urn:schemas-microsoft-com:office:powerpoint" xmlns:com="http://schemas.openxmlformats.org/drawingml/2006/compatibility" xmlns:p14="http://schemas.microsoft.com/office/powerpoint/2010/main" xmlns:p15="http://schemas.microsoft.com/office/powerpoint/2012/main" xmlns:go="http://customooxmlschemas.google.com/" r:id="rId36" roundtripDataSignature="AMtx7miOGBkPJPiBwm29evHY2cxksiT79w=="/>
     </p:ext>
   </p:extLst>
 </p:presentation>
@@ -5544,6 +5544,1263 @@
       <dsp:cNvGrpSpPr/>
     </dsp:nvGrpSpPr>
     <dsp:grpSpPr/>
+    <dsp:sp modelId="{44915D03-D1CE-49A1-9C51-4350E07C0BA2}">
+      <dsp:nvSpPr>
+        <dsp:cNvPr id="0" name=""/>
+        <dsp:cNvSpPr/>
+      </dsp:nvSpPr>
+      <dsp:spPr>
+        <a:xfrm>
+          <a:off x="4534944" y="1547438"/>
+          <a:ext cx="281278" cy="3525352"/>
+        </a:xfrm>
+        <a:custGeom>
+          <a:avLst/>
+          <a:gdLst/>
+          <a:ahLst/>
+          <a:cxnLst/>
+          <a:rect l="0" t="0" r="0" b="0"/>
+          <a:pathLst>
+            <a:path>
+              <a:moveTo>
+                <a:pt x="0" y="0"/>
+              </a:moveTo>
+              <a:lnTo>
+                <a:pt x="0" y="3525352"/>
+              </a:lnTo>
+              <a:lnTo>
+                <a:pt x="281278" y="3525352"/>
+              </a:lnTo>
+            </a:path>
+          </a:pathLst>
+        </a:custGeom>
+        <a:noFill/>
+        <a:ln w="25400" cap="flat" cmpd="sng" algn="ctr">
+          <a:solidFill>
+            <a:schemeClr val="accent1">
+              <a:shade val="80000"/>
+              <a:hueOff val="0"/>
+              <a:satOff val="0"/>
+              <a:lumOff val="0"/>
+              <a:alphaOff val="0"/>
+            </a:schemeClr>
+          </a:solidFill>
+          <a:prstDash val="solid"/>
+        </a:ln>
+        <a:effectLst/>
+      </dsp:spPr>
+      <dsp:style>
+        <a:lnRef idx="2">
+          <a:scrgbClr r="0" g="0" b="0"/>
+        </a:lnRef>
+        <a:fillRef idx="0">
+          <a:scrgbClr r="0" g="0" b="0"/>
+        </a:fillRef>
+        <a:effectRef idx="0">
+          <a:scrgbClr r="0" g="0" b="0"/>
+        </a:effectRef>
+        <a:fontRef idx="minor"/>
+      </dsp:style>
+    </dsp:sp>
+    <dsp:sp modelId="{CF4C6A80-1FFE-4886-A7DA-4B76302E377D}">
+      <dsp:nvSpPr>
+        <dsp:cNvPr id="0" name=""/>
+        <dsp:cNvSpPr/>
+      </dsp:nvSpPr>
+      <dsp:spPr>
+        <a:xfrm>
+          <a:off x="4534944" y="1547438"/>
+          <a:ext cx="281278" cy="2193969"/>
+        </a:xfrm>
+        <a:custGeom>
+          <a:avLst/>
+          <a:gdLst/>
+          <a:ahLst/>
+          <a:cxnLst/>
+          <a:rect l="0" t="0" r="0" b="0"/>
+          <a:pathLst>
+            <a:path>
+              <a:moveTo>
+                <a:pt x="0" y="0"/>
+              </a:moveTo>
+              <a:lnTo>
+                <a:pt x="0" y="2193969"/>
+              </a:lnTo>
+              <a:lnTo>
+                <a:pt x="281278" y="2193969"/>
+              </a:lnTo>
+            </a:path>
+          </a:pathLst>
+        </a:custGeom>
+        <a:noFill/>
+        <a:ln w="25400" cap="flat" cmpd="sng" algn="ctr">
+          <a:solidFill>
+            <a:schemeClr val="accent1">
+              <a:shade val="80000"/>
+              <a:hueOff val="0"/>
+              <a:satOff val="0"/>
+              <a:lumOff val="0"/>
+              <a:alphaOff val="0"/>
+            </a:schemeClr>
+          </a:solidFill>
+          <a:prstDash val="solid"/>
+        </a:ln>
+        <a:effectLst/>
+      </dsp:spPr>
+      <dsp:style>
+        <a:lnRef idx="2">
+          <a:scrgbClr r="0" g="0" b="0"/>
+        </a:lnRef>
+        <a:fillRef idx="0">
+          <a:scrgbClr r="0" g="0" b="0"/>
+        </a:fillRef>
+        <a:effectRef idx="0">
+          <a:scrgbClr r="0" g="0" b="0"/>
+        </a:effectRef>
+        <a:fontRef idx="minor"/>
+      </dsp:style>
+    </dsp:sp>
+    <dsp:sp modelId="{AB46C5DF-49FE-4C70-8124-6F7BBA655F0F}">
+      <dsp:nvSpPr>
+        <dsp:cNvPr id="0" name=""/>
+        <dsp:cNvSpPr/>
+      </dsp:nvSpPr>
+      <dsp:spPr>
+        <a:xfrm>
+          <a:off x="4534944" y="1547438"/>
+          <a:ext cx="281278" cy="862586"/>
+        </a:xfrm>
+        <a:custGeom>
+          <a:avLst/>
+          <a:gdLst/>
+          <a:ahLst/>
+          <a:cxnLst/>
+          <a:rect l="0" t="0" r="0" b="0"/>
+          <a:pathLst>
+            <a:path>
+              <a:moveTo>
+                <a:pt x="0" y="0"/>
+              </a:moveTo>
+              <a:lnTo>
+                <a:pt x="0" y="862586"/>
+              </a:lnTo>
+              <a:lnTo>
+                <a:pt x="281278" y="862586"/>
+              </a:lnTo>
+            </a:path>
+          </a:pathLst>
+        </a:custGeom>
+        <a:noFill/>
+        <a:ln w="25400" cap="flat" cmpd="sng" algn="ctr">
+          <a:solidFill>
+            <a:schemeClr val="accent1">
+              <a:shade val="80000"/>
+              <a:hueOff val="0"/>
+              <a:satOff val="0"/>
+              <a:lumOff val="0"/>
+              <a:alphaOff val="0"/>
+            </a:schemeClr>
+          </a:solidFill>
+          <a:prstDash val="solid"/>
+        </a:ln>
+        <a:effectLst/>
+      </dsp:spPr>
+      <dsp:style>
+        <a:lnRef idx="2">
+          <a:scrgbClr r="0" g="0" b="0"/>
+        </a:lnRef>
+        <a:fillRef idx="0">
+          <a:scrgbClr r="0" g="0" b="0"/>
+        </a:fillRef>
+        <a:effectRef idx="0">
+          <a:scrgbClr r="0" g="0" b="0"/>
+        </a:effectRef>
+        <a:fontRef idx="minor"/>
+      </dsp:style>
+    </dsp:sp>
+    <dsp:sp modelId="{4DE4FFE2-7616-4C2C-83EE-EE938EA58535}">
+      <dsp:nvSpPr>
+        <dsp:cNvPr id="0" name=""/>
+        <dsp:cNvSpPr/>
+      </dsp:nvSpPr>
+      <dsp:spPr>
+        <a:xfrm>
+          <a:off x="4058177" y="783172"/>
+          <a:ext cx="1226841" cy="394019"/>
+        </a:xfrm>
+        <a:custGeom>
+          <a:avLst/>
+          <a:gdLst/>
+          <a:ahLst/>
+          <a:cxnLst/>
+          <a:rect l="0" t="0" r="0" b="0"/>
+          <a:pathLst>
+            <a:path>
+              <a:moveTo>
+                <a:pt x="0" y="0"/>
+              </a:moveTo>
+              <a:lnTo>
+                <a:pt x="0" y="197124"/>
+              </a:lnTo>
+              <a:lnTo>
+                <a:pt x="1226841" y="197124"/>
+              </a:lnTo>
+              <a:lnTo>
+                <a:pt x="1226841" y="394019"/>
+              </a:lnTo>
+            </a:path>
+          </a:pathLst>
+        </a:custGeom>
+        <a:noFill/>
+        <a:ln w="25400" cap="flat" cmpd="sng" algn="ctr">
+          <a:solidFill>
+            <a:schemeClr val="accent1">
+              <a:shade val="60000"/>
+              <a:hueOff val="0"/>
+              <a:satOff val="0"/>
+              <a:lumOff val="0"/>
+              <a:alphaOff val="0"/>
+            </a:schemeClr>
+          </a:solidFill>
+          <a:prstDash val="solid"/>
+        </a:ln>
+        <a:effectLst/>
+      </dsp:spPr>
+      <dsp:style>
+        <a:lnRef idx="2">
+          <a:scrgbClr r="0" g="0" b="0"/>
+        </a:lnRef>
+        <a:fillRef idx="0">
+          <a:scrgbClr r="0" g="0" b="0"/>
+        </a:fillRef>
+        <a:effectRef idx="0">
+          <a:scrgbClr r="0" g="0" b="0"/>
+        </a:effectRef>
+        <a:fontRef idx="minor"/>
+      </dsp:style>
+    </dsp:sp>
+    <dsp:sp modelId="{7CBF8967-359C-43CF-B693-F8EFE9E90BB3}">
+      <dsp:nvSpPr>
+        <dsp:cNvPr id="0" name=""/>
+        <dsp:cNvSpPr/>
+      </dsp:nvSpPr>
+      <dsp:spPr>
+        <a:xfrm>
+          <a:off x="2060206" y="1549182"/>
+          <a:ext cx="315571" cy="862586"/>
+        </a:xfrm>
+        <a:custGeom>
+          <a:avLst/>
+          <a:gdLst/>
+          <a:ahLst/>
+          <a:cxnLst/>
+          <a:rect l="0" t="0" r="0" b="0"/>
+          <a:pathLst>
+            <a:path>
+              <a:moveTo>
+                <a:pt x="0" y="0"/>
+              </a:moveTo>
+              <a:lnTo>
+                <a:pt x="0" y="862586"/>
+              </a:lnTo>
+              <a:lnTo>
+                <a:pt x="315571" y="862586"/>
+              </a:lnTo>
+            </a:path>
+          </a:pathLst>
+        </a:custGeom>
+        <a:noFill/>
+        <a:ln w="25400" cap="flat" cmpd="sng" algn="ctr">
+          <a:solidFill>
+            <a:schemeClr val="accent1">
+              <a:shade val="80000"/>
+              <a:hueOff val="0"/>
+              <a:satOff val="0"/>
+              <a:lumOff val="0"/>
+              <a:alphaOff val="0"/>
+            </a:schemeClr>
+          </a:solidFill>
+          <a:prstDash val="solid"/>
+        </a:ln>
+        <a:effectLst/>
+      </dsp:spPr>
+      <dsp:style>
+        <a:lnRef idx="2">
+          <a:scrgbClr r="0" g="0" b="0"/>
+        </a:lnRef>
+        <a:fillRef idx="0">
+          <a:scrgbClr r="0" g="0" b="0"/>
+        </a:fillRef>
+        <a:effectRef idx="0">
+          <a:scrgbClr r="0" g="0" b="0"/>
+        </a:effectRef>
+        <a:fontRef idx="minor"/>
+      </dsp:style>
+    </dsp:sp>
+    <dsp:sp modelId="{979589C6-ED99-4DF8-A53F-91DBBB91E029}">
+      <dsp:nvSpPr>
+        <dsp:cNvPr id="0" name=""/>
+        <dsp:cNvSpPr/>
+      </dsp:nvSpPr>
+      <dsp:spPr>
+        <a:xfrm>
+          <a:off x="2901730" y="783172"/>
+          <a:ext cx="1156447" cy="394019"/>
+        </a:xfrm>
+        <a:custGeom>
+          <a:avLst/>
+          <a:gdLst/>
+          <a:ahLst/>
+          <a:cxnLst/>
+          <a:rect l="0" t="0" r="0" b="0"/>
+          <a:pathLst>
+            <a:path>
+              <a:moveTo>
+                <a:pt x="1156447" y="0"/>
+              </a:moveTo>
+              <a:lnTo>
+                <a:pt x="1156447" y="197124"/>
+              </a:lnTo>
+              <a:lnTo>
+                <a:pt x="0" y="197124"/>
+              </a:lnTo>
+              <a:lnTo>
+                <a:pt x="0" y="394019"/>
+              </a:lnTo>
+            </a:path>
+          </a:pathLst>
+        </a:custGeom>
+        <a:noFill/>
+        <a:ln w="25400" cap="flat" cmpd="sng" algn="ctr">
+          <a:solidFill>
+            <a:schemeClr val="accent1">
+              <a:shade val="60000"/>
+              <a:hueOff val="0"/>
+              <a:satOff val="0"/>
+              <a:lumOff val="0"/>
+              <a:alphaOff val="0"/>
+            </a:schemeClr>
+          </a:solidFill>
+          <a:prstDash val="solid"/>
+        </a:ln>
+        <a:effectLst/>
+      </dsp:spPr>
+      <dsp:style>
+        <a:lnRef idx="2">
+          <a:scrgbClr r="0" g="0" b="0"/>
+        </a:lnRef>
+        <a:fillRef idx="0">
+          <a:scrgbClr r="0" g="0" b="0"/>
+        </a:fillRef>
+        <a:effectRef idx="0">
+          <a:scrgbClr r="0" g="0" b="0"/>
+        </a:effectRef>
+        <a:fontRef idx="minor"/>
+      </dsp:style>
+    </dsp:sp>
+    <dsp:sp modelId="{243DB652-8D43-4B39-A5E3-3DA160257AD1}">
+      <dsp:nvSpPr>
+        <dsp:cNvPr id="0" name=""/>
+        <dsp:cNvSpPr/>
+      </dsp:nvSpPr>
+      <dsp:spPr>
+        <a:xfrm>
+          <a:off x="1426220" y="0"/>
+          <a:ext cx="5263914" cy="783172"/>
+        </a:xfrm>
+        <a:prstGeom prst="rect">
+          <a:avLst/>
+        </a:prstGeom>
+        <a:solidFill>
+          <a:schemeClr val="accent1">
+            <a:hueOff val="0"/>
+            <a:satOff val="0"/>
+            <a:lumOff val="0"/>
+            <a:alphaOff val="0"/>
+          </a:schemeClr>
+        </a:solidFill>
+        <a:ln w="25400" cap="flat" cmpd="sng" algn="ctr">
+          <a:solidFill>
+            <a:schemeClr val="lt1">
+              <a:hueOff val="0"/>
+              <a:satOff val="0"/>
+              <a:lumOff val="0"/>
+              <a:alphaOff val="0"/>
+            </a:schemeClr>
+          </a:solidFill>
+          <a:prstDash val="solid"/>
+        </a:ln>
+        <a:effectLst/>
+      </dsp:spPr>
+      <dsp:style>
+        <a:lnRef idx="2">
+          <a:scrgbClr r="0" g="0" b="0"/>
+        </a:lnRef>
+        <a:fillRef idx="1">
+          <a:scrgbClr r="0" g="0" b="0"/>
+        </a:fillRef>
+        <a:effectRef idx="0">
+          <a:scrgbClr r="0" g="0" b="0"/>
+        </a:effectRef>
+        <a:fontRef idx="minor">
+          <a:schemeClr val="lt1"/>
+        </a:fontRef>
+      </dsp:style>
+      <dsp:txBody>
+        <a:bodyPr spcFirstLastPara="0" vert="horz" wrap="square" lIns="19050" tIns="19050" rIns="19050" bIns="19050" numCol="1" spcCol="1270" anchor="ctr" anchorCtr="0">
+          <a:noAutofit/>
+        </a:bodyPr>
+        <a:lstStyle/>
+        <a:p>
+          <a:pPr lvl="0" algn="ctr" defTabSz="1333500">
+            <a:lnSpc>
+              <a:spcPct val="90000"/>
+            </a:lnSpc>
+            <a:spcBef>
+              <a:spcPct val="0"/>
+            </a:spcBef>
+            <a:spcAft>
+              <a:spcPct val="35000"/>
+            </a:spcAft>
+          </a:pPr>
+          <a:r>
+            <a:rPr lang="en-US" sz="3000" b="1" kern="1200" dirty="0" err="1" smtClean="0"/>
+            <a:t>Kiểm</a:t>
+          </a:r>
+          <a:r>
+            <a:rPr lang="en-US" sz="3000" b="1" kern="1200" dirty="0" smtClean="0"/>
+            <a:t> </a:t>
+          </a:r>
+          <a:r>
+            <a:rPr lang="en-US" sz="3000" b="1" kern="1200" dirty="0" err="1" smtClean="0"/>
+            <a:t>thử</a:t>
+          </a:r>
+          <a:r>
+            <a:rPr lang="en-US" sz="3000" b="1" kern="1200" dirty="0" smtClean="0"/>
+            <a:t> </a:t>
+          </a:r>
+          <a:r>
+            <a:rPr lang="en-US" sz="3000" b="1" kern="1200" dirty="0" err="1" smtClean="0"/>
+            <a:t>tĩnh</a:t>
+          </a:r>
+          <a:endParaRPr lang="en-US" sz="3000" b="1" kern="1200" dirty="0"/>
+        </a:p>
+      </dsp:txBody>
+      <dsp:txXfrm>
+        <a:off x="1426220" y="0"/>
+        <a:ext cx="5263914" cy="783172"/>
+      </dsp:txXfrm>
+    </dsp:sp>
+    <dsp:sp modelId="{18318462-267C-415A-BCD8-4757C2E9755C}">
+      <dsp:nvSpPr>
+        <dsp:cNvPr id="0" name=""/>
+        <dsp:cNvSpPr/>
+      </dsp:nvSpPr>
+      <dsp:spPr>
+        <a:xfrm>
+          <a:off x="1849825" y="1177191"/>
+          <a:ext cx="2103810" cy="371990"/>
+        </a:xfrm>
+        <a:prstGeom prst="rect">
+          <a:avLst/>
+        </a:prstGeom>
+        <a:solidFill>
+          <a:schemeClr val="accent1">
+            <a:hueOff val="0"/>
+            <a:satOff val="0"/>
+            <a:lumOff val="0"/>
+            <a:alphaOff val="0"/>
+          </a:schemeClr>
+        </a:solidFill>
+        <a:ln w="25400" cap="flat" cmpd="sng" algn="ctr">
+          <a:solidFill>
+            <a:schemeClr val="lt1">
+              <a:hueOff val="0"/>
+              <a:satOff val="0"/>
+              <a:lumOff val="0"/>
+              <a:alphaOff val="0"/>
+            </a:schemeClr>
+          </a:solidFill>
+          <a:prstDash val="solid"/>
+        </a:ln>
+        <a:effectLst/>
+      </dsp:spPr>
+      <dsp:style>
+        <a:lnRef idx="2">
+          <a:scrgbClr r="0" g="0" b="0"/>
+        </a:lnRef>
+        <a:fillRef idx="1">
+          <a:scrgbClr r="0" g="0" b="0"/>
+        </a:fillRef>
+        <a:effectRef idx="0">
+          <a:scrgbClr r="0" g="0" b="0"/>
+        </a:effectRef>
+        <a:fontRef idx="minor">
+          <a:schemeClr val="lt1"/>
+        </a:fontRef>
+      </dsp:style>
+      <dsp:txBody>
+        <a:bodyPr spcFirstLastPara="0" vert="horz" wrap="square" lIns="9525" tIns="9525" rIns="9525" bIns="9525" numCol="1" spcCol="1270" anchor="ctr" anchorCtr="0">
+          <a:noAutofit/>
+        </a:bodyPr>
+        <a:lstStyle/>
+        <a:p>
+          <a:pPr lvl="0" algn="ctr" defTabSz="666750">
+            <a:lnSpc>
+              <a:spcPct val="90000"/>
+            </a:lnSpc>
+            <a:spcBef>
+              <a:spcPct val="0"/>
+            </a:spcBef>
+            <a:spcAft>
+              <a:spcPct val="35000"/>
+            </a:spcAft>
+          </a:pPr>
+          <a:r>
+            <a:rPr lang="en-US" sz="1500" kern="1200" dirty="0" err="1" smtClean="0"/>
+            <a:t>Khái</a:t>
+          </a:r>
+          <a:r>
+            <a:rPr lang="en-US" sz="1500" kern="1200" dirty="0" smtClean="0"/>
+            <a:t> </a:t>
+          </a:r>
+          <a:r>
+            <a:rPr lang="en-US" sz="1500" kern="1200" dirty="0" err="1" smtClean="0"/>
+            <a:t>niệm</a:t>
+          </a:r>
+          <a:endParaRPr lang="en-US" sz="1500" kern="1200" dirty="0"/>
+        </a:p>
+      </dsp:txBody>
+      <dsp:txXfrm>
+        <a:off x="1849825" y="1177191"/>
+        <a:ext cx="2103810" cy="371990"/>
+      </dsp:txXfrm>
+    </dsp:sp>
+    <dsp:sp modelId="{0CB5E190-C0B2-4526-BA94-18D21694DB77}">
+      <dsp:nvSpPr>
+        <dsp:cNvPr id="0" name=""/>
+        <dsp:cNvSpPr/>
+      </dsp:nvSpPr>
+      <dsp:spPr>
+        <a:xfrm>
+          <a:off x="2375778" y="1942971"/>
+          <a:ext cx="1875187" cy="937593"/>
+        </a:xfrm>
+        <a:prstGeom prst="rect">
+          <a:avLst/>
+        </a:prstGeom>
+        <a:solidFill>
+          <a:schemeClr val="accent1">
+            <a:hueOff val="0"/>
+            <a:satOff val="0"/>
+            <a:lumOff val="0"/>
+            <a:alphaOff val="0"/>
+          </a:schemeClr>
+        </a:solidFill>
+        <a:ln w="25400" cap="flat" cmpd="sng" algn="ctr">
+          <a:solidFill>
+            <a:schemeClr val="lt1">
+              <a:hueOff val="0"/>
+              <a:satOff val="0"/>
+              <a:lumOff val="0"/>
+              <a:alphaOff val="0"/>
+            </a:schemeClr>
+          </a:solidFill>
+          <a:prstDash val="solid"/>
+        </a:ln>
+        <a:effectLst/>
+      </dsp:spPr>
+      <dsp:style>
+        <a:lnRef idx="2">
+          <a:scrgbClr r="0" g="0" b="0"/>
+        </a:lnRef>
+        <a:fillRef idx="1">
+          <a:scrgbClr r="0" g="0" b="0"/>
+        </a:fillRef>
+        <a:effectRef idx="0">
+          <a:scrgbClr r="0" g="0" b="0"/>
+        </a:effectRef>
+        <a:fontRef idx="minor">
+          <a:schemeClr val="lt1"/>
+        </a:fontRef>
+      </dsp:style>
+      <dsp:txBody>
+        <a:bodyPr spcFirstLastPara="0" vert="horz" wrap="square" lIns="10795" tIns="10795" rIns="10795" bIns="10795" numCol="1" spcCol="1270" anchor="ctr" anchorCtr="0">
+          <a:noAutofit/>
+        </a:bodyPr>
+        <a:lstStyle/>
+        <a:p>
+          <a:pPr lvl="0" algn="ctr" defTabSz="755650">
+            <a:lnSpc>
+              <a:spcPct val="90000"/>
+            </a:lnSpc>
+            <a:spcBef>
+              <a:spcPct val="0"/>
+            </a:spcBef>
+            <a:spcAft>
+              <a:spcPct val="35000"/>
+            </a:spcAft>
+          </a:pPr>
+          <a:r>
+            <a:rPr lang="en-US" sz="1700" kern="1200" dirty="0" err="1" smtClean="0"/>
+            <a:t>Kiểm</a:t>
+          </a:r>
+          <a:r>
+            <a:rPr lang="en-US" sz="1700" kern="1200" dirty="0" smtClean="0"/>
+            <a:t> </a:t>
+          </a:r>
+          <a:r>
+            <a:rPr lang="en-US" sz="1700" kern="1200" dirty="0" err="1" smtClean="0"/>
+            <a:t>thử</a:t>
+          </a:r>
+          <a:r>
+            <a:rPr lang="en-US" sz="1700" kern="1200" dirty="0" smtClean="0"/>
+            <a:t> </a:t>
+          </a:r>
+          <a:r>
+            <a:rPr lang="en-US" sz="1700" kern="1200" dirty="0" err="1" smtClean="0"/>
+            <a:t>tĩnh</a:t>
+          </a:r>
+          <a:r>
+            <a:rPr lang="en-US" sz="1700" kern="1200" dirty="0" smtClean="0"/>
+            <a:t> </a:t>
+          </a:r>
+          <a:r>
+            <a:rPr lang="en-US" sz="1700" kern="1200" dirty="0" err="1" smtClean="0"/>
+            <a:t>là</a:t>
+          </a:r>
+          <a:r>
+            <a:rPr lang="en-US" sz="1700" kern="1200" dirty="0" smtClean="0"/>
+            <a:t> </a:t>
+          </a:r>
+          <a:r>
+            <a:rPr lang="en-US" sz="1700" kern="1200" dirty="0" err="1" smtClean="0"/>
+            <a:t>loại</a:t>
+          </a:r>
+          <a:r>
+            <a:rPr lang="en-US" sz="1700" kern="1200" dirty="0" smtClean="0"/>
+            <a:t> </a:t>
+          </a:r>
+          <a:r>
+            <a:rPr lang="en-US" sz="1700" kern="1200" dirty="0" err="1" smtClean="0"/>
+            <a:t>kiểm</a:t>
+          </a:r>
+          <a:r>
+            <a:rPr lang="en-US" sz="1700" kern="1200" dirty="0" smtClean="0"/>
+            <a:t> </a:t>
+          </a:r>
+          <a:r>
+            <a:rPr lang="en-US" sz="1700" kern="1200" dirty="0" err="1" smtClean="0"/>
+            <a:t>tra</a:t>
+          </a:r>
+          <a:r>
+            <a:rPr lang="en-US" sz="1700" kern="1200" dirty="0" smtClean="0"/>
+            <a:t> </a:t>
+          </a:r>
+          <a:r>
+            <a:rPr lang="en-US" sz="1700" kern="1200" dirty="0" err="1" smtClean="0"/>
+            <a:t>trong</a:t>
+          </a:r>
+          <a:r>
+            <a:rPr lang="en-US" sz="1700" kern="1200" dirty="0" smtClean="0"/>
+            <a:t> </a:t>
+          </a:r>
+          <a:r>
+            <a:rPr lang="en-US" sz="1700" kern="1200" dirty="0" err="1" smtClean="0"/>
+            <a:t>đó</a:t>
+          </a:r>
+          <a:r>
+            <a:rPr lang="en-US" sz="1700" kern="1200" dirty="0" smtClean="0"/>
+            <a:t> code </a:t>
+          </a:r>
+          <a:r>
+            <a:rPr lang="en-US" sz="1700" kern="1200" dirty="0" err="1" smtClean="0"/>
+            <a:t>không</a:t>
+          </a:r>
+          <a:r>
+            <a:rPr lang="en-US" sz="1700" kern="1200" dirty="0" smtClean="0"/>
+            <a:t> </a:t>
+          </a:r>
+          <a:r>
+            <a:rPr lang="en-US" sz="1700" kern="1200" dirty="0" err="1" smtClean="0"/>
+            <a:t>được</a:t>
+          </a:r>
+          <a:r>
+            <a:rPr lang="en-US" sz="1700" kern="1200" dirty="0" smtClean="0"/>
+            <a:t> </a:t>
+          </a:r>
+          <a:r>
+            <a:rPr lang="en-US" sz="1700" kern="1200" dirty="0" err="1" smtClean="0"/>
+            <a:t>thực</a:t>
+          </a:r>
+          <a:r>
+            <a:rPr lang="en-US" sz="1700" kern="1200" dirty="0" smtClean="0"/>
+            <a:t> </a:t>
+          </a:r>
+          <a:r>
+            <a:rPr lang="en-US" sz="1700" kern="1200" dirty="0" err="1" smtClean="0"/>
+            <a:t>hiện</a:t>
+          </a:r>
+          <a:r>
+            <a:rPr lang="en-US" sz="1700" kern="1200" dirty="0" smtClean="0"/>
+            <a:t>. </a:t>
+          </a:r>
+          <a:endParaRPr lang="en-US" sz="1700" kern="1200" dirty="0"/>
+        </a:p>
+      </dsp:txBody>
+      <dsp:txXfrm>
+        <a:off x="2375778" y="1942971"/>
+        <a:ext cx="1875187" cy="937593"/>
+      </dsp:txXfrm>
+    </dsp:sp>
+    <dsp:sp modelId="{C39FE5FF-3EF2-4730-A64E-57DCE8A44B4F}">
+      <dsp:nvSpPr>
+        <dsp:cNvPr id="0" name=""/>
+        <dsp:cNvSpPr/>
+      </dsp:nvSpPr>
+      <dsp:spPr>
+        <a:xfrm>
+          <a:off x="4347425" y="1177191"/>
+          <a:ext cx="1875187" cy="370246"/>
+        </a:xfrm>
+        <a:prstGeom prst="rect">
+          <a:avLst/>
+        </a:prstGeom>
+        <a:solidFill>
+          <a:schemeClr val="accent1">
+            <a:hueOff val="0"/>
+            <a:satOff val="0"/>
+            <a:lumOff val="0"/>
+            <a:alphaOff val="0"/>
+          </a:schemeClr>
+        </a:solidFill>
+        <a:ln w="25400" cap="flat" cmpd="sng" algn="ctr">
+          <a:solidFill>
+            <a:schemeClr val="lt1">
+              <a:hueOff val="0"/>
+              <a:satOff val="0"/>
+              <a:lumOff val="0"/>
+              <a:alphaOff val="0"/>
+            </a:schemeClr>
+          </a:solidFill>
+          <a:prstDash val="solid"/>
+        </a:ln>
+        <a:effectLst/>
+      </dsp:spPr>
+      <dsp:style>
+        <a:lnRef idx="2">
+          <a:scrgbClr r="0" g="0" b="0"/>
+        </a:lnRef>
+        <a:fillRef idx="1">
+          <a:scrgbClr r="0" g="0" b="0"/>
+        </a:fillRef>
+        <a:effectRef idx="0">
+          <a:scrgbClr r="0" g="0" b="0"/>
+        </a:effectRef>
+        <a:fontRef idx="minor">
+          <a:schemeClr val="lt1"/>
+        </a:fontRef>
+      </dsp:style>
+      <dsp:txBody>
+        <a:bodyPr spcFirstLastPara="0" vert="horz" wrap="square" lIns="9525" tIns="9525" rIns="9525" bIns="9525" numCol="1" spcCol="1270" anchor="ctr" anchorCtr="0">
+          <a:noAutofit/>
+        </a:bodyPr>
+        <a:lstStyle/>
+        <a:p>
+          <a:pPr lvl="0" algn="ctr" defTabSz="666750">
+            <a:lnSpc>
+              <a:spcPct val="90000"/>
+            </a:lnSpc>
+            <a:spcBef>
+              <a:spcPct val="0"/>
+            </a:spcBef>
+            <a:spcAft>
+              <a:spcPct val="35000"/>
+            </a:spcAft>
+          </a:pPr>
+          <a:r>
+            <a:rPr lang="en-US" sz="1500" kern="1200" dirty="0" err="1" smtClean="0"/>
+            <a:t>Lợi</a:t>
+          </a:r>
+          <a:r>
+            <a:rPr lang="en-US" sz="1500" kern="1200" dirty="0" smtClean="0"/>
+            <a:t> </a:t>
+          </a:r>
+          <a:r>
+            <a:rPr lang="en-US" sz="1500" kern="1200" dirty="0" err="1" smtClean="0"/>
+            <a:t>ích</a:t>
+          </a:r>
+          <a:endParaRPr lang="en-US" sz="1500" kern="1200" dirty="0"/>
+        </a:p>
+      </dsp:txBody>
+      <dsp:txXfrm>
+        <a:off x="4347425" y="1177191"/>
+        <a:ext cx="1875187" cy="370246"/>
+      </dsp:txXfrm>
+    </dsp:sp>
+    <dsp:sp modelId="{A1E20608-F773-4A96-BCBD-0004C6951DCD}">
+      <dsp:nvSpPr>
+        <dsp:cNvPr id="0" name=""/>
+        <dsp:cNvSpPr/>
+      </dsp:nvSpPr>
+      <dsp:spPr>
+        <a:xfrm>
+          <a:off x="4816222" y="1941227"/>
+          <a:ext cx="1875187" cy="937593"/>
+        </a:xfrm>
+        <a:prstGeom prst="rect">
+          <a:avLst/>
+        </a:prstGeom>
+        <a:solidFill>
+          <a:schemeClr val="accent1">
+            <a:hueOff val="0"/>
+            <a:satOff val="0"/>
+            <a:lumOff val="0"/>
+            <a:alphaOff val="0"/>
+          </a:schemeClr>
+        </a:solidFill>
+        <a:ln w="25400" cap="flat" cmpd="sng" algn="ctr">
+          <a:solidFill>
+            <a:schemeClr val="lt1">
+              <a:hueOff val="0"/>
+              <a:satOff val="0"/>
+              <a:lumOff val="0"/>
+              <a:alphaOff val="0"/>
+            </a:schemeClr>
+          </a:solidFill>
+          <a:prstDash val="solid"/>
+        </a:ln>
+        <a:effectLst/>
+      </dsp:spPr>
+      <dsp:style>
+        <a:lnRef idx="2">
+          <a:scrgbClr r="0" g="0" b="0"/>
+        </a:lnRef>
+        <a:fillRef idx="1">
+          <a:scrgbClr r="0" g="0" b="0"/>
+        </a:fillRef>
+        <a:effectRef idx="0">
+          <a:scrgbClr r="0" g="0" b="0"/>
+        </a:effectRef>
+        <a:fontRef idx="minor">
+          <a:schemeClr val="lt1"/>
+        </a:fontRef>
+      </dsp:style>
+      <dsp:txBody>
+        <a:bodyPr spcFirstLastPara="0" vert="horz" wrap="square" lIns="10795" tIns="10795" rIns="10795" bIns="10795" numCol="1" spcCol="1270" anchor="ctr" anchorCtr="0">
+          <a:noAutofit/>
+        </a:bodyPr>
+        <a:lstStyle/>
+        <a:p>
+          <a:pPr lvl="0" algn="ctr" defTabSz="755650">
+            <a:lnSpc>
+              <a:spcPct val="90000"/>
+            </a:lnSpc>
+            <a:spcBef>
+              <a:spcPct val="0"/>
+            </a:spcBef>
+            <a:spcAft>
+              <a:spcPct val="35000"/>
+            </a:spcAft>
+          </a:pPr>
+          <a:r>
+            <a:rPr lang="en-US" sz="1700" kern="1200" dirty="0" err="1" smtClean="0"/>
+            <a:t>Có</a:t>
+          </a:r>
+          <a:r>
+            <a:rPr lang="en-US" sz="1700" kern="1200" dirty="0" smtClean="0"/>
+            <a:t> </a:t>
+          </a:r>
+          <a:r>
+            <a:rPr lang="en-US" sz="1700" kern="1200" dirty="0" err="1" smtClean="0"/>
+            <a:t>thế</a:t>
+          </a:r>
+          <a:r>
+            <a:rPr lang="en-US" sz="1700" kern="1200" dirty="0" smtClean="0"/>
+            <a:t> </a:t>
+          </a:r>
+          <a:r>
+            <a:rPr lang="en-US" sz="1700" kern="1200" dirty="0" err="1" smtClean="0"/>
+            <a:t>bắt</a:t>
+          </a:r>
+          <a:r>
+            <a:rPr lang="en-US" sz="1700" kern="1200" dirty="0" smtClean="0"/>
+            <a:t> </a:t>
+          </a:r>
+          <a:r>
+            <a:rPr lang="en-US" sz="1700" kern="1200" dirty="0" err="1" smtClean="0"/>
+            <a:t>đầu</a:t>
+          </a:r>
+          <a:r>
+            <a:rPr lang="en-US" sz="1700" kern="1200" dirty="0" smtClean="0"/>
+            <a:t> </a:t>
+          </a:r>
+          <a:r>
+            <a:rPr lang="en-US" sz="1700" kern="1200" dirty="0" err="1" smtClean="0"/>
+            <a:t>sớm</a:t>
+          </a:r>
+          <a:r>
+            <a:rPr lang="en-US" sz="1700" kern="1200" dirty="0" smtClean="0"/>
+            <a:t> </a:t>
+          </a:r>
+          <a:r>
+            <a:rPr lang="en-US" sz="1700" kern="1200" dirty="0" err="1" smtClean="0"/>
+            <a:t>trong</a:t>
+          </a:r>
+          <a:r>
+            <a:rPr lang="en-US" sz="1700" kern="1200" dirty="0" smtClean="0"/>
+            <a:t> </a:t>
+          </a:r>
+          <a:r>
+            <a:rPr lang="en-US" sz="1700" kern="1200" dirty="0" err="1" smtClean="0"/>
+            <a:t>vòng</a:t>
+          </a:r>
+          <a:r>
+            <a:rPr lang="en-US" sz="1700" kern="1200" dirty="0" smtClean="0"/>
+            <a:t> </a:t>
+          </a:r>
+          <a:r>
+            <a:rPr lang="en-US" sz="1700" kern="1200" dirty="0" err="1" smtClean="0"/>
+            <a:t>đời</a:t>
+          </a:r>
+          <a:r>
+            <a:rPr lang="en-US" sz="1700" kern="1200" dirty="0" smtClean="0"/>
+            <a:t> </a:t>
+          </a:r>
+          <a:r>
+            <a:rPr lang="en-US" sz="1700" kern="1200" dirty="0" err="1" smtClean="0"/>
+            <a:t>phát</a:t>
+          </a:r>
+          <a:r>
+            <a:rPr lang="en-US" sz="1700" kern="1200" dirty="0" smtClean="0"/>
+            <a:t> </a:t>
+          </a:r>
+          <a:r>
+            <a:rPr lang="en-US" sz="1700" kern="1200" dirty="0" err="1" smtClean="0"/>
+            <a:t>triển</a:t>
+          </a:r>
+          <a:r>
+            <a:rPr lang="en-US" sz="1700" kern="1200" dirty="0" smtClean="0"/>
+            <a:t> </a:t>
+          </a:r>
+          <a:r>
+            <a:rPr lang="en-US" sz="1700" kern="1200" dirty="0" err="1" smtClean="0"/>
+            <a:t>phần</a:t>
+          </a:r>
+          <a:r>
+            <a:rPr lang="en-US" sz="1700" kern="1200" dirty="0" smtClean="0"/>
+            <a:t> </a:t>
+          </a:r>
+          <a:r>
+            <a:rPr lang="en-US" sz="1700" kern="1200" dirty="0" err="1" smtClean="0"/>
+            <a:t>mềm</a:t>
+          </a:r>
+          <a:endParaRPr lang="en-US" sz="1700" kern="1200" dirty="0"/>
+        </a:p>
+      </dsp:txBody>
+      <dsp:txXfrm>
+        <a:off x="4816222" y="1941227"/>
+        <a:ext cx="1875187" cy="937593"/>
+      </dsp:txXfrm>
+    </dsp:sp>
+    <dsp:sp modelId="{48DFFE70-27D7-435A-97B0-BB2063493E1F}">
+      <dsp:nvSpPr>
+        <dsp:cNvPr id="0" name=""/>
+        <dsp:cNvSpPr/>
+      </dsp:nvSpPr>
+      <dsp:spPr>
+        <a:xfrm>
+          <a:off x="4816222" y="3272610"/>
+          <a:ext cx="1875187" cy="937593"/>
+        </a:xfrm>
+        <a:prstGeom prst="rect">
+          <a:avLst/>
+        </a:prstGeom>
+        <a:solidFill>
+          <a:schemeClr val="accent1">
+            <a:hueOff val="0"/>
+            <a:satOff val="0"/>
+            <a:lumOff val="0"/>
+            <a:alphaOff val="0"/>
+          </a:schemeClr>
+        </a:solidFill>
+        <a:ln w="25400" cap="flat" cmpd="sng" algn="ctr">
+          <a:solidFill>
+            <a:schemeClr val="lt1">
+              <a:hueOff val="0"/>
+              <a:satOff val="0"/>
+              <a:lumOff val="0"/>
+              <a:alphaOff val="0"/>
+            </a:schemeClr>
+          </a:solidFill>
+          <a:prstDash val="solid"/>
+        </a:ln>
+        <a:effectLst/>
+      </dsp:spPr>
+      <dsp:style>
+        <a:lnRef idx="2">
+          <a:scrgbClr r="0" g="0" b="0"/>
+        </a:lnRef>
+        <a:fillRef idx="1">
+          <a:scrgbClr r="0" g="0" b="0"/>
+        </a:fillRef>
+        <a:effectRef idx="0">
+          <a:scrgbClr r="0" g="0" b="0"/>
+        </a:effectRef>
+        <a:fontRef idx="minor">
+          <a:schemeClr val="lt1"/>
+        </a:fontRef>
+      </dsp:style>
+      <dsp:txBody>
+        <a:bodyPr spcFirstLastPara="0" vert="horz" wrap="square" lIns="10795" tIns="10795" rIns="10795" bIns="10795" numCol="1" spcCol="1270" anchor="ctr" anchorCtr="0">
+          <a:noAutofit/>
+        </a:bodyPr>
+        <a:lstStyle/>
+        <a:p>
+          <a:pPr lvl="0" algn="ctr" defTabSz="755650">
+            <a:lnSpc>
+              <a:spcPct val="90000"/>
+            </a:lnSpc>
+            <a:spcBef>
+              <a:spcPct val="0"/>
+            </a:spcBef>
+            <a:spcAft>
+              <a:spcPct val="35000"/>
+            </a:spcAft>
+          </a:pPr>
+          <a:r>
+            <a:rPr lang="en-US" sz="1700" kern="1200" dirty="0" err="1" smtClean="0"/>
+            <a:t>Giảm</a:t>
+          </a:r>
+          <a:r>
+            <a:rPr lang="en-US" sz="1700" kern="1200" dirty="0" smtClean="0"/>
+            <a:t> chi </a:t>
+          </a:r>
+          <a:r>
+            <a:rPr lang="en-US" sz="1700" kern="1200" dirty="0" err="1" smtClean="0"/>
+            <a:t>phí</a:t>
+          </a:r>
+          <a:r>
+            <a:rPr lang="en-US" sz="1700" kern="1200" dirty="0" smtClean="0"/>
+            <a:t> </a:t>
+          </a:r>
+          <a:r>
+            <a:rPr lang="en-US" sz="1700" kern="1200" dirty="0" err="1" smtClean="0"/>
+            <a:t>cho</a:t>
+          </a:r>
+          <a:r>
+            <a:rPr lang="en-US" sz="1700" kern="1200" dirty="0" smtClean="0"/>
+            <a:t> </a:t>
+          </a:r>
+          <a:r>
+            <a:rPr lang="en-US" sz="1700" kern="1200" dirty="0" err="1" smtClean="0"/>
+            <a:t>việc</a:t>
+          </a:r>
+          <a:r>
+            <a:rPr lang="en-US" sz="1700" kern="1200" dirty="0" smtClean="0"/>
+            <a:t> </a:t>
+          </a:r>
+          <a:r>
+            <a:rPr lang="en-US" sz="1700" kern="1200" dirty="0" err="1" smtClean="0"/>
+            <a:t>sửa</a:t>
+          </a:r>
+          <a:r>
+            <a:rPr lang="en-US" sz="1700" kern="1200" dirty="0" smtClean="0"/>
+            <a:t> </a:t>
+          </a:r>
+          <a:r>
+            <a:rPr lang="en-US" sz="1700" kern="1200" dirty="0" err="1" smtClean="0"/>
+            <a:t>chữa</a:t>
+          </a:r>
+          <a:r>
+            <a:rPr lang="en-US" sz="1700" kern="1200" dirty="0" smtClean="0"/>
+            <a:t> </a:t>
+          </a:r>
+          <a:r>
+            <a:rPr lang="en-US" sz="1700" kern="1200" dirty="0" err="1" smtClean="0"/>
+            <a:t>lỗi</a:t>
+          </a:r>
+          <a:endParaRPr lang="en-US" sz="1700" kern="1200" dirty="0"/>
+        </a:p>
+      </dsp:txBody>
+      <dsp:txXfrm>
+        <a:off x="4816222" y="3272610"/>
+        <a:ext cx="1875187" cy="937593"/>
+      </dsp:txXfrm>
+    </dsp:sp>
+    <dsp:sp modelId="{869DB125-9E1C-49A7-9B34-FF93DE52EB24}">
+      <dsp:nvSpPr>
+        <dsp:cNvPr id="0" name=""/>
+        <dsp:cNvSpPr/>
+      </dsp:nvSpPr>
+      <dsp:spPr>
+        <a:xfrm>
+          <a:off x="4816222" y="4603994"/>
+          <a:ext cx="1875187" cy="937593"/>
+        </a:xfrm>
+        <a:prstGeom prst="rect">
+          <a:avLst/>
+        </a:prstGeom>
+        <a:solidFill>
+          <a:schemeClr val="accent1">
+            <a:hueOff val="0"/>
+            <a:satOff val="0"/>
+            <a:lumOff val="0"/>
+            <a:alphaOff val="0"/>
+          </a:schemeClr>
+        </a:solidFill>
+        <a:ln w="25400" cap="flat" cmpd="sng" algn="ctr">
+          <a:solidFill>
+            <a:schemeClr val="lt1">
+              <a:hueOff val="0"/>
+              <a:satOff val="0"/>
+              <a:lumOff val="0"/>
+              <a:alphaOff val="0"/>
+            </a:schemeClr>
+          </a:solidFill>
+          <a:prstDash val="solid"/>
+        </a:ln>
+        <a:effectLst/>
+      </dsp:spPr>
+      <dsp:style>
+        <a:lnRef idx="2">
+          <a:scrgbClr r="0" g="0" b="0"/>
+        </a:lnRef>
+        <a:fillRef idx="1">
+          <a:scrgbClr r="0" g="0" b="0"/>
+        </a:fillRef>
+        <a:effectRef idx="0">
+          <a:scrgbClr r="0" g="0" b="0"/>
+        </a:effectRef>
+        <a:fontRef idx="minor">
+          <a:schemeClr val="lt1"/>
+        </a:fontRef>
+      </dsp:style>
+      <dsp:txBody>
+        <a:bodyPr spcFirstLastPara="0" vert="horz" wrap="square" lIns="10795" tIns="10795" rIns="10795" bIns="10795" numCol="1" spcCol="1270" anchor="ctr" anchorCtr="0">
+          <a:noAutofit/>
+        </a:bodyPr>
+        <a:lstStyle/>
+        <a:p>
+          <a:pPr lvl="0" algn="ctr" defTabSz="755650">
+            <a:lnSpc>
+              <a:spcPct val="90000"/>
+            </a:lnSpc>
+            <a:spcBef>
+              <a:spcPct val="0"/>
+            </a:spcBef>
+            <a:spcAft>
+              <a:spcPct val="35000"/>
+            </a:spcAft>
+          </a:pPr>
+          <a:r>
+            <a:rPr lang="en-US" sz="1700" kern="1200" dirty="0" err="1" smtClean="0"/>
+            <a:t>Giúp</a:t>
+          </a:r>
+          <a:r>
+            <a:rPr lang="en-US" sz="1700" kern="1200" dirty="0" smtClean="0"/>
+            <a:t> </a:t>
+          </a:r>
+          <a:r>
+            <a:rPr lang="en-US" sz="1700" kern="1200" dirty="0" err="1" smtClean="0"/>
+            <a:t>nâng</a:t>
+          </a:r>
+          <a:r>
+            <a:rPr lang="en-US" sz="1700" kern="1200" dirty="0" smtClean="0"/>
+            <a:t> </a:t>
+          </a:r>
+          <a:r>
+            <a:rPr lang="en-US" sz="1700" kern="1200" dirty="0" err="1" smtClean="0"/>
+            <a:t>cao</a:t>
+          </a:r>
+          <a:r>
+            <a:rPr lang="en-US" sz="1700" kern="1200" dirty="0" smtClean="0"/>
+            <a:t> </a:t>
+          </a:r>
+          <a:r>
+            <a:rPr lang="en-US" sz="1700" kern="1200" dirty="0" err="1" smtClean="0"/>
+            <a:t>nhận</a:t>
+          </a:r>
+          <a:r>
+            <a:rPr lang="en-US" sz="1700" kern="1200" dirty="0" smtClean="0"/>
+            <a:t> </a:t>
+          </a:r>
+          <a:r>
+            <a:rPr lang="en-US" sz="1700" kern="1200" dirty="0" err="1" smtClean="0"/>
+            <a:t>thức</a:t>
+          </a:r>
+          <a:r>
+            <a:rPr lang="en-US" sz="1700" kern="1200" dirty="0" smtClean="0"/>
+            <a:t> </a:t>
+          </a:r>
+          <a:r>
+            <a:rPr lang="en-US" sz="1700" kern="1200" dirty="0" err="1" smtClean="0"/>
+            <a:t>các</a:t>
+          </a:r>
+          <a:r>
+            <a:rPr lang="en-US" sz="1700" kern="1200" dirty="0" smtClean="0"/>
+            <a:t> </a:t>
+          </a:r>
+          <a:r>
+            <a:rPr lang="en-US" sz="1700" kern="1200" dirty="0" err="1" smtClean="0"/>
+            <a:t>vấn</a:t>
+          </a:r>
+          <a:r>
+            <a:rPr lang="en-US" sz="1700" kern="1200" dirty="0" smtClean="0"/>
+            <a:t> </a:t>
+          </a:r>
+          <a:r>
+            <a:rPr lang="en-US" sz="1700" kern="1200" dirty="0" err="1" smtClean="0"/>
+            <a:t>đề</a:t>
+          </a:r>
+          <a:r>
+            <a:rPr lang="en-US" sz="1700" kern="1200" dirty="0" smtClean="0"/>
+            <a:t> </a:t>
+          </a:r>
+          <a:r>
+            <a:rPr lang="en-US" sz="1700" kern="1200" dirty="0" err="1" smtClean="0"/>
+            <a:t>về</a:t>
+          </a:r>
+          <a:r>
+            <a:rPr lang="en-US" sz="1700" kern="1200" dirty="0" smtClean="0"/>
+            <a:t> </a:t>
+          </a:r>
+          <a:r>
+            <a:rPr lang="en-US" sz="1700" kern="1200" dirty="0" err="1" smtClean="0"/>
+            <a:t>chất</a:t>
+          </a:r>
+          <a:r>
+            <a:rPr lang="en-US" sz="1700" kern="1200" dirty="0" smtClean="0"/>
+            <a:t> </a:t>
+          </a:r>
+          <a:r>
+            <a:rPr lang="en-US" sz="1700" kern="1200" dirty="0" err="1" smtClean="0"/>
+            <a:t>lượng</a:t>
+          </a:r>
+          <a:r>
+            <a:rPr lang="en-US" sz="1700" kern="1200" dirty="0" smtClean="0"/>
+            <a:t> </a:t>
+          </a:r>
+          <a:r>
+            <a:rPr lang="en-US" sz="1700" kern="1200" dirty="0" err="1" smtClean="0"/>
+            <a:t>sản</a:t>
+          </a:r>
+          <a:r>
+            <a:rPr lang="en-US" sz="1700" kern="1200" dirty="0" smtClean="0"/>
+            <a:t> </a:t>
+          </a:r>
+          <a:r>
+            <a:rPr lang="en-US" sz="1700" kern="1200" dirty="0" err="1" smtClean="0"/>
+            <a:t>phẩm</a:t>
+          </a:r>
+          <a:endParaRPr lang="en-US" sz="1700" kern="1200" dirty="0"/>
+        </a:p>
+      </dsp:txBody>
+      <dsp:txXfrm>
+        <a:off x="4816222" y="4603994"/>
+        <a:ext cx="1875187" cy="937593"/>
+      </dsp:txXfrm>
+    </dsp:sp>
   </dsp:spTree>
 </dsp:drawing>
 </file>
@@ -5556,6 +6813,1263 @@
       <dsp:cNvGrpSpPr/>
     </dsp:nvGrpSpPr>
     <dsp:grpSpPr/>
+    <dsp:sp modelId="{44915D03-D1CE-49A1-9C51-4350E07C0BA2}">
+      <dsp:nvSpPr>
+        <dsp:cNvPr id="0" name=""/>
+        <dsp:cNvSpPr/>
+      </dsp:nvSpPr>
+      <dsp:spPr>
+        <a:xfrm>
+          <a:off x="4534944" y="1547438"/>
+          <a:ext cx="281278" cy="3525352"/>
+        </a:xfrm>
+        <a:custGeom>
+          <a:avLst/>
+          <a:gdLst/>
+          <a:ahLst/>
+          <a:cxnLst/>
+          <a:rect l="0" t="0" r="0" b="0"/>
+          <a:pathLst>
+            <a:path>
+              <a:moveTo>
+                <a:pt x="0" y="0"/>
+              </a:moveTo>
+              <a:lnTo>
+                <a:pt x="0" y="3525352"/>
+              </a:lnTo>
+              <a:lnTo>
+                <a:pt x="281278" y="3525352"/>
+              </a:lnTo>
+            </a:path>
+          </a:pathLst>
+        </a:custGeom>
+        <a:noFill/>
+        <a:ln w="25400" cap="flat" cmpd="sng" algn="ctr">
+          <a:solidFill>
+            <a:schemeClr val="accent1">
+              <a:shade val="80000"/>
+              <a:hueOff val="0"/>
+              <a:satOff val="0"/>
+              <a:lumOff val="0"/>
+              <a:alphaOff val="0"/>
+            </a:schemeClr>
+          </a:solidFill>
+          <a:prstDash val="solid"/>
+        </a:ln>
+        <a:effectLst/>
+      </dsp:spPr>
+      <dsp:style>
+        <a:lnRef idx="2">
+          <a:scrgbClr r="0" g="0" b="0"/>
+        </a:lnRef>
+        <a:fillRef idx="0">
+          <a:scrgbClr r="0" g="0" b="0"/>
+        </a:fillRef>
+        <a:effectRef idx="0">
+          <a:scrgbClr r="0" g="0" b="0"/>
+        </a:effectRef>
+        <a:fontRef idx="minor"/>
+      </dsp:style>
+    </dsp:sp>
+    <dsp:sp modelId="{CF4C6A80-1FFE-4886-A7DA-4B76302E377D}">
+      <dsp:nvSpPr>
+        <dsp:cNvPr id="0" name=""/>
+        <dsp:cNvSpPr/>
+      </dsp:nvSpPr>
+      <dsp:spPr>
+        <a:xfrm>
+          <a:off x="4534944" y="1547438"/>
+          <a:ext cx="281278" cy="2193969"/>
+        </a:xfrm>
+        <a:custGeom>
+          <a:avLst/>
+          <a:gdLst/>
+          <a:ahLst/>
+          <a:cxnLst/>
+          <a:rect l="0" t="0" r="0" b="0"/>
+          <a:pathLst>
+            <a:path>
+              <a:moveTo>
+                <a:pt x="0" y="0"/>
+              </a:moveTo>
+              <a:lnTo>
+                <a:pt x="0" y="2193969"/>
+              </a:lnTo>
+              <a:lnTo>
+                <a:pt x="281278" y="2193969"/>
+              </a:lnTo>
+            </a:path>
+          </a:pathLst>
+        </a:custGeom>
+        <a:noFill/>
+        <a:ln w="25400" cap="flat" cmpd="sng" algn="ctr">
+          <a:solidFill>
+            <a:schemeClr val="accent1">
+              <a:shade val="80000"/>
+              <a:hueOff val="0"/>
+              <a:satOff val="0"/>
+              <a:lumOff val="0"/>
+              <a:alphaOff val="0"/>
+            </a:schemeClr>
+          </a:solidFill>
+          <a:prstDash val="solid"/>
+        </a:ln>
+        <a:effectLst/>
+      </dsp:spPr>
+      <dsp:style>
+        <a:lnRef idx="2">
+          <a:scrgbClr r="0" g="0" b="0"/>
+        </a:lnRef>
+        <a:fillRef idx="0">
+          <a:scrgbClr r="0" g="0" b="0"/>
+        </a:fillRef>
+        <a:effectRef idx="0">
+          <a:scrgbClr r="0" g="0" b="0"/>
+        </a:effectRef>
+        <a:fontRef idx="minor"/>
+      </dsp:style>
+    </dsp:sp>
+    <dsp:sp modelId="{AB46C5DF-49FE-4C70-8124-6F7BBA655F0F}">
+      <dsp:nvSpPr>
+        <dsp:cNvPr id="0" name=""/>
+        <dsp:cNvSpPr/>
+      </dsp:nvSpPr>
+      <dsp:spPr>
+        <a:xfrm>
+          <a:off x="4534944" y="1547438"/>
+          <a:ext cx="281278" cy="862586"/>
+        </a:xfrm>
+        <a:custGeom>
+          <a:avLst/>
+          <a:gdLst/>
+          <a:ahLst/>
+          <a:cxnLst/>
+          <a:rect l="0" t="0" r="0" b="0"/>
+          <a:pathLst>
+            <a:path>
+              <a:moveTo>
+                <a:pt x="0" y="0"/>
+              </a:moveTo>
+              <a:lnTo>
+                <a:pt x="0" y="862586"/>
+              </a:lnTo>
+              <a:lnTo>
+                <a:pt x="281278" y="862586"/>
+              </a:lnTo>
+            </a:path>
+          </a:pathLst>
+        </a:custGeom>
+        <a:noFill/>
+        <a:ln w="25400" cap="flat" cmpd="sng" algn="ctr">
+          <a:solidFill>
+            <a:schemeClr val="accent1">
+              <a:shade val="80000"/>
+              <a:hueOff val="0"/>
+              <a:satOff val="0"/>
+              <a:lumOff val="0"/>
+              <a:alphaOff val="0"/>
+            </a:schemeClr>
+          </a:solidFill>
+          <a:prstDash val="solid"/>
+        </a:ln>
+        <a:effectLst/>
+      </dsp:spPr>
+      <dsp:style>
+        <a:lnRef idx="2">
+          <a:scrgbClr r="0" g="0" b="0"/>
+        </a:lnRef>
+        <a:fillRef idx="0">
+          <a:scrgbClr r="0" g="0" b="0"/>
+        </a:fillRef>
+        <a:effectRef idx="0">
+          <a:scrgbClr r="0" g="0" b="0"/>
+        </a:effectRef>
+        <a:fontRef idx="minor"/>
+      </dsp:style>
+    </dsp:sp>
+    <dsp:sp modelId="{4DE4FFE2-7616-4C2C-83EE-EE938EA58535}">
+      <dsp:nvSpPr>
+        <dsp:cNvPr id="0" name=""/>
+        <dsp:cNvSpPr/>
+      </dsp:nvSpPr>
+      <dsp:spPr>
+        <a:xfrm>
+          <a:off x="4058177" y="783172"/>
+          <a:ext cx="1226841" cy="394019"/>
+        </a:xfrm>
+        <a:custGeom>
+          <a:avLst/>
+          <a:gdLst/>
+          <a:ahLst/>
+          <a:cxnLst/>
+          <a:rect l="0" t="0" r="0" b="0"/>
+          <a:pathLst>
+            <a:path>
+              <a:moveTo>
+                <a:pt x="0" y="0"/>
+              </a:moveTo>
+              <a:lnTo>
+                <a:pt x="0" y="197124"/>
+              </a:lnTo>
+              <a:lnTo>
+                <a:pt x="1226841" y="197124"/>
+              </a:lnTo>
+              <a:lnTo>
+                <a:pt x="1226841" y="394019"/>
+              </a:lnTo>
+            </a:path>
+          </a:pathLst>
+        </a:custGeom>
+        <a:noFill/>
+        <a:ln w="25400" cap="flat" cmpd="sng" algn="ctr">
+          <a:solidFill>
+            <a:schemeClr val="accent1">
+              <a:shade val="60000"/>
+              <a:hueOff val="0"/>
+              <a:satOff val="0"/>
+              <a:lumOff val="0"/>
+              <a:alphaOff val="0"/>
+            </a:schemeClr>
+          </a:solidFill>
+          <a:prstDash val="solid"/>
+        </a:ln>
+        <a:effectLst/>
+      </dsp:spPr>
+      <dsp:style>
+        <a:lnRef idx="2">
+          <a:scrgbClr r="0" g="0" b="0"/>
+        </a:lnRef>
+        <a:fillRef idx="0">
+          <a:scrgbClr r="0" g="0" b="0"/>
+        </a:fillRef>
+        <a:effectRef idx="0">
+          <a:scrgbClr r="0" g="0" b="0"/>
+        </a:effectRef>
+        <a:fontRef idx="minor"/>
+      </dsp:style>
+    </dsp:sp>
+    <dsp:sp modelId="{7CBF8967-359C-43CF-B693-F8EFE9E90BB3}">
+      <dsp:nvSpPr>
+        <dsp:cNvPr id="0" name=""/>
+        <dsp:cNvSpPr/>
+      </dsp:nvSpPr>
+      <dsp:spPr>
+        <a:xfrm>
+          <a:off x="2060206" y="1549182"/>
+          <a:ext cx="315571" cy="862586"/>
+        </a:xfrm>
+        <a:custGeom>
+          <a:avLst/>
+          <a:gdLst/>
+          <a:ahLst/>
+          <a:cxnLst/>
+          <a:rect l="0" t="0" r="0" b="0"/>
+          <a:pathLst>
+            <a:path>
+              <a:moveTo>
+                <a:pt x="0" y="0"/>
+              </a:moveTo>
+              <a:lnTo>
+                <a:pt x="0" y="862586"/>
+              </a:lnTo>
+              <a:lnTo>
+                <a:pt x="315571" y="862586"/>
+              </a:lnTo>
+            </a:path>
+          </a:pathLst>
+        </a:custGeom>
+        <a:noFill/>
+        <a:ln w="25400" cap="flat" cmpd="sng" algn="ctr">
+          <a:solidFill>
+            <a:schemeClr val="accent1">
+              <a:shade val="80000"/>
+              <a:hueOff val="0"/>
+              <a:satOff val="0"/>
+              <a:lumOff val="0"/>
+              <a:alphaOff val="0"/>
+            </a:schemeClr>
+          </a:solidFill>
+          <a:prstDash val="solid"/>
+        </a:ln>
+        <a:effectLst/>
+      </dsp:spPr>
+      <dsp:style>
+        <a:lnRef idx="2">
+          <a:scrgbClr r="0" g="0" b="0"/>
+        </a:lnRef>
+        <a:fillRef idx="0">
+          <a:scrgbClr r="0" g="0" b="0"/>
+        </a:fillRef>
+        <a:effectRef idx="0">
+          <a:scrgbClr r="0" g="0" b="0"/>
+        </a:effectRef>
+        <a:fontRef idx="minor"/>
+      </dsp:style>
+    </dsp:sp>
+    <dsp:sp modelId="{979589C6-ED99-4DF8-A53F-91DBBB91E029}">
+      <dsp:nvSpPr>
+        <dsp:cNvPr id="0" name=""/>
+        <dsp:cNvSpPr/>
+      </dsp:nvSpPr>
+      <dsp:spPr>
+        <a:xfrm>
+          <a:off x="2901730" y="783172"/>
+          <a:ext cx="1156447" cy="394019"/>
+        </a:xfrm>
+        <a:custGeom>
+          <a:avLst/>
+          <a:gdLst/>
+          <a:ahLst/>
+          <a:cxnLst/>
+          <a:rect l="0" t="0" r="0" b="0"/>
+          <a:pathLst>
+            <a:path>
+              <a:moveTo>
+                <a:pt x="1156447" y="0"/>
+              </a:moveTo>
+              <a:lnTo>
+                <a:pt x="1156447" y="197124"/>
+              </a:lnTo>
+              <a:lnTo>
+                <a:pt x="0" y="197124"/>
+              </a:lnTo>
+              <a:lnTo>
+                <a:pt x="0" y="394019"/>
+              </a:lnTo>
+            </a:path>
+          </a:pathLst>
+        </a:custGeom>
+        <a:noFill/>
+        <a:ln w="25400" cap="flat" cmpd="sng" algn="ctr">
+          <a:solidFill>
+            <a:schemeClr val="accent1">
+              <a:shade val="60000"/>
+              <a:hueOff val="0"/>
+              <a:satOff val="0"/>
+              <a:lumOff val="0"/>
+              <a:alphaOff val="0"/>
+            </a:schemeClr>
+          </a:solidFill>
+          <a:prstDash val="solid"/>
+        </a:ln>
+        <a:effectLst/>
+      </dsp:spPr>
+      <dsp:style>
+        <a:lnRef idx="2">
+          <a:scrgbClr r="0" g="0" b="0"/>
+        </a:lnRef>
+        <a:fillRef idx="0">
+          <a:scrgbClr r="0" g="0" b="0"/>
+        </a:fillRef>
+        <a:effectRef idx="0">
+          <a:scrgbClr r="0" g="0" b="0"/>
+        </a:effectRef>
+        <a:fontRef idx="minor"/>
+      </dsp:style>
+    </dsp:sp>
+    <dsp:sp modelId="{243DB652-8D43-4B39-A5E3-3DA160257AD1}">
+      <dsp:nvSpPr>
+        <dsp:cNvPr id="0" name=""/>
+        <dsp:cNvSpPr/>
+      </dsp:nvSpPr>
+      <dsp:spPr>
+        <a:xfrm>
+          <a:off x="1426220" y="0"/>
+          <a:ext cx="5263914" cy="783172"/>
+        </a:xfrm>
+        <a:prstGeom prst="rect">
+          <a:avLst/>
+        </a:prstGeom>
+        <a:solidFill>
+          <a:schemeClr val="accent1">
+            <a:hueOff val="0"/>
+            <a:satOff val="0"/>
+            <a:lumOff val="0"/>
+            <a:alphaOff val="0"/>
+          </a:schemeClr>
+        </a:solidFill>
+        <a:ln w="25400" cap="flat" cmpd="sng" algn="ctr">
+          <a:solidFill>
+            <a:schemeClr val="lt1">
+              <a:hueOff val="0"/>
+              <a:satOff val="0"/>
+              <a:lumOff val="0"/>
+              <a:alphaOff val="0"/>
+            </a:schemeClr>
+          </a:solidFill>
+          <a:prstDash val="solid"/>
+        </a:ln>
+        <a:effectLst/>
+      </dsp:spPr>
+      <dsp:style>
+        <a:lnRef idx="2">
+          <a:scrgbClr r="0" g="0" b="0"/>
+        </a:lnRef>
+        <a:fillRef idx="1">
+          <a:scrgbClr r="0" g="0" b="0"/>
+        </a:fillRef>
+        <a:effectRef idx="0">
+          <a:scrgbClr r="0" g="0" b="0"/>
+        </a:effectRef>
+        <a:fontRef idx="minor">
+          <a:schemeClr val="lt1"/>
+        </a:fontRef>
+      </dsp:style>
+      <dsp:txBody>
+        <a:bodyPr spcFirstLastPara="0" vert="horz" wrap="square" lIns="19050" tIns="19050" rIns="19050" bIns="19050" numCol="1" spcCol="1270" anchor="ctr" anchorCtr="0">
+          <a:noAutofit/>
+        </a:bodyPr>
+        <a:lstStyle/>
+        <a:p>
+          <a:pPr lvl="0" algn="ctr" defTabSz="1333500">
+            <a:lnSpc>
+              <a:spcPct val="90000"/>
+            </a:lnSpc>
+            <a:spcBef>
+              <a:spcPct val="0"/>
+            </a:spcBef>
+            <a:spcAft>
+              <a:spcPct val="35000"/>
+            </a:spcAft>
+          </a:pPr>
+          <a:r>
+            <a:rPr lang="en-US" sz="3000" b="1" kern="1200" dirty="0" err="1" smtClean="0"/>
+            <a:t>Kiểm</a:t>
+          </a:r>
+          <a:r>
+            <a:rPr lang="en-US" sz="3000" b="1" kern="1200" dirty="0" smtClean="0"/>
+            <a:t> </a:t>
+          </a:r>
+          <a:r>
+            <a:rPr lang="en-US" sz="3000" b="1" kern="1200" dirty="0" err="1" smtClean="0"/>
+            <a:t>thử</a:t>
+          </a:r>
+          <a:r>
+            <a:rPr lang="en-US" sz="3000" b="1" kern="1200" dirty="0" smtClean="0"/>
+            <a:t> </a:t>
+          </a:r>
+          <a:r>
+            <a:rPr lang="en-US" sz="3000" b="1" kern="1200" dirty="0" err="1" smtClean="0"/>
+            <a:t>tĩnh</a:t>
+          </a:r>
+          <a:endParaRPr lang="en-US" sz="3000" b="1" kern="1200" dirty="0"/>
+        </a:p>
+      </dsp:txBody>
+      <dsp:txXfrm>
+        <a:off x="1426220" y="0"/>
+        <a:ext cx="5263914" cy="783172"/>
+      </dsp:txXfrm>
+    </dsp:sp>
+    <dsp:sp modelId="{18318462-267C-415A-BCD8-4757C2E9755C}">
+      <dsp:nvSpPr>
+        <dsp:cNvPr id="0" name=""/>
+        <dsp:cNvSpPr/>
+      </dsp:nvSpPr>
+      <dsp:spPr>
+        <a:xfrm>
+          <a:off x="1849825" y="1177191"/>
+          <a:ext cx="2103810" cy="371990"/>
+        </a:xfrm>
+        <a:prstGeom prst="rect">
+          <a:avLst/>
+        </a:prstGeom>
+        <a:solidFill>
+          <a:schemeClr val="accent1">
+            <a:hueOff val="0"/>
+            <a:satOff val="0"/>
+            <a:lumOff val="0"/>
+            <a:alphaOff val="0"/>
+          </a:schemeClr>
+        </a:solidFill>
+        <a:ln w="25400" cap="flat" cmpd="sng" algn="ctr">
+          <a:solidFill>
+            <a:schemeClr val="lt1">
+              <a:hueOff val="0"/>
+              <a:satOff val="0"/>
+              <a:lumOff val="0"/>
+              <a:alphaOff val="0"/>
+            </a:schemeClr>
+          </a:solidFill>
+          <a:prstDash val="solid"/>
+        </a:ln>
+        <a:effectLst/>
+      </dsp:spPr>
+      <dsp:style>
+        <a:lnRef idx="2">
+          <a:scrgbClr r="0" g="0" b="0"/>
+        </a:lnRef>
+        <a:fillRef idx="1">
+          <a:scrgbClr r="0" g="0" b="0"/>
+        </a:fillRef>
+        <a:effectRef idx="0">
+          <a:scrgbClr r="0" g="0" b="0"/>
+        </a:effectRef>
+        <a:fontRef idx="minor">
+          <a:schemeClr val="lt1"/>
+        </a:fontRef>
+      </dsp:style>
+      <dsp:txBody>
+        <a:bodyPr spcFirstLastPara="0" vert="horz" wrap="square" lIns="9525" tIns="9525" rIns="9525" bIns="9525" numCol="1" spcCol="1270" anchor="ctr" anchorCtr="0">
+          <a:noAutofit/>
+        </a:bodyPr>
+        <a:lstStyle/>
+        <a:p>
+          <a:pPr lvl="0" algn="ctr" defTabSz="666750">
+            <a:lnSpc>
+              <a:spcPct val="90000"/>
+            </a:lnSpc>
+            <a:spcBef>
+              <a:spcPct val="0"/>
+            </a:spcBef>
+            <a:spcAft>
+              <a:spcPct val="35000"/>
+            </a:spcAft>
+          </a:pPr>
+          <a:r>
+            <a:rPr lang="en-US" sz="1500" kern="1200" dirty="0" err="1" smtClean="0"/>
+            <a:t>Khái</a:t>
+          </a:r>
+          <a:r>
+            <a:rPr lang="en-US" sz="1500" kern="1200" dirty="0" smtClean="0"/>
+            <a:t> </a:t>
+          </a:r>
+          <a:r>
+            <a:rPr lang="en-US" sz="1500" kern="1200" dirty="0" err="1" smtClean="0"/>
+            <a:t>niệm</a:t>
+          </a:r>
+          <a:endParaRPr lang="en-US" sz="1500" kern="1200" dirty="0"/>
+        </a:p>
+      </dsp:txBody>
+      <dsp:txXfrm>
+        <a:off x="1849825" y="1177191"/>
+        <a:ext cx="2103810" cy="371990"/>
+      </dsp:txXfrm>
+    </dsp:sp>
+    <dsp:sp modelId="{0CB5E190-C0B2-4526-BA94-18D21694DB77}">
+      <dsp:nvSpPr>
+        <dsp:cNvPr id="0" name=""/>
+        <dsp:cNvSpPr/>
+      </dsp:nvSpPr>
+      <dsp:spPr>
+        <a:xfrm>
+          <a:off x="2375778" y="1942971"/>
+          <a:ext cx="1875187" cy="937593"/>
+        </a:xfrm>
+        <a:prstGeom prst="rect">
+          <a:avLst/>
+        </a:prstGeom>
+        <a:solidFill>
+          <a:schemeClr val="accent1">
+            <a:hueOff val="0"/>
+            <a:satOff val="0"/>
+            <a:lumOff val="0"/>
+            <a:alphaOff val="0"/>
+          </a:schemeClr>
+        </a:solidFill>
+        <a:ln w="25400" cap="flat" cmpd="sng" algn="ctr">
+          <a:solidFill>
+            <a:schemeClr val="lt1">
+              <a:hueOff val="0"/>
+              <a:satOff val="0"/>
+              <a:lumOff val="0"/>
+              <a:alphaOff val="0"/>
+            </a:schemeClr>
+          </a:solidFill>
+          <a:prstDash val="solid"/>
+        </a:ln>
+        <a:effectLst/>
+      </dsp:spPr>
+      <dsp:style>
+        <a:lnRef idx="2">
+          <a:scrgbClr r="0" g="0" b="0"/>
+        </a:lnRef>
+        <a:fillRef idx="1">
+          <a:scrgbClr r="0" g="0" b="0"/>
+        </a:fillRef>
+        <a:effectRef idx="0">
+          <a:scrgbClr r="0" g="0" b="0"/>
+        </a:effectRef>
+        <a:fontRef idx="minor">
+          <a:schemeClr val="lt1"/>
+        </a:fontRef>
+      </dsp:style>
+      <dsp:txBody>
+        <a:bodyPr spcFirstLastPara="0" vert="horz" wrap="square" lIns="10795" tIns="10795" rIns="10795" bIns="10795" numCol="1" spcCol="1270" anchor="ctr" anchorCtr="0">
+          <a:noAutofit/>
+        </a:bodyPr>
+        <a:lstStyle/>
+        <a:p>
+          <a:pPr lvl="0" algn="ctr" defTabSz="755650">
+            <a:lnSpc>
+              <a:spcPct val="90000"/>
+            </a:lnSpc>
+            <a:spcBef>
+              <a:spcPct val="0"/>
+            </a:spcBef>
+            <a:spcAft>
+              <a:spcPct val="35000"/>
+            </a:spcAft>
+          </a:pPr>
+          <a:r>
+            <a:rPr lang="en-US" sz="1700" kern="1200" dirty="0" err="1" smtClean="0"/>
+            <a:t>Kiểm</a:t>
+          </a:r>
+          <a:r>
+            <a:rPr lang="en-US" sz="1700" kern="1200" dirty="0" smtClean="0"/>
+            <a:t> </a:t>
+          </a:r>
+          <a:r>
+            <a:rPr lang="en-US" sz="1700" kern="1200" dirty="0" err="1" smtClean="0"/>
+            <a:t>thử</a:t>
+          </a:r>
+          <a:r>
+            <a:rPr lang="en-US" sz="1700" kern="1200" dirty="0" smtClean="0"/>
+            <a:t> </a:t>
+          </a:r>
+          <a:r>
+            <a:rPr lang="en-US" sz="1700" kern="1200" dirty="0" err="1" smtClean="0"/>
+            <a:t>tĩnh</a:t>
+          </a:r>
+          <a:r>
+            <a:rPr lang="en-US" sz="1700" kern="1200" dirty="0" smtClean="0"/>
+            <a:t> </a:t>
+          </a:r>
+          <a:r>
+            <a:rPr lang="en-US" sz="1700" kern="1200" dirty="0" err="1" smtClean="0"/>
+            <a:t>là</a:t>
+          </a:r>
+          <a:r>
+            <a:rPr lang="en-US" sz="1700" kern="1200" dirty="0" smtClean="0"/>
+            <a:t> </a:t>
+          </a:r>
+          <a:r>
+            <a:rPr lang="en-US" sz="1700" kern="1200" dirty="0" err="1" smtClean="0"/>
+            <a:t>loại</a:t>
+          </a:r>
+          <a:r>
+            <a:rPr lang="en-US" sz="1700" kern="1200" dirty="0" smtClean="0"/>
+            <a:t> </a:t>
+          </a:r>
+          <a:r>
+            <a:rPr lang="en-US" sz="1700" kern="1200" dirty="0" err="1" smtClean="0"/>
+            <a:t>kiểm</a:t>
+          </a:r>
+          <a:r>
+            <a:rPr lang="en-US" sz="1700" kern="1200" dirty="0" smtClean="0"/>
+            <a:t> </a:t>
+          </a:r>
+          <a:r>
+            <a:rPr lang="en-US" sz="1700" kern="1200" dirty="0" err="1" smtClean="0"/>
+            <a:t>tra</a:t>
+          </a:r>
+          <a:r>
+            <a:rPr lang="en-US" sz="1700" kern="1200" dirty="0" smtClean="0"/>
+            <a:t> </a:t>
+          </a:r>
+          <a:r>
+            <a:rPr lang="en-US" sz="1700" kern="1200" dirty="0" err="1" smtClean="0"/>
+            <a:t>trong</a:t>
+          </a:r>
+          <a:r>
+            <a:rPr lang="en-US" sz="1700" kern="1200" dirty="0" smtClean="0"/>
+            <a:t> </a:t>
+          </a:r>
+          <a:r>
+            <a:rPr lang="en-US" sz="1700" kern="1200" dirty="0" err="1" smtClean="0"/>
+            <a:t>đó</a:t>
+          </a:r>
+          <a:r>
+            <a:rPr lang="en-US" sz="1700" kern="1200" dirty="0" smtClean="0"/>
+            <a:t> code </a:t>
+          </a:r>
+          <a:r>
+            <a:rPr lang="en-US" sz="1700" kern="1200" dirty="0" err="1" smtClean="0"/>
+            <a:t>không</a:t>
+          </a:r>
+          <a:r>
+            <a:rPr lang="en-US" sz="1700" kern="1200" dirty="0" smtClean="0"/>
+            <a:t> </a:t>
+          </a:r>
+          <a:r>
+            <a:rPr lang="en-US" sz="1700" kern="1200" dirty="0" err="1" smtClean="0"/>
+            <a:t>được</a:t>
+          </a:r>
+          <a:r>
+            <a:rPr lang="en-US" sz="1700" kern="1200" dirty="0" smtClean="0"/>
+            <a:t> </a:t>
+          </a:r>
+          <a:r>
+            <a:rPr lang="en-US" sz="1700" kern="1200" dirty="0" err="1" smtClean="0"/>
+            <a:t>thực</a:t>
+          </a:r>
+          <a:r>
+            <a:rPr lang="en-US" sz="1700" kern="1200" dirty="0" smtClean="0"/>
+            <a:t> </a:t>
+          </a:r>
+          <a:r>
+            <a:rPr lang="en-US" sz="1700" kern="1200" dirty="0" err="1" smtClean="0"/>
+            <a:t>hiện</a:t>
+          </a:r>
+          <a:r>
+            <a:rPr lang="en-US" sz="1700" kern="1200" dirty="0" smtClean="0"/>
+            <a:t>. </a:t>
+          </a:r>
+          <a:endParaRPr lang="en-US" sz="1700" kern="1200" dirty="0"/>
+        </a:p>
+      </dsp:txBody>
+      <dsp:txXfrm>
+        <a:off x="2375778" y="1942971"/>
+        <a:ext cx="1875187" cy="937593"/>
+      </dsp:txXfrm>
+    </dsp:sp>
+    <dsp:sp modelId="{C39FE5FF-3EF2-4730-A64E-57DCE8A44B4F}">
+      <dsp:nvSpPr>
+        <dsp:cNvPr id="0" name=""/>
+        <dsp:cNvSpPr/>
+      </dsp:nvSpPr>
+      <dsp:spPr>
+        <a:xfrm>
+          <a:off x="4347425" y="1177191"/>
+          <a:ext cx="1875187" cy="370246"/>
+        </a:xfrm>
+        <a:prstGeom prst="rect">
+          <a:avLst/>
+        </a:prstGeom>
+        <a:solidFill>
+          <a:schemeClr val="accent1">
+            <a:hueOff val="0"/>
+            <a:satOff val="0"/>
+            <a:lumOff val="0"/>
+            <a:alphaOff val="0"/>
+          </a:schemeClr>
+        </a:solidFill>
+        <a:ln w="25400" cap="flat" cmpd="sng" algn="ctr">
+          <a:solidFill>
+            <a:schemeClr val="lt1">
+              <a:hueOff val="0"/>
+              <a:satOff val="0"/>
+              <a:lumOff val="0"/>
+              <a:alphaOff val="0"/>
+            </a:schemeClr>
+          </a:solidFill>
+          <a:prstDash val="solid"/>
+        </a:ln>
+        <a:effectLst/>
+      </dsp:spPr>
+      <dsp:style>
+        <a:lnRef idx="2">
+          <a:scrgbClr r="0" g="0" b="0"/>
+        </a:lnRef>
+        <a:fillRef idx="1">
+          <a:scrgbClr r="0" g="0" b="0"/>
+        </a:fillRef>
+        <a:effectRef idx="0">
+          <a:scrgbClr r="0" g="0" b="0"/>
+        </a:effectRef>
+        <a:fontRef idx="minor">
+          <a:schemeClr val="lt1"/>
+        </a:fontRef>
+      </dsp:style>
+      <dsp:txBody>
+        <a:bodyPr spcFirstLastPara="0" vert="horz" wrap="square" lIns="9525" tIns="9525" rIns="9525" bIns="9525" numCol="1" spcCol="1270" anchor="ctr" anchorCtr="0">
+          <a:noAutofit/>
+        </a:bodyPr>
+        <a:lstStyle/>
+        <a:p>
+          <a:pPr lvl="0" algn="ctr" defTabSz="666750">
+            <a:lnSpc>
+              <a:spcPct val="90000"/>
+            </a:lnSpc>
+            <a:spcBef>
+              <a:spcPct val="0"/>
+            </a:spcBef>
+            <a:spcAft>
+              <a:spcPct val="35000"/>
+            </a:spcAft>
+          </a:pPr>
+          <a:r>
+            <a:rPr lang="en-US" sz="1500" kern="1200" dirty="0" err="1" smtClean="0"/>
+            <a:t>Lợi</a:t>
+          </a:r>
+          <a:r>
+            <a:rPr lang="en-US" sz="1500" kern="1200" dirty="0" smtClean="0"/>
+            <a:t> </a:t>
+          </a:r>
+          <a:r>
+            <a:rPr lang="en-US" sz="1500" kern="1200" dirty="0" err="1" smtClean="0"/>
+            <a:t>ích</a:t>
+          </a:r>
+          <a:endParaRPr lang="en-US" sz="1500" kern="1200" dirty="0"/>
+        </a:p>
+      </dsp:txBody>
+      <dsp:txXfrm>
+        <a:off x="4347425" y="1177191"/>
+        <a:ext cx="1875187" cy="370246"/>
+      </dsp:txXfrm>
+    </dsp:sp>
+    <dsp:sp modelId="{A1E20608-F773-4A96-BCBD-0004C6951DCD}">
+      <dsp:nvSpPr>
+        <dsp:cNvPr id="0" name=""/>
+        <dsp:cNvSpPr/>
+      </dsp:nvSpPr>
+      <dsp:spPr>
+        <a:xfrm>
+          <a:off x="4816222" y="1941227"/>
+          <a:ext cx="1875187" cy="937593"/>
+        </a:xfrm>
+        <a:prstGeom prst="rect">
+          <a:avLst/>
+        </a:prstGeom>
+        <a:solidFill>
+          <a:schemeClr val="accent1">
+            <a:hueOff val="0"/>
+            <a:satOff val="0"/>
+            <a:lumOff val="0"/>
+            <a:alphaOff val="0"/>
+          </a:schemeClr>
+        </a:solidFill>
+        <a:ln w="25400" cap="flat" cmpd="sng" algn="ctr">
+          <a:solidFill>
+            <a:schemeClr val="lt1">
+              <a:hueOff val="0"/>
+              <a:satOff val="0"/>
+              <a:lumOff val="0"/>
+              <a:alphaOff val="0"/>
+            </a:schemeClr>
+          </a:solidFill>
+          <a:prstDash val="solid"/>
+        </a:ln>
+        <a:effectLst/>
+      </dsp:spPr>
+      <dsp:style>
+        <a:lnRef idx="2">
+          <a:scrgbClr r="0" g="0" b="0"/>
+        </a:lnRef>
+        <a:fillRef idx="1">
+          <a:scrgbClr r="0" g="0" b="0"/>
+        </a:fillRef>
+        <a:effectRef idx="0">
+          <a:scrgbClr r="0" g="0" b="0"/>
+        </a:effectRef>
+        <a:fontRef idx="minor">
+          <a:schemeClr val="lt1"/>
+        </a:fontRef>
+      </dsp:style>
+      <dsp:txBody>
+        <a:bodyPr spcFirstLastPara="0" vert="horz" wrap="square" lIns="10795" tIns="10795" rIns="10795" bIns="10795" numCol="1" spcCol="1270" anchor="ctr" anchorCtr="0">
+          <a:noAutofit/>
+        </a:bodyPr>
+        <a:lstStyle/>
+        <a:p>
+          <a:pPr lvl="0" algn="ctr" defTabSz="755650">
+            <a:lnSpc>
+              <a:spcPct val="90000"/>
+            </a:lnSpc>
+            <a:spcBef>
+              <a:spcPct val="0"/>
+            </a:spcBef>
+            <a:spcAft>
+              <a:spcPct val="35000"/>
+            </a:spcAft>
+          </a:pPr>
+          <a:r>
+            <a:rPr lang="en-US" sz="1700" kern="1200" dirty="0" err="1" smtClean="0"/>
+            <a:t>Có</a:t>
+          </a:r>
+          <a:r>
+            <a:rPr lang="en-US" sz="1700" kern="1200" dirty="0" smtClean="0"/>
+            <a:t> </a:t>
+          </a:r>
+          <a:r>
+            <a:rPr lang="en-US" sz="1700" kern="1200" dirty="0" err="1" smtClean="0"/>
+            <a:t>thế</a:t>
+          </a:r>
+          <a:r>
+            <a:rPr lang="en-US" sz="1700" kern="1200" dirty="0" smtClean="0"/>
+            <a:t> </a:t>
+          </a:r>
+          <a:r>
+            <a:rPr lang="en-US" sz="1700" kern="1200" dirty="0" err="1" smtClean="0"/>
+            <a:t>bắt</a:t>
+          </a:r>
+          <a:r>
+            <a:rPr lang="en-US" sz="1700" kern="1200" dirty="0" smtClean="0"/>
+            <a:t> </a:t>
+          </a:r>
+          <a:r>
+            <a:rPr lang="en-US" sz="1700" kern="1200" dirty="0" err="1" smtClean="0"/>
+            <a:t>đầu</a:t>
+          </a:r>
+          <a:r>
+            <a:rPr lang="en-US" sz="1700" kern="1200" dirty="0" smtClean="0"/>
+            <a:t> </a:t>
+          </a:r>
+          <a:r>
+            <a:rPr lang="en-US" sz="1700" kern="1200" dirty="0" err="1" smtClean="0"/>
+            <a:t>sớm</a:t>
+          </a:r>
+          <a:r>
+            <a:rPr lang="en-US" sz="1700" kern="1200" dirty="0" smtClean="0"/>
+            <a:t> </a:t>
+          </a:r>
+          <a:r>
+            <a:rPr lang="en-US" sz="1700" kern="1200" dirty="0" err="1" smtClean="0"/>
+            <a:t>trong</a:t>
+          </a:r>
+          <a:r>
+            <a:rPr lang="en-US" sz="1700" kern="1200" dirty="0" smtClean="0"/>
+            <a:t> </a:t>
+          </a:r>
+          <a:r>
+            <a:rPr lang="en-US" sz="1700" kern="1200" dirty="0" err="1" smtClean="0"/>
+            <a:t>vòng</a:t>
+          </a:r>
+          <a:r>
+            <a:rPr lang="en-US" sz="1700" kern="1200" dirty="0" smtClean="0"/>
+            <a:t> </a:t>
+          </a:r>
+          <a:r>
+            <a:rPr lang="en-US" sz="1700" kern="1200" dirty="0" err="1" smtClean="0"/>
+            <a:t>đời</a:t>
+          </a:r>
+          <a:r>
+            <a:rPr lang="en-US" sz="1700" kern="1200" dirty="0" smtClean="0"/>
+            <a:t> </a:t>
+          </a:r>
+          <a:r>
+            <a:rPr lang="en-US" sz="1700" kern="1200" dirty="0" err="1" smtClean="0"/>
+            <a:t>phát</a:t>
+          </a:r>
+          <a:r>
+            <a:rPr lang="en-US" sz="1700" kern="1200" dirty="0" smtClean="0"/>
+            <a:t> </a:t>
+          </a:r>
+          <a:r>
+            <a:rPr lang="en-US" sz="1700" kern="1200" dirty="0" err="1" smtClean="0"/>
+            <a:t>triển</a:t>
+          </a:r>
+          <a:r>
+            <a:rPr lang="en-US" sz="1700" kern="1200" dirty="0" smtClean="0"/>
+            <a:t> </a:t>
+          </a:r>
+          <a:r>
+            <a:rPr lang="en-US" sz="1700" kern="1200" dirty="0" err="1" smtClean="0"/>
+            <a:t>phần</a:t>
+          </a:r>
+          <a:r>
+            <a:rPr lang="en-US" sz="1700" kern="1200" dirty="0" smtClean="0"/>
+            <a:t> </a:t>
+          </a:r>
+          <a:r>
+            <a:rPr lang="en-US" sz="1700" kern="1200" dirty="0" err="1" smtClean="0"/>
+            <a:t>mềm</a:t>
+          </a:r>
+          <a:endParaRPr lang="en-US" sz="1700" kern="1200" dirty="0"/>
+        </a:p>
+      </dsp:txBody>
+      <dsp:txXfrm>
+        <a:off x="4816222" y="1941227"/>
+        <a:ext cx="1875187" cy="937593"/>
+      </dsp:txXfrm>
+    </dsp:sp>
+    <dsp:sp modelId="{48DFFE70-27D7-435A-97B0-BB2063493E1F}">
+      <dsp:nvSpPr>
+        <dsp:cNvPr id="0" name=""/>
+        <dsp:cNvSpPr/>
+      </dsp:nvSpPr>
+      <dsp:spPr>
+        <a:xfrm>
+          <a:off x="4816222" y="3272610"/>
+          <a:ext cx="1875187" cy="937593"/>
+        </a:xfrm>
+        <a:prstGeom prst="rect">
+          <a:avLst/>
+        </a:prstGeom>
+        <a:solidFill>
+          <a:schemeClr val="accent1">
+            <a:hueOff val="0"/>
+            <a:satOff val="0"/>
+            <a:lumOff val="0"/>
+            <a:alphaOff val="0"/>
+          </a:schemeClr>
+        </a:solidFill>
+        <a:ln w="25400" cap="flat" cmpd="sng" algn="ctr">
+          <a:solidFill>
+            <a:schemeClr val="lt1">
+              <a:hueOff val="0"/>
+              <a:satOff val="0"/>
+              <a:lumOff val="0"/>
+              <a:alphaOff val="0"/>
+            </a:schemeClr>
+          </a:solidFill>
+          <a:prstDash val="solid"/>
+        </a:ln>
+        <a:effectLst/>
+      </dsp:spPr>
+      <dsp:style>
+        <a:lnRef idx="2">
+          <a:scrgbClr r="0" g="0" b="0"/>
+        </a:lnRef>
+        <a:fillRef idx="1">
+          <a:scrgbClr r="0" g="0" b="0"/>
+        </a:fillRef>
+        <a:effectRef idx="0">
+          <a:scrgbClr r="0" g="0" b="0"/>
+        </a:effectRef>
+        <a:fontRef idx="minor">
+          <a:schemeClr val="lt1"/>
+        </a:fontRef>
+      </dsp:style>
+      <dsp:txBody>
+        <a:bodyPr spcFirstLastPara="0" vert="horz" wrap="square" lIns="10795" tIns="10795" rIns="10795" bIns="10795" numCol="1" spcCol="1270" anchor="ctr" anchorCtr="0">
+          <a:noAutofit/>
+        </a:bodyPr>
+        <a:lstStyle/>
+        <a:p>
+          <a:pPr lvl="0" algn="ctr" defTabSz="755650">
+            <a:lnSpc>
+              <a:spcPct val="90000"/>
+            </a:lnSpc>
+            <a:spcBef>
+              <a:spcPct val="0"/>
+            </a:spcBef>
+            <a:spcAft>
+              <a:spcPct val="35000"/>
+            </a:spcAft>
+          </a:pPr>
+          <a:r>
+            <a:rPr lang="en-US" sz="1700" kern="1200" dirty="0" err="1" smtClean="0"/>
+            <a:t>Giảm</a:t>
+          </a:r>
+          <a:r>
+            <a:rPr lang="en-US" sz="1700" kern="1200" dirty="0" smtClean="0"/>
+            <a:t> chi </a:t>
+          </a:r>
+          <a:r>
+            <a:rPr lang="en-US" sz="1700" kern="1200" dirty="0" err="1" smtClean="0"/>
+            <a:t>phí</a:t>
+          </a:r>
+          <a:r>
+            <a:rPr lang="en-US" sz="1700" kern="1200" dirty="0" smtClean="0"/>
+            <a:t> </a:t>
+          </a:r>
+          <a:r>
+            <a:rPr lang="en-US" sz="1700" kern="1200" dirty="0" err="1" smtClean="0"/>
+            <a:t>cho</a:t>
+          </a:r>
+          <a:r>
+            <a:rPr lang="en-US" sz="1700" kern="1200" dirty="0" smtClean="0"/>
+            <a:t> </a:t>
+          </a:r>
+          <a:r>
+            <a:rPr lang="en-US" sz="1700" kern="1200" dirty="0" err="1" smtClean="0"/>
+            <a:t>việc</a:t>
+          </a:r>
+          <a:r>
+            <a:rPr lang="en-US" sz="1700" kern="1200" dirty="0" smtClean="0"/>
+            <a:t> </a:t>
+          </a:r>
+          <a:r>
+            <a:rPr lang="en-US" sz="1700" kern="1200" dirty="0" err="1" smtClean="0"/>
+            <a:t>sửa</a:t>
+          </a:r>
+          <a:r>
+            <a:rPr lang="en-US" sz="1700" kern="1200" dirty="0" smtClean="0"/>
+            <a:t> </a:t>
+          </a:r>
+          <a:r>
+            <a:rPr lang="en-US" sz="1700" kern="1200" dirty="0" err="1" smtClean="0"/>
+            <a:t>chữa</a:t>
+          </a:r>
+          <a:r>
+            <a:rPr lang="en-US" sz="1700" kern="1200" dirty="0" smtClean="0"/>
+            <a:t> </a:t>
+          </a:r>
+          <a:r>
+            <a:rPr lang="en-US" sz="1700" kern="1200" dirty="0" err="1" smtClean="0"/>
+            <a:t>lỗi</a:t>
+          </a:r>
+          <a:endParaRPr lang="en-US" sz="1700" kern="1200" dirty="0"/>
+        </a:p>
+      </dsp:txBody>
+      <dsp:txXfrm>
+        <a:off x="4816222" y="3272610"/>
+        <a:ext cx="1875187" cy="937593"/>
+      </dsp:txXfrm>
+    </dsp:sp>
+    <dsp:sp modelId="{869DB125-9E1C-49A7-9B34-FF93DE52EB24}">
+      <dsp:nvSpPr>
+        <dsp:cNvPr id="0" name=""/>
+        <dsp:cNvSpPr/>
+      </dsp:nvSpPr>
+      <dsp:spPr>
+        <a:xfrm>
+          <a:off x="4816222" y="4603994"/>
+          <a:ext cx="1875187" cy="937593"/>
+        </a:xfrm>
+        <a:prstGeom prst="rect">
+          <a:avLst/>
+        </a:prstGeom>
+        <a:solidFill>
+          <a:schemeClr val="accent1">
+            <a:hueOff val="0"/>
+            <a:satOff val="0"/>
+            <a:lumOff val="0"/>
+            <a:alphaOff val="0"/>
+          </a:schemeClr>
+        </a:solidFill>
+        <a:ln w="25400" cap="flat" cmpd="sng" algn="ctr">
+          <a:solidFill>
+            <a:schemeClr val="lt1">
+              <a:hueOff val="0"/>
+              <a:satOff val="0"/>
+              <a:lumOff val="0"/>
+              <a:alphaOff val="0"/>
+            </a:schemeClr>
+          </a:solidFill>
+          <a:prstDash val="solid"/>
+        </a:ln>
+        <a:effectLst/>
+      </dsp:spPr>
+      <dsp:style>
+        <a:lnRef idx="2">
+          <a:scrgbClr r="0" g="0" b="0"/>
+        </a:lnRef>
+        <a:fillRef idx="1">
+          <a:scrgbClr r="0" g="0" b="0"/>
+        </a:fillRef>
+        <a:effectRef idx="0">
+          <a:scrgbClr r="0" g="0" b="0"/>
+        </a:effectRef>
+        <a:fontRef idx="minor">
+          <a:schemeClr val="lt1"/>
+        </a:fontRef>
+      </dsp:style>
+      <dsp:txBody>
+        <a:bodyPr spcFirstLastPara="0" vert="horz" wrap="square" lIns="10795" tIns="10795" rIns="10795" bIns="10795" numCol="1" spcCol="1270" anchor="ctr" anchorCtr="0">
+          <a:noAutofit/>
+        </a:bodyPr>
+        <a:lstStyle/>
+        <a:p>
+          <a:pPr lvl="0" algn="ctr" defTabSz="755650">
+            <a:lnSpc>
+              <a:spcPct val="90000"/>
+            </a:lnSpc>
+            <a:spcBef>
+              <a:spcPct val="0"/>
+            </a:spcBef>
+            <a:spcAft>
+              <a:spcPct val="35000"/>
+            </a:spcAft>
+          </a:pPr>
+          <a:r>
+            <a:rPr lang="en-US" sz="1700" kern="1200" dirty="0" err="1" smtClean="0"/>
+            <a:t>Giúp</a:t>
+          </a:r>
+          <a:r>
+            <a:rPr lang="en-US" sz="1700" kern="1200" dirty="0" smtClean="0"/>
+            <a:t> </a:t>
+          </a:r>
+          <a:r>
+            <a:rPr lang="en-US" sz="1700" kern="1200" dirty="0" err="1" smtClean="0"/>
+            <a:t>nâng</a:t>
+          </a:r>
+          <a:r>
+            <a:rPr lang="en-US" sz="1700" kern="1200" dirty="0" smtClean="0"/>
+            <a:t> </a:t>
+          </a:r>
+          <a:r>
+            <a:rPr lang="en-US" sz="1700" kern="1200" dirty="0" err="1" smtClean="0"/>
+            <a:t>cao</a:t>
+          </a:r>
+          <a:r>
+            <a:rPr lang="en-US" sz="1700" kern="1200" dirty="0" smtClean="0"/>
+            <a:t> </a:t>
+          </a:r>
+          <a:r>
+            <a:rPr lang="en-US" sz="1700" kern="1200" dirty="0" err="1" smtClean="0"/>
+            <a:t>nhận</a:t>
+          </a:r>
+          <a:r>
+            <a:rPr lang="en-US" sz="1700" kern="1200" dirty="0" smtClean="0"/>
+            <a:t> </a:t>
+          </a:r>
+          <a:r>
+            <a:rPr lang="en-US" sz="1700" kern="1200" dirty="0" err="1" smtClean="0"/>
+            <a:t>thức</a:t>
+          </a:r>
+          <a:r>
+            <a:rPr lang="en-US" sz="1700" kern="1200" dirty="0" smtClean="0"/>
+            <a:t> </a:t>
+          </a:r>
+          <a:r>
+            <a:rPr lang="en-US" sz="1700" kern="1200" dirty="0" err="1" smtClean="0"/>
+            <a:t>các</a:t>
+          </a:r>
+          <a:r>
+            <a:rPr lang="en-US" sz="1700" kern="1200" dirty="0" smtClean="0"/>
+            <a:t> </a:t>
+          </a:r>
+          <a:r>
+            <a:rPr lang="en-US" sz="1700" kern="1200" dirty="0" err="1" smtClean="0"/>
+            <a:t>vấn</a:t>
+          </a:r>
+          <a:r>
+            <a:rPr lang="en-US" sz="1700" kern="1200" dirty="0" smtClean="0"/>
+            <a:t> </a:t>
+          </a:r>
+          <a:r>
+            <a:rPr lang="en-US" sz="1700" kern="1200" dirty="0" err="1" smtClean="0"/>
+            <a:t>đề</a:t>
+          </a:r>
+          <a:r>
+            <a:rPr lang="en-US" sz="1700" kern="1200" dirty="0" smtClean="0"/>
+            <a:t> </a:t>
+          </a:r>
+          <a:r>
+            <a:rPr lang="en-US" sz="1700" kern="1200" dirty="0" err="1" smtClean="0"/>
+            <a:t>về</a:t>
+          </a:r>
+          <a:r>
+            <a:rPr lang="en-US" sz="1700" kern="1200" dirty="0" smtClean="0"/>
+            <a:t> </a:t>
+          </a:r>
+          <a:r>
+            <a:rPr lang="en-US" sz="1700" kern="1200" dirty="0" err="1" smtClean="0"/>
+            <a:t>chất</a:t>
+          </a:r>
+          <a:r>
+            <a:rPr lang="en-US" sz="1700" kern="1200" dirty="0" smtClean="0"/>
+            <a:t> </a:t>
+          </a:r>
+          <a:r>
+            <a:rPr lang="en-US" sz="1700" kern="1200" dirty="0" err="1" smtClean="0"/>
+            <a:t>lượng</a:t>
+          </a:r>
+          <a:r>
+            <a:rPr lang="en-US" sz="1700" kern="1200" dirty="0" smtClean="0"/>
+            <a:t> </a:t>
+          </a:r>
+          <a:r>
+            <a:rPr lang="en-US" sz="1700" kern="1200" dirty="0" err="1" smtClean="0"/>
+            <a:t>sản</a:t>
+          </a:r>
+          <a:r>
+            <a:rPr lang="en-US" sz="1700" kern="1200" dirty="0" smtClean="0"/>
+            <a:t> </a:t>
+          </a:r>
+          <a:r>
+            <a:rPr lang="en-US" sz="1700" kern="1200" dirty="0" err="1" smtClean="0"/>
+            <a:t>phẩm</a:t>
+          </a:r>
+          <a:endParaRPr lang="en-US" sz="1700" kern="1200" dirty="0"/>
+        </a:p>
+      </dsp:txBody>
+      <dsp:txXfrm>
+        <a:off x="4816222" y="4603994"/>
+        <a:ext cx="1875187" cy="937593"/>
+      </dsp:txXfrm>
+    </dsp:sp>
   </dsp:spTree>
 </dsp:drawing>
 </file>
@@ -5568,6 +8082,1321 @@
       <dsp:cNvGrpSpPr/>
     </dsp:nvGrpSpPr>
     <dsp:grpSpPr/>
+    <dsp:sp modelId="{D7B970EF-D86E-4EA6-B180-D41FA30C21D4}">
+      <dsp:nvSpPr>
+        <dsp:cNvPr id="0" name=""/>
+        <dsp:cNvSpPr/>
+      </dsp:nvSpPr>
+      <dsp:spPr>
+        <a:xfrm>
+          <a:off x="6545500" y="2084026"/>
+          <a:ext cx="1134032" cy="1129281"/>
+        </a:xfrm>
+        <a:custGeom>
+          <a:avLst/>
+          <a:gdLst/>
+          <a:ahLst/>
+          <a:cxnLst/>
+          <a:rect l="0" t="0" r="0" b="0"/>
+          <a:pathLst>
+            <a:path>
+              <a:moveTo>
+                <a:pt x="0" y="0"/>
+              </a:moveTo>
+              <a:lnTo>
+                <a:pt x="0" y="956353"/>
+              </a:lnTo>
+              <a:lnTo>
+                <a:pt x="1134032" y="956353"/>
+              </a:lnTo>
+              <a:lnTo>
+                <a:pt x="1134032" y="1129281"/>
+              </a:lnTo>
+            </a:path>
+          </a:pathLst>
+        </a:custGeom>
+        <a:noFill/>
+        <a:ln w="25400" cap="flat" cmpd="sng" algn="ctr">
+          <a:solidFill>
+            <a:schemeClr val="accent1">
+              <a:shade val="80000"/>
+              <a:hueOff val="0"/>
+              <a:satOff val="0"/>
+              <a:lumOff val="0"/>
+              <a:alphaOff val="0"/>
+            </a:schemeClr>
+          </a:solidFill>
+          <a:prstDash val="solid"/>
+        </a:ln>
+        <a:effectLst/>
+      </dsp:spPr>
+      <dsp:style>
+        <a:lnRef idx="2">
+          <a:scrgbClr r="0" g="0" b="0"/>
+        </a:lnRef>
+        <a:fillRef idx="0">
+          <a:scrgbClr r="0" g="0" b="0"/>
+        </a:fillRef>
+        <a:effectRef idx="0">
+          <a:scrgbClr r="0" g="0" b="0"/>
+        </a:effectRef>
+        <a:fontRef idx="minor"/>
+      </dsp:style>
+    </dsp:sp>
+    <dsp:sp modelId="{24B3BF8E-6C7C-4C8B-A7E2-0A696373D9E2}">
+      <dsp:nvSpPr>
+        <dsp:cNvPr id="0" name=""/>
+        <dsp:cNvSpPr/>
+      </dsp:nvSpPr>
+      <dsp:spPr>
+        <a:xfrm>
+          <a:off x="5422246" y="2084026"/>
+          <a:ext cx="1123253" cy="1163004"/>
+        </a:xfrm>
+        <a:custGeom>
+          <a:avLst/>
+          <a:gdLst/>
+          <a:ahLst/>
+          <a:cxnLst/>
+          <a:rect l="0" t="0" r="0" b="0"/>
+          <a:pathLst>
+            <a:path>
+              <a:moveTo>
+                <a:pt x="1123253" y="0"/>
+              </a:moveTo>
+              <a:lnTo>
+                <a:pt x="1123253" y="990076"/>
+              </a:lnTo>
+              <a:lnTo>
+                <a:pt x="0" y="990076"/>
+              </a:lnTo>
+              <a:lnTo>
+                <a:pt x="0" y="1163004"/>
+              </a:lnTo>
+            </a:path>
+          </a:pathLst>
+        </a:custGeom>
+        <a:noFill/>
+        <a:ln w="25400" cap="flat" cmpd="sng" algn="ctr">
+          <a:solidFill>
+            <a:schemeClr val="accent1">
+              <a:shade val="80000"/>
+              <a:hueOff val="0"/>
+              <a:satOff val="0"/>
+              <a:lumOff val="0"/>
+              <a:alphaOff val="0"/>
+            </a:schemeClr>
+          </a:solidFill>
+          <a:prstDash val="solid"/>
+        </a:ln>
+        <a:effectLst/>
+      </dsp:spPr>
+      <dsp:style>
+        <a:lnRef idx="2">
+          <a:scrgbClr r="0" g="0" b="0"/>
+        </a:lnRef>
+        <a:fillRef idx="0">
+          <a:scrgbClr r="0" g="0" b="0"/>
+        </a:fillRef>
+        <a:effectRef idx="0">
+          <a:scrgbClr r="0" g="0" b="0"/>
+        </a:effectRef>
+        <a:fontRef idx="minor"/>
+      </dsp:style>
+    </dsp:sp>
+    <dsp:sp modelId="{D0A692DF-C106-4069-B8AB-562813C46452}">
+      <dsp:nvSpPr>
+        <dsp:cNvPr id="0" name=""/>
+        <dsp:cNvSpPr/>
+      </dsp:nvSpPr>
+      <dsp:spPr>
+        <a:xfrm>
+          <a:off x="3281161" y="2084026"/>
+          <a:ext cx="3264339" cy="1143540"/>
+        </a:xfrm>
+        <a:custGeom>
+          <a:avLst/>
+          <a:gdLst/>
+          <a:ahLst/>
+          <a:cxnLst/>
+          <a:rect l="0" t="0" r="0" b="0"/>
+          <a:pathLst>
+            <a:path>
+              <a:moveTo>
+                <a:pt x="3264339" y="0"/>
+              </a:moveTo>
+              <a:lnTo>
+                <a:pt x="3264339" y="970613"/>
+              </a:lnTo>
+              <a:lnTo>
+                <a:pt x="0" y="970613"/>
+              </a:lnTo>
+              <a:lnTo>
+                <a:pt x="0" y="1143540"/>
+              </a:lnTo>
+            </a:path>
+          </a:pathLst>
+        </a:custGeom>
+        <a:noFill/>
+        <a:ln w="25400" cap="flat" cmpd="sng" algn="ctr">
+          <a:solidFill>
+            <a:schemeClr val="accent1">
+              <a:shade val="80000"/>
+              <a:hueOff val="0"/>
+              <a:satOff val="0"/>
+              <a:lumOff val="0"/>
+              <a:alphaOff val="0"/>
+            </a:schemeClr>
+          </a:solidFill>
+          <a:prstDash val="solid"/>
+        </a:ln>
+        <a:effectLst/>
+      </dsp:spPr>
+      <dsp:style>
+        <a:lnRef idx="2">
+          <a:scrgbClr r="0" g="0" b="0"/>
+        </a:lnRef>
+        <a:fillRef idx="0">
+          <a:scrgbClr r="0" g="0" b="0"/>
+        </a:fillRef>
+        <a:effectRef idx="0">
+          <a:scrgbClr r="0" g="0" b="0"/>
+        </a:effectRef>
+        <a:fontRef idx="minor"/>
+      </dsp:style>
+    </dsp:sp>
+    <dsp:sp modelId="{0CA7B415-8F44-4627-8CF8-951FA77DA24C}">
+      <dsp:nvSpPr>
+        <dsp:cNvPr id="0" name=""/>
+        <dsp:cNvSpPr/>
+      </dsp:nvSpPr>
+      <dsp:spPr>
+        <a:xfrm>
+          <a:off x="907095" y="2084026"/>
+          <a:ext cx="5638405" cy="1125179"/>
+        </a:xfrm>
+        <a:custGeom>
+          <a:avLst/>
+          <a:gdLst/>
+          <a:ahLst/>
+          <a:cxnLst/>
+          <a:rect l="0" t="0" r="0" b="0"/>
+          <a:pathLst>
+            <a:path>
+              <a:moveTo>
+                <a:pt x="5638405" y="0"/>
+              </a:moveTo>
+              <a:lnTo>
+                <a:pt x="5638405" y="952252"/>
+              </a:lnTo>
+              <a:lnTo>
+                <a:pt x="0" y="952252"/>
+              </a:lnTo>
+              <a:lnTo>
+                <a:pt x="0" y="1125179"/>
+              </a:lnTo>
+            </a:path>
+          </a:pathLst>
+        </a:custGeom>
+        <a:noFill/>
+        <a:ln w="25400" cap="flat" cmpd="sng" algn="ctr">
+          <a:solidFill>
+            <a:schemeClr val="accent1">
+              <a:shade val="80000"/>
+              <a:hueOff val="0"/>
+              <a:satOff val="0"/>
+              <a:lumOff val="0"/>
+              <a:alphaOff val="0"/>
+            </a:schemeClr>
+          </a:solidFill>
+          <a:prstDash val="solid"/>
+        </a:ln>
+        <a:effectLst/>
+      </dsp:spPr>
+      <dsp:style>
+        <a:lnRef idx="2">
+          <a:scrgbClr r="0" g="0" b="0"/>
+        </a:lnRef>
+        <a:fillRef idx="0">
+          <a:scrgbClr r="0" g="0" b="0"/>
+        </a:fillRef>
+        <a:effectRef idx="0">
+          <a:scrgbClr r="0" g="0" b="0"/>
+        </a:effectRef>
+        <a:fontRef idx="minor"/>
+      </dsp:style>
+    </dsp:sp>
+    <dsp:sp modelId="{1712F67D-2757-46B9-99DE-1063297C8FEF}">
+      <dsp:nvSpPr>
+        <dsp:cNvPr id="0" name=""/>
+        <dsp:cNvSpPr/>
+      </dsp:nvSpPr>
+      <dsp:spPr>
+        <a:xfrm>
+          <a:off x="3798268" y="832760"/>
+          <a:ext cx="2747231" cy="91440"/>
+        </a:xfrm>
+        <a:custGeom>
+          <a:avLst/>
+          <a:gdLst/>
+          <a:ahLst/>
+          <a:cxnLst/>
+          <a:rect l="0" t="0" r="0" b="0"/>
+          <a:pathLst>
+            <a:path>
+              <a:moveTo>
+                <a:pt x="0" y="45720"/>
+              </a:moveTo>
+              <a:lnTo>
+                <a:pt x="2747231" y="45720"/>
+              </a:lnTo>
+              <a:lnTo>
+                <a:pt x="2747231" y="65924"/>
+              </a:lnTo>
+            </a:path>
+          </a:pathLst>
+        </a:custGeom>
+        <a:noFill/>
+        <a:ln w="25400" cap="flat" cmpd="sng" algn="ctr">
+          <a:solidFill>
+            <a:schemeClr val="accent1">
+              <a:shade val="60000"/>
+              <a:hueOff val="0"/>
+              <a:satOff val="0"/>
+              <a:lumOff val="0"/>
+              <a:alphaOff val="0"/>
+            </a:schemeClr>
+          </a:solidFill>
+          <a:prstDash val="solid"/>
+        </a:ln>
+        <a:effectLst/>
+      </dsp:spPr>
+      <dsp:style>
+        <a:lnRef idx="2">
+          <a:scrgbClr r="0" g="0" b="0"/>
+        </a:lnRef>
+        <a:fillRef idx="0">
+          <a:scrgbClr r="0" g="0" b="0"/>
+        </a:fillRef>
+        <a:effectRef idx="0">
+          <a:scrgbClr r="0" g="0" b="0"/>
+        </a:effectRef>
+        <a:fontRef idx="minor"/>
+      </dsp:style>
+    </dsp:sp>
+    <dsp:sp modelId="{98AAD8F0-CDEA-411F-BC4A-6AEA69606101}">
+      <dsp:nvSpPr>
+        <dsp:cNvPr id="0" name=""/>
+        <dsp:cNvSpPr/>
+      </dsp:nvSpPr>
+      <dsp:spPr>
+        <a:xfrm>
+          <a:off x="987513" y="832760"/>
+          <a:ext cx="2810754" cy="91440"/>
+        </a:xfrm>
+        <a:custGeom>
+          <a:avLst/>
+          <a:gdLst/>
+          <a:ahLst/>
+          <a:cxnLst/>
+          <a:rect l="0" t="0" r="0" b="0"/>
+          <a:pathLst>
+            <a:path>
+              <a:moveTo>
+                <a:pt x="2810754" y="45720"/>
+              </a:moveTo>
+              <a:lnTo>
+                <a:pt x="0" y="45720"/>
+              </a:lnTo>
+              <a:lnTo>
+                <a:pt x="0" y="96008"/>
+              </a:lnTo>
+            </a:path>
+          </a:pathLst>
+        </a:custGeom>
+        <a:noFill/>
+        <a:ln w="25400" cap="flat" cmpd="sng" algn="ctr">
+          <a:solidFill>
+            <a:schemeClr val="accent1">
+              <a:shade val="60000"/>
+              <a:hueOff val="0"/>
+              <a:satOff val="0"/>
+              <a:lumOff val="0"/>
+              <a:alphaOff val="0"/>
+            </a:schemeClr>
+          </a:solidFill>
+          <a:prstDash val="solid"/>
+        </a:ln>
+        <a:effectLst/>
+      </dsp:spPr>
+      <dsp:style>
+        <a:lnRef idx="2">
+          <a:scrgbClr r="0" g="0" b="0"/>
+        </a:lnRef>
+        <a:fillRef idx="0">
+          <a:scrgbClr r="0" g="0" b="0"/>
+        </a:fillRef>
+        <a:effectRef idx="0">
+          <a:scrgbClr r="0" g="0" b="0"/>
+        </a:effectRef>
+        <a:fontRef idx="minor"/>
+      </dsp:style>
+    </dsp:sp>
+    <dsp:sp modelId="{61EA8C5B-FD65-4D36-97E0-B4187F87E225}">
+      <dsp:nvSpPr>
+        <dsp:cNvPr id="0" name=""/>
+        <dsp:cNvSpPr/>
+      </dsp:nvSpPr>
+      <dsp:spPr>
+        <a:xfrm>
+          <a:off x="2864929" y="-45517"/>
+          <a:ext cx="1866679" cy="923997"/>
+        </a:xfrm>
+        <a:prstGeom prst="roundRect">
+          <a:avLst>
+            <a:gd name="adj" fmla="val 10000"/>
+          </a:avLst>
+        </a:prstGeom>
+        <a:solidFill>
+          <a:schemeClr val="accent1">
+            <a:hueOff val="0"/>
+            <a:satOff val="0"/>
+            <a:lumOff val="0"/>
+            <a:alphaOff val="0"/>
+          </a:schemeClr>
+        </a:solidFill>
+        <a:ln w="25400" cap="flat" cmpd="sng" algn="ctr">
+          <a:solidFill>
+            <a:schemeClr val="lt1">
+              <a:hueOff val="0"/>
+              <a:satOff val="0"/>
+              <a:lumOff val="0"/>
+              <a:alphaOff val="0"/>
+            </a:schemeClr>
+          </a:solidFill>
+          <a:prstDash val="solid"/>
+        </a:ln>
+        <a:effectLst/>
+      </dsp:spPr>
+      <dsp:style>
+        <a:lnRef idx="2">
+          <a:scrgbClr r="0" g="0" b="0"/>
+        </a:lnRef>
+        <a:fillRef idx="1">
+          <a:scrgbClr r="0" g="0" b="0"/>
+        </a:fillRef>
+        <a:effectRef idx="0">
+          <a:scrgbClr r="0" g="0" b="0"/>
+        </a:effectRef>
+        <a:fontRef idx="minor">
+          <a:schemeClr val="lt1"/>
+        </a:fontRef>
+      </dsp:style>
+    </dsp:sp>
+    <dsp:sp modelId="{A7B1ABD5-A842-4E4A-886C-D1AE7036A20D}">
+      <dsp:nvSpPr>
+        <dsp:cNvPr id="0" name=""/>
+        <dsp:cNvSpPr/>
+      </dsp:nvSpPr>
+      <dsp:spPr>
+        <a:xfrm>
+          <a:off x="3072337" y="151521"/>
+          <a:ext cx="1866679" cy="923997"/>
+        </a:xfrm>
+        <a:prstGeom prst="roundRect">
+          <a:avLst>
+            <a:gd name="adj" fmla="val 10000"/>
+          </a:avLst>
+        </a:prstGeom>
+        <a:solidFill>
+          <a:schemeClr val="lt1">
+            <a:alpha val="90000"/>
+            <a:hueOff val="0"/>
+            <a:satOff val="0"/>
+            <a:lumOff val="0"/>
+            <a:alphaOff val="0"/>
+          </a:schemeClr>
+        </a:solidFill>
+        <a:ln w="25400" cap="flat" cmpd="sng" algn="ctr">
+          <a:solidFill>
+            <a:schemeClr val="accent1">
+              <a:hueOff val="0"/>
+              <a:satOff val="0"/>
+              <a:lumOff val="0"/>
+              <a:alphaOff val="0"/>
+            </a:schemeClr>
+          </a:solidFill>
+          <a:prstDash val="solid"/>
+        </a:ln>
+        <a:effectLst/>
+      </dsp:spPr>
+      <dsp:style>
+        <a:lnRef idx="2">
+          <a:scrgbClr r="0" g="0" b="0"/>
+        </a:lnRef>
+        <a:fillRef idx="1">
+          <a:scrgbClr r="0" g="0" b="0"/>
+        </a:fillRef>
+        <a:effectRef idx="0">
+          <a:scrgbClr r="0" g="0" b="0"/>
+        </a:effectRef>
+        <a:fontRef idx="minor"/>
+      </dsp:style>
+      <dsp:txBody>
+        <a:bodyPr spcFirstLastPara="0" vert="horz" wrap="square" lIns="91440" tIns="91440" rIns="91440" bIns="91440" numCol="1" spcCol="1270" anchor="ctr" anchorCtr="0">
+          <a:noAutofit/>
+        </a:bodyPr>
+        <a:lstStyle/>
+        <a:p>
+          <a:pPr lvl="0" algn="ctr" defTabSz="1066800">
+            <a:lnSpc>
+              <a:spcPct val="90000"/>
+            </a:lnSpc>
+            <a:spcBef>
+              <a:spcPct val="0"/>
+            </a:spcBef>
+            <a:spcAft>
+              <a:spcPct val="35000"/>
+            </a:spcAft>
+          </a:pPr>
+          <a:r>
+            <a:rPr lang="en-US" sz="2400" kern="1200" dirty="0" err="1" smtClean="0"/>
+            <a:t>Kiểm</a:t>
+          </a:r>
+          <a:r>
+            <a:rPr lang="en-US" sz="2400" kern="1200" dirty="0" smtClean="0"/>
+            <a:t> </a:t>
+          </a:r>
+          <a:r>
+            <a:rPr lang="en-US" sz="2400" kern="1200" dirty="0" err="1" smtClean="0"/>
+            <a:t>thử</a:t>
+          </a:r>
+          <a:r>
+            <a:rPr lang="en-US" sz="2400" kern="1200" dirty="0" smtClean="0"/>
+            <a:t> </a:t>
+          </a:r>
+          <a:r>
+            <a:rPr lang="en-US" sz="2400" kern="1200" dirty="0" err="1" smtClean="0"/>
+            <a:t>động</a:t>
+          </a:r>
+          <a:endParaRPr lang="en-US" sz="2400" kern="1200" dirty="0"/>
+        </a:p>
+      </dsp:txBody>
+      <dsp:txXfrm>
+        <a:off x="3099400" y="178584"/>
+        <a:ext cx="1812553" cy="869871"/>
+      </dsp:txXfrm>
+    </dsp:sp>
+    <dsp:sp modelId="{12FC274D-D8EB-4B92-AAB7-56DD4AB40C73}">
+      <dsp:nvSpPr>
+        <dsp:cNvPr id="0" name=""/>
+        <dsp:cNvSpPr/>
+      </dsp:nvSpPr>
+      <dsp:spPr>
+        <a:xfrm>
+          <a:off x="54174" y="928768"/>
+          <a:ext cx="1866679" cy="1185341"/>
+        </a:xfrm>
+        <a:prstGeom prst="roundRect">
+          <a:avLst>
+            <a:gd name="adj" fmla="val 10000"/>
+          </a:avLst>
+        </a:prstGeom>
+        <a:solidFill>
+          <a:schemeClr val="accent1">
+            <a:hueOff val="0"/>
+            <a:satOff val="0"/>
+            <a:lumOff val="0"/>
+            <a:alphaOff val="0"/>
+          </a:schemeClr>
+        </a:solidFill>
+        <a:ln w="25400" cap="flat" cmpd="sng" algn="ctr">
+          <a:solidFill>
+            <a:schemeClr val="lt1">
+              <a:hueOff val="0"/>
+              <a:satOff val="0"/>
+              <a:lumOff val="0"/>
+              <a:alphaOff val="0"/>
+            </a:schemeClr>
+          </a:solidFill>
+          <a:prstDash val="solid"/>
+        </a:ln>
+        <a:effectLst/>
+      </dsp:spPr>
+      <dsp:style>
+        <a:lnRef idx="2">
+          <a:scrgbClr r="0" g="0" b="0"/>
+        </a:lnRef>
+        <a:fillRef idx="1">
+          <a:scrgbClr r="0" g="0" b="0"/>
+        </a:fillRef>
+        <a:effectRef idx="0">
+          <a:scrgbClr r="0" g="0" b="0"/>
+        </a:effectRef>
+        <a:fontRef idx="minor">
+          <a:schemeClr val="lt1"/>
+        </a:fontRef>
+      </dsp:style>
+    </dsp:sp>
+    <dsp:sp modelId="{5D66E1F5-FEC1-4AE8-8C6C-CC7D5EC557B8}">
+      <dsp:nvSpPr>
+        <dsp:cNvPr id="0" name=""/>
+        <dsp:cNvSpPr/>
+      </dsp:nvSpPr>
+      <dsp:spPr>
+        <a:xfrm>
+          <a:off x="261583" y="1125806"/>
+          <a:ext cx="1866679" cy="1185341"/>
+        </a:xfrm>
+        <a:prstGeom prst="roundRect">
+          <a:avLst>
+            <a:gd name="adj" fmla="val 10000"/>
+          </a:avLst>
+        </a:prstGeom>
+        <a:solidFill>
+          <a:schemeClr val="lt1">
+            <a:alpha val="90000"/>
+            <a:hueOff val="0"/>
+            <a:satOff val="0"/>
+            <a:lumOff val="0"/>
+            <a:alphaOff val="0"/>
+          </a:schemeClr>
+        </a:solidFill>
+        <a:ln w="25400" cap="flat" cmpd="sng" algn="ctr">
+          <a:solidFill>
+            <a:schemeClr val="accent1">
+              <a:hueOff val="0"/>
+              <a:satOff val="0"/>
+              <a:lumOff val="0"/>
+              <a:alphaOff val="0"/>
+            </a:schemeClr>
+          </a:solidFill>
+          <a:prstDash val="solid"/>
+        </a:ln>
+        <a:effectLst/>
+      </dsp:spPr>
+      <dsp:style>
+        <a:lnRef idx="2">
+          <a:scrgbClr r="0" g="0" b="0"/>
+        </a:lnRef>
+        <a:fillRef idx="1">
+          <a:scrgbClr r="0" g="0" b="0"/>
+        </a:fillRef>
+        <a:effectRef idx="0">
+          <a:scrgbClr r="0" g="0" b="0"/>
+        </a:effectRef>
+        <a:fontRef idx="minor"/>
+      </dsp:style>
+      <dsp:txBody>
+        <a:bodyPr spcFirstLastPara="0" vert="horz" wrap="square" lIns="91440" tIns="91440" rIns="91440" bIns="91440" numCol="1" spcCol="1270" anchor="ctr" anchorCtr="0">
+          <a:noAutofit/>
+        </a:bodyPr>
+        <a:lstStyle/>
+        <a:p>
+          <a:pPr lvl="0" algn="ctr" defTabSz="1066800">
+            <a:lnSpc>
+              <a:spcPct val="90000"/>
+            </a:lnSpc>
+            <a:spcBef>
+              <a:spcPct val="0"/>
+            </a:spcBef>
+            <a:spcAft>
+              <a:spcPct val="35000"/>
+            </a:spcAft>
+          </a:pPr>
+          <a:r>
+            <a:rPr lang="en-US" sz="2400" kern="1200" dirty="0" err="1" smtClean="0"/>
+            <a:t>Khái</a:t>
+          </a:r>
+          <a:r>
+            <a:rPr lang="en-US" sz="2400" kern="1200" dirty="0" smtClean="0"/>
+            <a:t> </a:t>
+          </a:r>
+          <a:r>
+            <a:rPr lang="en-US" sz="2400" kern="1200" dirty="0" err="1" smtClean="0"/>
+            <a:t>niệm</a:t>
+          </a:r>
+          <a:endParaRPr lang="en-US" sz="2400" kern="1200" dirty="0"/>
+        </a:p>
+      </dsp:txBody>
+      <dsp:txXfrm>
+        <a:off x="296300" y="1160523"/>
+        <a:ext cx="1797245" cy="1115907"/>
+      </dsp:txXfrm>
+    </dsp:sp>
+    <dsp:sp modelId="{2F512DBD-5A54-4DDA-A586-5B4C113802F6}">
+      <dsp:nvSpPr>
+        <dsp:cNvPr id="0" name=""/>
+        <dsp:cNvSpPr/>
+      </dsp:nvSpPr>
+      <dsp:spPr>
+        <a:xfrm>
+          <a:off x="5612160" y="898684"/>
+          <a:ext cx="1866679" cy="1185341"/>
+        </a:xfrm>
+        <a:prstGeom prst="roundRect">
+          <a:avLst>
+            <a:gd name="adj" fmla="val 10000"/>
+          </a:avLst>
+        </a:prstGeom>
+        <a:solidFill>
+          <a:schemeClr val="accent1">
+            <a:hueOff val="0"/>
+            <a:satOff val="0"/>
+            <a:lumOff val="0"/>
+            <a:alphaOff val="0"/>
+          </a:schemeClr>
+        </a:solidFill>
+        <a:ln w="25400" cap="flat" cmpd="sng" algn="ctr">
+          <a:solidFill>
+            <a:schemeClr val="lt1">
+              <a:hueOff val="0"/>
+              <a:satOff val="0"/>
+              <a:lumOff val="0"/>
+              <a:alphaOff val="0"/>
+            </a:schemeClr>
+          </a:solidFill>
+          <a:prstDash val="solid"/>
+        </a:ln>
+        <a:effectLst/>
+      </dsp:spPr>
+      <dsp:style>
+        <a:lnRef idx="2">
+          <a:scrgbClr r="0" g="0" b="0"/>
+        </a:lnRef>
+        <a:fillRef idx="1">
+          <a:scrgbClr r="0" g="0" b="0"/>
+        </a:fillRef>
+        <a:effectRef idx="0">
+          <a:scrgbClr r="0" g="0" b="0"/>
+        </a:effectRef>
+        <a:fontRef idx="minor">
+          <a:schemeClr val="lt1"/>
+        </a:fontRef>
+      </dsp:style>
+    </dsp:sp>
+    <dsp:sp modelId="{36AA362B-CD62-44B4-BC65-4B9D793360DF}">
+      <dsp:nvSpPr>
+        <dsp:cNvPr id="0" name=""/>
+        <dsp:cNvSpPr/>
+      </dsp:nvSpPr>
+      <dsp:spPr>
+        <a:xfrm>
+          <a:off x="5819569" y="1095722"/>
+          <a:ext cx="1866679" cy="1185341"/>
+        </a:xfrm>
+        <a:prstGeom prst="roundRect">
+          <a:avLst>
+            <a:gd name="adj" fmla="val 10000"/>
+          </a:avLst>
+        </a:prstGeom>
+        <a:solidFill>
+          <a:schemeClr val="lt1">
+            <a:alpha val="90000"/>
+            <a:hueOff val="0"/>
+            <a:satOff val="0"/>
+            <a:lumOff val="0"/>
+            <a:alphaOff val="0"/>
+          </a:schemeClr>
+        </a:solidFill>
+        <a:ln w="25400" cap="flat" cmpd="sng" algn="ctr">
+          <a:solidFill>
+            <a:schemeClr val="accent1">
+              <a:hueOff val="0"/>
+              <a:satOff val="0"/>
+              <a:lumOff val="0"/>
+              <a:alphaOff val="0"/>
+            </a:schemeClr>
+          </a:solidFill>
+          <a:prstDash val="solid"/>
+        </a:ln>
+        <a:effectLst/>
+      </dsp:spPr>
+      <dsp:style>
+        <a:lnRef idx="2">
+          <a:scrgbClr r="0" g="0" b="0"/>
+        </a:lnRef>
+        <a:fillRef idx="1">
+          <a:scrgbClr r="0" g="0" b="0"/>
+        </a:fillRef>
+        <a:effectRef idx="0">
+          <a:scrgbClr r="0" g="0" b="0"/>
+        </a:effectRef>
+        <a:fontRef idx="minor"/>
+      </dsp:style>
+      <dsp:txBody>
+        <a:bodyPr spcFirstLastPara="0" vert="horz" wrap="square" lIns="91440" tIns="91440" rIns="91440" bIns="91440" numCol="1" spcCol="1270" anchor="ctr" anchorCtr="0">
+          <a:noAutofit/>
+        </a:bodyPr>
+        <a:lstStyle/>
+        <a:p>
+          <a:pPr lvl="0" algn="ctr" defTabSz="1066800">
+            <a:lnSpc>
+              <a:spcPct val="90000"/>
+            </a:lnSpc>
+            <a:spcBef>
+              <a:spcPct val="0"/>
+            </a:spcBef>
+            <a:spcAft>
+              <a:spcPct val="35000"/>
+            </a:spcAft>
+          </a:pPr>
+          <a:r>
+            <a:rPr lang="en-US" sz="2400" kern="1200" dirty="0" err="1" smtClean="0"/>
+            <a:t>Các</a:t>
+          </a:r>
+          <a:r>
+            <a:rPr lang="en-US" sz="2400" kern="1200" dirty="0" smtClean="0"/>
+            <a:t> </a:t>
+          </a:r>
+          <a:r>
+            <a:rPr lang="en-US" sz="2400" kern="1200" dirty="0" err="1" smtClean="0"/>
+            <a:t>loại</a:t>
+          </a:r>
+          <a:r>
+            <a:rPr lang="en-US" sz="2400" kern="1200" dirty="0" smtClean="0"/>
+            <a:t> </a:t>
+          </a:r>
+          <a:r>
+            <a:rPr lang="en-US" sz="2400" kern="1200" dirty="0" err="1" smtClean="0"/>
+            <a:t>kiểm</a:t>
+          </a:r>
+          <a:r>
+            <a:rPr lang="en-US" sz="2400" kern="1200" dirty="0" smtClean="0"/>
+            <a:t> </a:t>
+          </a:r>
+          <a:r>
+            <a:rPr lang="en-US" sz="2400" kern="1200" dirty="0" err="1" smtClean="0"/>
+            <a:t>thử</a:t>
+          </a:r>
+          <a:r>
+            <a:rPr lang="en-US" sz="2400" kern="1200" dirty="0" smtClean="0"/>
+            <a:t> </a:t>
+          </a:r>
+          <a:endParaRPr lang="en-US" sz="2400" kern="1200" dirty="0"/>
+        </a:p>
+      </dsp:txBody>
+      <dsp:txXfrm>
+        <a:off x="5854286" y="1130439"/>
+        <a:ext cx="1797245" cy="1115907"/>
+      </dsp:txXfrm>
+    </dsp:sp>
+    <dsp:sp modelId="{34AE2235-1229-4D79-ACB9-EA3AE8F0B2B0}">
+      <dsp:nvSpPr>
+        <dsp:cNvPr id="0" name=""/>
+        <dsp:cNvSpPr/>
+      </dsp:nvSpPr>
+      <dsp:spPr>
+        <a:xfrm>
+          <a:off x="-26244" y="3209205"/>
+          <a:ext cx="1866679" cy="1185341"/>
+        </a:xfrm>
+        <a:prstGeom prst="roundRect">
+          <a:avLst>
+            <a:gd name="adj" fmla="val 10000"/>
+          </a:avLst>
+        </a:prstGeom>
+        <a:solidFill>
+          <a:schemeClr val="accent1">
+            <a:hueOff val="0"/>
+            <a:satOff val="0"/>
+            <a:lumOff val="0"/>
+            <a:alphaOff val="0"/>
+          </a:schemeClr>
+        </a:solidFill>
+        <a:ln w="25400" cap="flat" cmpd="sng" algn="ctr">
+          <a:solidFill>
+            <a:schemeClr val="lt1">
+              <a:hueOff val="0"/>
+              <a:satOff val="0"/>
+              <a:lumOff val="0"/>
+              <a:alphaOff val="0"/>
+            </a:schemeClr>
+          </a:solidFill>
+          <a:prstDash val="solid"/>
+        </a:ln>
+        <a:effectLst/>
+      </dsp:spPr>
+      <dsp:style>
+        <a:lnRef idx="2">
+          <a:scrgbClr r="0" g="0" b="0"/>
+        </a:lnRef>
+        <a:fillRef idx="1">
+          <a:scrgbClr r="0" g="0" b="0"/>
+        </a:fillRef>
+        <a:effectRef idx="0">
+          <a:scrgbClr r="0" g="0" b="0"/>
+        </a:effectRef>
+        <a:fontRef idx="minor">
+          <a:schemeClr val="lt1"/>
+        </a:fontRef>
+      </dsp:style>
+    </dsp:sp>
+    <dsp:sp modelId="{B24874F1-0DB6-4FC0-85C2-552C0F84413C}">
+      <dsp:nvSpPr>
+        <dsp:cNvPr id="0" name=""/>
+        <dsp:cNvSpPr/>
+      </dsp:nvSpPr>
+      <dsp:spPr>
+        <a:xfrm>
+          <a:off x="181164" y="3406244"/>
+          <a:ext cx="1866679" cy="1185341"/>
+        </a:xfrm>
+        <a:prstGeom prst="roundRect">
+          <a:avLst>
+            <a:gd name="adj" fmla="val 10000"/>
+          </a:avLst>
+        </a:prstGeom>
+        <a:solidFill>
+          <a:schemeClr val="lt1">
+            <a:alpha val="90000"/>
+            <a:hueOff val="0"/>
+            <a:satOff val="0"/>
+            <a:lumOff val="0"/>
+            <a:alphaOff val="0"/>
+          </a:schemeClr>
+        </a:solidFill>
+        <a:ln w="25400" cap="flat" cmpd="sng" algn="ctr">
+          <a:solidFill>
+            <a:schemeClr val="accent1">
+              <a:hueOff val="0"/>
+              <a:satOff val="0"/>
+              <a:lumOff val="0"/>
+              <a:alphaOff val="0"/>
+            </a:schemeClr>
+          </a:solidFill>
+          <a:prstDash val="solid"/>
+        </a:ln>
+        <a:effectLst/>
+      </dsp:spPr>
+      <dsp:style>
+        <a:lnRef idx="2">
+          <a:scrgbClr r="0" g="0" b="0"/>
+        </a:lnRef>
+        <a:fillRef idx="1">
+          <a:scrgbClr r="0" g="0" b="0"/>
+        </a:fillRef>
+        <a:effectRef idx="0">
+          <a:scrgbClr r="0" g="0" b="0"/>
+        </a:effectRef>
+        <a:fontRef idx="minor"/>
+      </dsp:style>
+      <dsp:txBody>
+        <a:bodyPr spcFirstLastPara="0" vert="horz" wrap="square" lIns="91440" tIns="91440" rIns="91440" bIns="91440" numCol="1" spcCol="1270" anchor="ctr" anchorCtr="0">
+          <a:noAutofit/>
+        </a:bodyPr>
+        <a:lstStyle/>
+        <a:p>
+          <a:pPr lvl="0" algn="ctr" defTabSz="1066800">
+            <a:lnSpc>
+              <a:spcPct val="90000"/>
+            </a:lnSpc>
+            <a:spcBef>
+              <a:spcPct val="0"/>
+            </a:spcBef>
+            <a:spcAft>
+              <a:spcPct val="35000"/>
+            </a:spcAft>
+          </a:pPr>
+          <a:r>
+            <a:rPr lang="en-US" sz="2400" kern="1200" dirty="0" smtClean="0"/>
+            <a:t>Unit Testing</a:t>
+          </a:r>
+          <a:endParaRPr lang="en-US" sz="2400" kern="1200" dirty="0"/>
+        </a:p>
+      </dsp:txBody>
+      <dsp:txXfrm>
+        <a:off x="215881" y="3440961"/>
+        <a:ext cx="1797245" cy="1115907"/>
+      </dsp:txXfrm>
+    </dsp:sp>
+    <dsp:sp modelId="{D70AF1C9-297F-4907-8093-6F6D877B2D2B}">
+      <dsp:nvSpPr>
+        <dsp:cNvPr id="0" name=""/>
+        <dsp:cNvSpPr/>
+      </dsp:nvSpPr>
+      <dsp:spPr>
+        <a:xfrm>
+          <a:off x="2347821" y="3227566"/>
+          <a:ext cx="1866679" cy="1185341"/>
+        </a:xfrm>
+        <a:prstGeom prst="roundRect">
+          <a:avLst>
+            <a:gd name="adj" fmla="val 10000"/>
+          </a:avLst>
+        </a:prstGeom>
+        <a:solidFill>
+          <a:schemeClr val="accent1">
+            <a:hueOff val="0"/>
+            <a:satOff val="0"/>
+            <a:lumOff val="0"/>
+            <a:alphaOff val="0"/>
+          </a:schemeClr>
+        </a:solidFill>
+        <a:ln w="25400" cap="flat" cmpd="sng" algn="ctr">
+          <a:solidFill>
+            <a:schemeClr val="lt1">
+              <a:hueOff val="0"/>
+              <a:satOff val="0"/>
+              <a:lumOff val="0"/>
+              <a:alphaOff val="0"/>
+            </a:schemeClr>
+          </a:solidFill>
+          <a:prstDash val="solid"/>
+        </a:ln>
+        <a:effectLst/>
+      </dsp:spPr>
+      <dsp:style>
+        <a:lnRef idx="2">
+          <a:scrgbClr r="0" g="0" b="0"/>
+        </a:lnRef>
+        <a:fillRef idx="1">
+          <a:scrgbClr r="0" g="0" b="0"/>
+        </a:fillRef>
+        <a:effectRef idx="0">
+          <a:scrgbClr r="0" g="0" b="0"/>
+        </a:effectRef>
+        <a:fontRef idx="minor">
+          <a:schemeClr val="lt1"/>
+        </a:fontRef>
+      </dsp:style>
+    </dsp:sp>
+    <dsp:sp modelId="{07E43FDC-2451-4E49-B09D-01E1C470BAF5}">
+      <dsp:nvSpPr>
+        <dsp:cNvPr id="0" name=""/>
+        <dsp:cNvSpPr/>
+      </dsp:nvSpPr>
+      <dsp:spPr>
+        <a:xfrm>
+          <a:off x="2555230" y="3424605"/>
+          <a:ext cx="1866679" cy="1185341"/>
+        </a:xfrm>
+        <a:prstGeom prst="roundRect">
+          <a:avLst>
+            <a:gd name="adj" fmla="val 10000"/>
+          </a:avLst>
+        </a:prstGeom>
+        <a:solidFill>
+          <a:schemeClr val="lt1">
+            <a:alpha val="90000"/>
+            <a:hueOff val="0"/>
+            <a:satOff val="0"/>
+            <a:lumOff val="0"/>
+            <a:alphaOff val="0"/>
+          </a:schemeClr>
+        </a:solidFill>
+        <a:ln w="25400" cap="flat" cmpd="sng" algn="ctr">
+          <a:solidFill>
+            <a:schemeClr val="accent1">
+              <a:hueOff val="0"/>
+              <a:satOff val="0"/>
+              <a:lumOff val="0"/>
+              <a:alphaOff val="0"/>
+            </a:schemeClr>
+          </a:solidFill>
+          <a:prstDash val="solid"/>
+        </a:ln>
+        <a:effectLst/>
+      </dsp:spPr>
+      <dsp:style>
+        <a:lnRef idx="2">
+          <a:scrgbClr r="0" g="0" b="0"/>
+        </a:lnRef>
+        <a:fillRef idx="1">
+          <a:scrgbClr r="0" g="0" b="0"/>
+        </a:fillRef>
+        <a:effectRef idx="0">
+          <a:scrgbClr r="0" g="0" b="0"/>
+        </a:effectRef>
+        <a:fontRef idx="minor"/>
+      </dsp:style>
+      <dsp:txBody>
+        <a:bodyPr spcFirstLastPara="0" vert="horz" wrap="square" lIns="91440" tIns="91440" rIns="91440" bIns="91440" numCol="1" spcCol="1270" anchor="ctr" anchorCtr="0">
+          <a:noAutofit/>
+        </a:bodyPr>
+        <a:lstStyle/>
+        <a:p>
+          <a:pPr lvl="0" algn="ctr" defTabSz="1066800">
+            <a:lnSpc>
+              <a:spcPct val="90000"/>
+            </a:lnSpc>
+            <a:spcBef>
+              <a:spcPct val="0"/>
+            </a:spcBef>
+            <a:spcAft>
+              <a:spcPct val="35000"/>
+            </a:spcAft>
+          </a:pPr>
+          <a:r>
+            <a:rPr lang="en-US" sz="2400" kern="1200" dirty="0" smtClean="0"/>
+            <a:t>Integration Testing</a:t>
+          </a:r>
+          <a:endParaRPr lang="en-US" sz="2400" kern="1200" dirty="0"/>
+        </a:p>
+      </dsp:txBody>
+      <dsp:txXfrm>
+        <a:off x="2589947" y="3459322"/>
+        <a:ext cx="1797245" cy="1115907"/>
+      </dsp:txXfrm>
+    </dsp:sp>
+    <dsp:sp modelId="{9171507A-C72F-4E50-83FA-3C1226EEAD9A}">
+      <dsp:nvSpPr>
+        <dsp:cNvPr id="0" name=""/>
+        <dsp:cNvSpPr/>
+      </dsp:nvSpPr>
+      <dsp:spPr>
+        <a:xfrm>
+          <a:off x="4488907" y="3247030"/>
+          <a:ext cx="1866679" cy="1185341"/>
+        </a:xfrm>
+        <a:prstGeom prst="roundRect">
+          <a:avLst>
+            <a:gd name="adj" fmla="val 10000"/>
+          </a:avLst>
+        </a:prstGeom>
+        <a:solidFill>
+          <a:schemeClr val="accent1">
+            <a:hueOff val="0"/>
+            <a:satOff val="0"/>
+            <a:lumOff val="0"/>
+            <a:alphaOff val="0"/>
+          </a:schemeClr>
+        </a:solidFill>
+        <a:ln w="25400" cap="flat" cmpd="sng" algn="ctr">
+          <a:solidFill>
+            <a:schemeClr val="lt1">
+              <a:hueOff val="0"/>
+              <a:satOff val="0"/>
+              <a:lumOff val="0"/>
+              <a:alphaOff val="0"/>
+            </a:schemeClr>
+          </a:solidFill>
+          <a:prstDash val="solid"/>
+        </a:ln>
+        <a:effectLst/>
+      </dsp:spPr>
+      <dsp:style>
+        <a:lnRef idx="2">
+          <a:scrgbClr r="0" g="0" b="0"/>
+        </a:lnRef>
+        <a:fillRef idx="1">
+          <a:scrgbClr r="0" g="0" b="0"/>
+        </a:fillRef>
+        <a:effectRef idx="0">
+          <a:scrgbClr r="0" g="0" b="0"/>
+        </a:effectRef>
+        <a:fontRef idx="minor">
+          <a:schemeClr val="lt1"/>
+        </a:fontRef>
+      </dsp:style>
+    </dsp:sp>
+    <dsp:sp modelId="{296BC530-21A3-49CE-8200-B1F7FD1A89C1}">
+      <dsp:nvSpPr>
+        <dsp:cNvPr id="0" name=""/>
+        <dsp:cNvSpPr/>
+      </dsp:nvSpPr>
+      <dsp:spPr>
+        <a:xfrm>
+          <a:off x="4696315" y="3444068"/>
+          <a:ext cx="1866679" cy="1185341"/>
+        </a:xfrm>
+        <a:prstGeom prst="roundRect">
+          <a:avLst>
+            <a:gd name="adj" fmla="val 10000"/>
+          </a:avLst>
+        </a:prstGeom>
+        <a:solidFill>
+          <a:schemeClr val="lt1">
+            <a:alpha val="90000"/>
+            <a:hueOff val="0"/>
+            <a:satOff val="0"/>
+            <a:lumOff val="0"/>
+            <a:alphaOff val="0"/>
+          </a:schemeClr>
+        </a:solidFill>
+        <a:ln w="25400" cap="flat" cmpd="sng" algn="ctr">
+          <a:solidFill>
+            <a:schemeClr val="accent1">
+              <a:hueOff val="0"/>
+              <a:satOff val="0"/>
+              <a:lumOff val="0"/>
+              <a:alphaOff val="0"/>
+            </a:schemeClr>
+          </a:solidFill>
+          <a:prstDash val="solid"/>
+        </a:ln>
+        <a:effectLst/>
+      </dsp:spPr>
+      <dsp:style>
+        <a:lnRef idx="2">
+          <a:scrgbClr r="0" g="0" b="0"/>
+        </a:lnRef>
+        <a:fillRef idx="1">
+          <a:scrgbClr r="0" g="0" b="0"/>
+        </a:fillRef>
+        <a:effectRef idx="0">
+          <a:scrgbClr r="0" g="0" b="0"/>
+        </a:effectRef>
+        <a:fontRef idx="minor"/>
+      </dsp:style>
+      <dsp:txBody>
+        <a:bodyPr spcFirstLastPara="0" vert="horz" wrap="square" lIns="91440" tIns="91440" rIns="91440" bIns="91440" numCol="1" spcCol="1270" anchor="ctr" anchorCtr="0">
+          <a:noAutofit/>
+        </a:bodyPr>
+        <a:lstStyle/>
+        <a:p>
+          <a:pPr lvl="0" algn="ctr" defTabSz="1066800">
+            <a:lnSpc>
+              <a:spcPct val="90000"/>
+            </a:lnSpc>
+            <a:spcBef>
+              <a:spcPct val="0"/>
+            </a:spcBef>
+            <a:spcAft>
+              <a:spcPct val="35000"/>
+            </a:spcAft>
+          </a:pPr>
+          <a:r>
+            <a:rPr lang="en-US" sz="2400" kern="1200" dirty="0" smtClean="0"/>
+            <a:t>System Testing</a:t>
+          </a:r>
+          <a:endParaRPr lang="en-US" sz="2400" kern="1200" dirty="0"/>
+        </a:p>
+      </dsp:txBody>
+      <dsp:txXfrm>
+        <a:off x="4731032" y="3478785"/>
+        <a:ext cx="1797245" cy="1115907"/>
+      </dsp:txXfrm>
+    </dsp:sp>
+    <dsp:sp modelId="{9D2CF4A4-9047-4113-9A83-06DD44EE4093}">
+      <dsp:nvSpPr>
+        <dsp:cNvPr id="0" name=""/>
+        <dsp:cNvSpPr/>
+      </dsp:nvSpPr>
+      <dsp:spPr>
+        <a:xfrm>
+          <a:off x="6746193" y="3213307"/>
+          <a:ext cx="1866679" cy="1185341"/>
+        </a:xfrm>
+        <a:prstGeom prst="roundRect">
+          <a:avLst>
+            <a:gd name="adj" fmla="val 10000"/>
+          </a:avLst>
+        </a:prstGeom>
+        <a:solidFill>
+          <a:schemeClr val="accent1">
+            <a:hueOff val="0"/>
+            <a:satOff val="0"/>
+            <a:lumOff val="0"/>
+            <a:alphaOff val="0"/>
+          </a:schemeClr>
+        </a:solidFill>
+        <a:ln w="25400" cap="flat" cmpd="sng" algn="ctr">
+          <a:solidFill>
+            <a:schemeClr val="lt1">
+              <a:hueOff val="0"/>
+              <a:satOff val="0"/>
+              <a:lumOff val="0"/>
+              <a:alphaOff val="0"/>
+            </a:schemeClr>
+          </a:solidFill>
+          <a:prstDash val="solid"/>
+        </a:ln>
+        <a:effectLst/>
+      </dsp:spPr>
+      <dsp:style>
+        <a:lnRef idx="2">
+          <a:scrgbClr r="0" g="0" b="0"/>
+        </a:lnRef>
+        <a:fillRef idx="1">
+          <a:scrgbClr r="0" g="0" b="0"/>
+        </a:fillRef>
+        <a:effectRef idx="0">
+          <a:scrgbClr r="0" g="0" b="0"/>
+        </a:effectRef>
+        <a:fontRef idx="minor">
+          <a:schemeClr val="lt1"/>
+        </a:fontRef>
+      </dsp:style>
+    </dsp:sp>
+    <dsp:sp modelId="{40DAC910-4065-483F-9AC1-1594B34954F9}">
+      <dsp:nvSpPr>
+        <dsp:cNvPr id="0" name=""/>
+        <dsp:cNvSpPr/>
+      </dsp:nvSpPr>
+      <dsp:spPr>
+        <a:xfrm>
+          <a:off x="6953602" y="3410345"/>
+          <a:ext cx="1866679" cy="1185341"/>
+        </a:xfrm>
+        <a:prstGeom prst="roundRect">
+          <a:avLst>
+            <a:gd name="adj" fmla="val 10000"/>
+          </a:avLst>
+        </a:prstGeom>
+        <a:solidFill>
+          <a:schemeClr val="lt1">
+            <a:alpha val="90000"/>
+            <a:hueOff val="0"/>
+            <a:satOff val="0"/>
+            <a:lumOff val="0"/>
+            <a:alphaOff val="0"/>
+          </a:schemeClr>
+        </a:solidFill>
+        <a:ln w="25400" cap="flat" cmpd="sng" algn="ctr">
+          <a:solidFill>
+            <a:schemeClr val="accent1">
+              <a:hueOff val="0"/>
+              <a:satOff val="0"/>
+              <a:lumOff val="0"/>
+              <a:alphaOff val="0"/>
+            </a:schemeClr>
+          </a:solidFill>
+          <a:prstDash val="solid"/>
+        </a:ln>
+        <a:effectLst/>
+      </dsp:spPr>
+      <dsp:style>
+        <a:lnRef idx="2">
+          <a:scrgbClr r="0" g="0" b="0"/>
+        </a:lnRef>
+        <a:fillRef idx="1">
+          <a:scrgbClr r="0" g="0" b="0"/>
+        </a:fillRef>
+        <a:effectRef idx="0">
+          <a:scrgbClr r="0" g="0" b="0"/>
+        </a:effectRef>
+        <a:fontRef idx="minor"/>
+      </dsp:style>
+      <dsp:txBody>
+        <a:bodyPr spcFirstLastPara="0" vert="horz" wrap="square" lIns="91440" tIns="91440" rIns="91440" bIns="91440" numCol="1" spcCol="1270" anchor="ctr" anchorCtr="0">
+          <a:noAutofit/>
+        </a:bodyPr>
+        <a:lstStyle/>
+        <a:p>
+          <a:pPr lvl="0" algn="ctr" defTabSz="1066800">
+            <a:lnSpc>
+              <a:spcPct val="90000"/>
+            </a:lnSpc>
+            <a:spcBef>
+              <a:spcPct val="0"/>
+            </a:spcBef>
+            <a:spcAft>
+              <a:spcPct val="35000"/>
+            </a:spcAft>
+          </a:pPr>
+          <a:r>
+            <a:rPr lang="en-US" sz="2400" kern="1200" smtClean="0"/>
+            <a:t>Acceptance Testing</a:t>
+          </a:r>
+          <a:endParaRPr lang="en-US" sz="2400" kern="1200" dirty="0"/>
+        </a:p>
+      </dsp:txBody>
+      <dsp:txXfrm>
+        <a:off x="6988319" y="3445062"/>
+        <a:ext cx="1797245" cy="1115907"/>
+      </dsp:txXfrm>
+    </dsp:sp>
   </dsp:spTree>
 </dsp:drawing>
 </file>
@@ -18193,7 +22022,7 @@
           <p:cNvPr id="222" name="Rectangle 4">
             <a:extLst>
               <a:ext uri="{FF2B5EF4-FFF2-40B4-BE49-F238E27FC236}">
-                <a16:creationId xmlns="" xmlns:a16="http://schemas.microsoft.com/office/drawing/2014/main" id="{A62A4E05-D5EC-4D7B-ABD9-783098202487}"/>
+                <a16:creationId xmlns:a16="http://schemas.microsoft.com/office/drawing/2014/main" xmlns="" id="{A62A4E05-D5EC-4D7B-ABD9-783098202487}"/>
               </a:ext>
             </a:extLst>
           </p:cNvPr>
@@ -18251,7 +22080,7 @@
           <p:cNvPr id="227" name="Block Arc 1">
             <a:extLst>
               <a:ext uri="{FF2B5EF4-FFF2-40B4-BE49-F238E27FC236}">
-                <a16:creationId xmlns="" xmlns:a16="http://schemas.microsoft.com/office/drawing/2014/main" id="{E9A8D7B4-3433-4BFA-9525-FD17C4D2B7B7}"/>
+                <a16:creationId xmlns:a16="http://schemas.microsoft.com/office/drawing/2014/main" xmlns="" id="{E9A8D7B4-3433-4BFA-9525-FD17C4D2B7B7}"/>
               </a:ext>
             </a:extLst>
           </p:cNvPr>
@@ -18313,7 +22142,7 @@
           <p:cNvPr id="229" name="Block Arc 13">
             <a:extLst>
               <a:ext uri="{FF2B5EF4-FFF2-40B4-BE49-F238E27FC236}">
-                <a16:creationId xmlns="" xmlns:a16="http://schemas.microsoft.com/office/drawing/2014/main" id="{1D21E8CD-0062-46B8-B48F-BCBBA362EC1D}"/>
+                <a16:creationId xmlns:a16="http://schemas.microsoft.com/office/drawing/2014/main" xmlns="" id="{1D21E8CD-0062-46B8-B48F-BCBBA362EC1D}"/>
               </a:ext>
             </a:extLst>
           </p:cNvPr>
@@ -18375,7 +22204,7 @@
           <p:cNvPr id="230" name="Block Arc 15">
             <a:extLst>
               <a:ext uri="{FF2B5EF4-FFF2-40B4-BE49-F238E27FC236}">
-                <a16:creationId xmlns="" xmlns:a16="http://schemas.microsoft.com/office/drawing/2014/main" id="{5E72CE5D-50AB-4E79-B094-8452C1CB1BC5}"/>
+                <a16:creationId xmlns:a16="http://schemas.microsoft.com/office/drawing/2014/main" xmlns="" id="{5E72CE5D-50AB-4E79-B094-8452C1CB1BC5}"/>
               </a:ext>
             </a:extLst>
           </p:cNvPr>
@@ -18437,7 +22266,7 @@
           <p:cNvPr id="228" name="Block Arc 12">
             <a:extLst>
               <a:ext uri="{FF2B5EF4-FFF2-40B4-BE49-F238E27FC236}">
-                <a16:creationId xmlns="" xmlns:a16="http://schemas.microsoft.com/office/drawing/2014/main" id="{2E091664-DD03-46FE-8304-18866EBB8D12}"/>
+                <a16:creationId xmlns:a16="http://schemas.microsoft.com/office/drawing/2014/main" xmlns="" id="{2E091664-DD03-46FE-8304-18866EBB8D12}"/>
               </a:ext>
             </a:extLst>
           </p:cNvPr>
@@ -18499,7 +22328,7 @@
           <p:cNvPr id="4" name="Group 3">
             <a:extLst>
               <a:ext uri="{FF2B5EF4-FFF2-40B4-BE49-F238E27FC236}">
-                <a16:creationId xmlns="" xmlns:a16="http://schemas.microsoft.com/office/drawing/2014/main" id="{B76B9D93-713A-40ED-94C2-DA91F74E3A74}"/>
+                <a16:creationId xmlns:a16="http://schemas.microsoft.com/office/drawing/2014/main" xmlns="" id="{B76B9D93-713A-40ED-94C2-DA91F74E3A74}"/>
               </a:ext>
             </a:extLst>
           </p:cNvPr>
@@ -18524,7 +22353,7 @@
             <p:cNvPr id="5" name="Straight Connector 4">
               <a:extLst>
                 <a:ext uri="{FF2B5EF4-FFF2-40B4-BE49-F238E27FC236}">
-                  <a16:creationId xmlns="" xmlns:a16="http://schemas.microsoft.com/office/drawing/2014/main" id="{13574BBA-5A6F-462E-84AF-A8DF244C614D}"/>
+                  <a16:creationId xmlns:a16="http://schemas.microsoft.com/office/drawing/2014/main" xmlns="" id="{13574BBA-5A6F-462E-84AF-A8DF244C614D}"/>
                 </a:ext>
               </a:extLst>
             </p:cNvPr>
@@ -18572,7 +22401,7 @@
             <p:cNvPr id="6" name="Straight Connector 5">
               <a:extLst>
                 <a:ext uri="{FF2B5EF4-FFF2-40B4-BE49-F238E27FC236}">
-                  <a16:creationId xmlns="" xmlns:a16="http://schemas.microsoft.com/office/drawing/2014/main" id="{5D9955CD-7999-439E-B931-6DC0A2B2B81A}"/>
+                  <a16:creationId xmlns:a16="http://schemas.microsoft.com/office/drawing/2014/main" xmlns="" id="{5D9955CD-7999-439E-B931-6DC0A2B2B81A}"/>
                 </a:ext>
               </a:extLst>
             </p:cNvPr>
@@ -18620,7 +22449,7 @@
             <p:cNvPr id="7" name="Straight Connector 6">
               <a:extLst>
                 <a:ext uri="{FF2B5EF4-FFF2-40B4-BE49-F238E27FC236}">
-                  <a16:creationId xmlns="" xmlns:a16="http://schemas.microsoft.com/office/drawing/2014/main" id="{1DBEE600-DA29-4A28-B66C-AD1D4D274F59}"/>
+                  <a16:creationId xmlns:a16="http://schemas.microsoft.com/office/drawing/2014/main" xmlns="" id="{1DBEE600-DA29-4A28-B66C-AD1D4D274F59}"/>
                 </a:ext>
               </a:extLst>
             </p:cNvPr>
@@ -18668,7 +22497,7 @@
             <p:cNvPr id="8" name="Straight Connector 7">
               <a:extLst>
                 <a:ext uri="{FF2B5EF4-FFF2-40B4-BE49-F238E27FC236}">
-                  <a16:creationId xmlns="" xmlns:a16="http://schemas.microsoft.com/office/drawing/2014/main" id="{EF3060E4-9EF5-4D4B-82F6-C73611F4A04F}"/>
+                  <a16:creationId xmlns:a16="http://schemas.microsoft.com/office/drawing/2014/main" xmlns="" id="{EF3060E4-9EF5-4D4B-82F6-C73611F4A04F}"/>
                 </a:ext>
               </a:extLst>
             </p:cNvPr>
@@ -18716,7 +22545,7 @@
             <p:cNvPr id="9" name="Straight Connector 8">
               <a:extLst>
                 <a:ext uri="{FF2B5EF4-FFF2-40B4-BE49-F238E27FC236}">
-                  <a16:creationId xmlns="" xmlns:a16="http://schemas.microsoft.com/office/drawing/2014/main" id="{EBE8DD59-DC59-4F25-A7B1-3D1AA5364A64}"/>
+                  <a16:creationId xmlns:a16="http://schemas.microsoft.com/office/drawing/2014/main" xmlns="" id="{EBE8DD59-DC59-4F25-A7B1-3D1AA5364A64}"/>
                 </a:ext>
               </a:extLst>
             </p:cNvPr>
@@ -18764,7 +22593,7 @@
             <p:cNvPr id="10" name="Straight Connector 9">
               <a:extLst>
                 <a:ext uri="{FF2B5EF4-FFF2-40B4-BE49-F238E27FC236}">
-                  <a16:creationId xmlns="" xmlns:a16="http://schemas.microsoft.com/office/drawing/2014/main" id="{F35E4062-0ED4-42EC-B6E1-2B9E4C299057}"/>
+                  <a16:creationId xmlns:a16="http://schemas.microsoft.com/office/drawing/2014/main" xmlns="" id="{F35E4062-0ED4-42EC-B6E1-2B9E4C299057}"/>
                 </a:ext>
               </a:extLst>
             </p:cNvPr>
@@ -18812,7 +22641,7 @@
             <p:cNvPr id="11" name="Straight Connector 10">
               <a:extLst>
                 <a:ext uri="{FF2B5EF4-FFF2-40B4-BE49-F238E27FC236}">
-                  <a16:creationId xmlns="" xmlns:a16="http://schemas.microsoft.com/office/drawing/2014/main" id="{AE7894C4-AB88-4C4F-8B46-077785446A4B}"/>
+                  <a16:creationId xmlns:a16="http://schemas.microsoft.com/office/drawing/2014/main" xmlns="" id="{AE7894C4-AB88-4C4F-8B46-077785446A4B}"/>
                 </a:ext>
               </a:extLst>
             </p:cNvPr>
@@ -18860,7 +22689,7 @@
             <p:cNvPr id="12" name="Straight Connector 11">
               <a:extLst>
                 <a:ext uri="{FF2B5EF4-FFF2-40B4-BE49-F238E27FC236}">
-                  <a16:creationId xmlns="" xmlns:a16="http://schemas.microsoft.com/office/drawing/2014/main" id="{D37020EC-C83B-4EBA-B805-05EEE55C5CFD}"/>
+                  <a16:creationId xmlns:a16="http://schemas.microsoft.com/office/drawing/2014/main" xmlns="" id="{D37020EC-C83B-4EBA-B805-05EEE55C5CFD}"/>
                 </a:ext>
               </a:extLst>
             </p:cNvPr>
@@ -18908,7 +22737,7 @@
             <p:cNvPr id="13" name="Straight Connector 12">
               <a:extLst>
                 <a:ext uri="{FF2B5EF4-FFF2-40B4-BE49-F238E27FC236}">
-                  <a16:creationId xmlns="" xmlns:a16="http://schemas.microsoft.com/office/drawing/2014/main" id="{67E5422B-4F4E-4EF3-BF30-09F502B270D9}"/>
+                  <a16:creationId xmlns:a16="http://schemas.microsoft.com/office/drawing/2014/main" xmlns="" id="{67E5422B-4F4E-4EF3-BF30-09F502B270D9}"/>
                 </a:ext>
               </a:extLst>
             </p:cNvPr>
@@ -18956,7 +22785,7 @@
             <p:cNvPr id="14" name="Straight Connector 13">
               <a:extLst>
                 <a:ext uri="{FF2B5EF4-FFF2-40B4-BE49-F238E27FC236}">
-                  <a16:creationId xmlns="" xmlns:a16="http://schemas.microsoft.com/office/drawing/2014/main" id="{6035FCD9-2CBD-49BC-9D2D-2EDB1CC52A90}"/>
+                  <a16:creationId xmlns:a16="http://schemas.microsoft.com/office/drawing/2014/main" xmlns="" id="{6035FCD9-2CBD-49BC-9D2D-2EDB1CC52A90}"/>
                 </a:ext>
               </a:extLst>
             </p:cNvPr>
@@ -19003,7 +22832,7 @@
             <p:cNvPr id="15" name="Straight Connector 14">
               <a:extLst>
                 <a:ext uri="{FF2B5EF4-FFF2-40B4-BE49-F238E27FC236}">
-                  <a16:creationId xmlns="" xmlns:a16="http://schemas.microsoft.com/office/drawing/2014/main" id="{38713C5B-01C6-49EE-93D1-16BC8D9FC54D}"/>
+                  <a16:creationId xmlns:a16="http://schemas.microsoft.com/office/drawing/2014/main" xmlns="" id="{38713C5B-01C6-49EE-93D1-16BC8D9FC54D}"/>
                 </a:ext>
               </a:extLst>
             </p:cNvPr>
@@ -19051,7 +22880,7 @@
             <p:cNvPr id="16" name="Straight Connector 15">
               <a:extLst>
                 <a:ext uri="{FF2B5EF4-FFF2-40B4-BE49-F238E27FC236}">
-                  <a16:creationId xmlns="" xmlns:a16="http://schemas.microsoft.com/office/drawing/2014/main" id="{CA55FB29-6C54-4F71-8EF8-7A7410EB19C0}"/>
+                  <a16:creationId xmlns:a16="http://schemas.microsoft.com/office/drawing/2014/main" xmlns="" id="{CA55FB29-6C54-4F71-8EF8-7A7410EB19C0}"/>
                 </a:ext>
               </a:extLst>
             </p:cNvPr>
@@ -19099,7 +22928,7 @@
             <p:cNvPr id="17" name="Straight Connector 16">
               <a:extLst>
                 <a:ext uri="{FF2B5EF4-FFF2-40B4-BE49-F238E27FC236}">
-                  <a16:creationId xmlns="" xmlns:a16="http://schemas.microsoft.com/office/drawing/2014/main" id="{CACBECF4-2792-4CFF-9B3B-9716A9662325}"/>
+                  <a16:creationId xmlns:a16="http://schemas.microsoft.com/office/drawing/2014/main" xmlns="" id="{CACBECF4-2792-4CFF-9B3B-9716A9662325}"/>
                 </a:ext>
               </a:extLst>
             </p:cNvPr>
@@ -19147,7 +22976,7 @@
             <p:cNvPr id="18" name="Straight Connector 17">
               <a:extLst>
                 <a:ext uri="{FF2B5EF4-FFF2-40B4-BE49-F238E27FC236}">
-                  <a16:creationId xmlns="" xmlns:a16="http://schemas.microsoft.com/office/drawing/2014/main" id="{D1BC205A-F7BB-4D27-9073-2A4A32BBFB50}"/>
+                  <a16:creationId xmlns:a16="http://schemas.microsoft.com/office/drawing/2014/main" xmlns="" id="{D1BC205A-F7BB-4D27-9073-2A4A32BBFB50}"/>
                 </a:ext>
               </a:extLst>
             </p:cNvPr>
@@ -19195,7 +23024,7 @@
             <p:cNvPr id="19" name="Straight Connector 18">
               <a:extLst>
                 <a:ext uri="{FF2B5EF4-FFF2-40B4-BE49-F238E27FC236}">
-                  <a16:creationId xmlns="" xmlns:a16="http://schemas.microsoft.com/office/drawing/2014/main" id="{700651C2-9CC5-49E7-B573-F8483E188ABF}"/>
+                  <a16:creationId xmlns:a16="http://schemas.microsoft.com/office/drawing/2014/main" xmlns="" id="{700651C2-9CC5-49E7-B573-F8483E188ABF}"/>
                 </a:ext>
               </a:extLst>
             </p:cNvPr>
@@ -19243,7 +23072,7 @@
             <p:cNvPr id="20" name="Straight Connector 19">
               <a:extLst>
                 <a:ext uri="{FF2B5EF4-FFF2-40B4-BE49-F238E27FC236}">
-                  <a16:creationId xmlns="" xmlns:a16="http://schemas.microsoft.com/office/drawing/2014/main" id="{A94B7C26-C6F8-4579-ADB3-57064DC524E4}"/>
+                  <a16:creationId xmlns:a16="http://schemas.microsoft.com/office/drawing/2014/main" xmlns="" id="{A94B7C26-C6F8-4579-ADB3-57064DC524E4}"/>
                 </a:ext>
               </a:extLst>
             </p:cNvPr>
@@ -19291,7 +23120,7 @@
             <p:cNvPr id="21" name="Straight Connector 20">
               <a:extLst>
                 <a:ext uri="{FF2B5EF4-FFF2-40B4-BE49-F238E27FC236}">
-                  <a16:creationId xmlns="" xmlns:a16="http://schemas.microsoft.com/office/drawing/2014/main" id="{185A2ECA-6465-49DD-9CA4-2307CEA42AA5}"/>
+                  <a16:creationId xmlns:a16="http://schemas.microsoft.com/office/drawing/2014/main" xmlns="" id="{185A2ECA-6465-49DD-9CA4-2307CEA42AA5}"/>
                 </a:ext>
               </a:extLst>
             </p:cNvPr>
@@ -19339,7 +23168,7 @@
             <p:cNvPr id="22" name="Straight Connector 21">
               <a:extLst>
                 <a:ext uri="{FF2B5EF4-FFF2-40B4-BE49-F238E27FC236}">
-                  <a16:creationId xmlns="" xmlns:a16="http://schemas.microsoft.com/office/drawing/2014/main" id="{4132A994-F3AE-40FB-BC10-6AC29DB2C531}"/>
+                  <a16:creationId xmlns:a16="http://schemas.microsoft.com/office/drawing/2014/main" xmlns="" id="{4132A994-F3AE-40FB-BC10-6AC29DB2C531}"/>
                 </a:ext>
               </a:extLst>
             </p:cNvPr>
@@ -19387,7 +23216,7 @@
             <p:cNvPr id="23" name="Straight Connector 22">
               <a:extLst>
                 <a:ext uri="{FF2B5EF4-FFF2-40B4-BE49-F238E27FC236}">
-                  <a16:creationId xmlns="" xmlns:a16="http://schemas.microsoft.com/office/drawing/2014/main" id="{F4CFD37F-36BC-4F32-9C7C-A2376C8AA42F}"/>
+                  <a16:creationId xmlns:a16="http://schemas.microsoft.com/office/drawing/2014/main" xmlns="" id="{F4CFD37F-36BC-4F32-9C7C-A2376C8AA42F}"/>
                 </a:ext>
               </a:extLst>
             </p:cNvPr>
@@ -19435,7 +23264,7 @@
             <p:cNvPr id="24" name="Straight Connector 23">
               <a:extLst>
                 <a:ext uri="{FF2B5EF4-FFF2-40B4-BE49-F238E27FC236}">
-                  <a16:creationId xmlns="" xmlns:a16="http://schemas.microsoft.com/office/drawing/2014/main" id="{5973D917-5D0C-4426-8EEB-C5BAD8CCEE9F}"/>
+                  <a16:creationId xmlns:a16="http://schemas.microsoft.com/office/drawing/2014/main" xmlns="" id="{5973D917-5D0C-4426-8EEB-C5BAD8CCEE9F}"/>
                 </a:ext>
               </a:extLst>
             </p:cNvPr>
@@ -19483,7 +23312,7 @@
             <p:cNvPr id="25" name="Straight Connector 24">
               <a:extLst>
                 <a:ext uri="{FF2B5EF4-FFF2-40B4-BE49-F238E27FC236}">
-                  <a16:creationId xmlns="" xmlns:a16="http://schemas.microsoft.com/office/drawing/2014/main" id="{6AA0E6EB-88F3-4B1F-8863-E21BF94BD882}"/>
+                  <a16:creationId xmlns:a16="http://schemas.microsoft.com/office/drawing/2014/main" xmlns="" id="{6AA0E6EB-88F3-4B1F-8863-E21BF94BD882}"/>
                 </a:ext>
               </a:extLst>
             </p:cNvPr>
@@ -19531,7 +23360,7 @@
             <p:cNvPr id="26" name="Straight Connector 25">
               <a:extLst>
                 <a:ext uri="{FF2B5EF4-FFF2-40B4-BE49-F238E27FC236}">
-                  <a16:creationId xmlns="" xmlns:a16="http://schemas.microsoft.com/office/drawing/2014/main" id="{71624A79-CD9C-4A7D-9F15-B4A82D3B1AF7}"/>
+                  <a16:creationId xmlns:a16="http://schemas.microsoft.com/office/drawing/2014/main" xmlns="" id="{71624A79-CD9C-4A7D-9F15-B4A82D3B1AF7}"/>
                 </a:ext>
               </a:extLst>
             </p:cNvPr>
@@ -19579,7 +23408,7 @@
             <p:cNvPr id="27" name="Straight Connector 26">
               <a:extLst>
                 <a:ext uri="{FF2B5EF4-FFF2-40B4-BE49-F238E27FC236}">
-                  <a16:creationId xmlns="" xmlns:a16="http://schemas.microsoft.com/office/drawing/2014/main" id="{9F8C9FAF-9F51-4A35-BABD-BE3D30FB6548}"/>
+                  <a16:creationId xmlns:a16="http://schemas.microsoft.com/office/drawing/2014/main" xmlns="" id="{9F8C9FAF-9F51-4A35-BABD-BE3D30FB6548}"/>
                 </a:ext>
               </a:extLst>
             </p:cNvPr>
@@ -19627,7 +23456,7 @@
             <p:cNvPr id="28" name="Straight Connector 27">
               <a:extLst>
                 <a:ext uri="{FF2B5EF4-FFF2-40B4-BE49-F238E27FC236}">
-                  <a16:creationId xmlns="" xmlns:a16="http://schemas.microsoft.com/office/drawing/2014/main" id="{5F6834BC-6EA9-41D2-BD81-5E1318046679}"/>
+                  <a16:creationId xmlns:a16="http://schemas.microsoft.com/office/drawing/2014/main" xmlns="" id="{5F6834BC-6EA9-41D2-BD81-5E1318046679}"/>
                 </a:ext>
               </a:extLst>
             </p:cNvPr>
@@ -19675,7 +23504,7 @@
             <p:cNvPr id="29" name="Straight Connector 28">
               <a:extLst>
                 <a:ext uri="{FF2B5EF4-FFF2-40B4-BE49-F238E27FC236}">
-                  <a16:creationId xmlns="" xmlns:a16="http://schemas.microsoft.com/office/drawing/2014/main" id="{D2333035-BBE0-41C0-B841-EE4679A93618}"/>
+                  <a16:creationId xmlns:a16="http://schemas.microsoft.com/office/drawing/2014/main" xmlns="" id="{D2333035-BBE0-41C0-B841-EE4679A93618}"/>
                 </a:ext>
               </a:extLst>
             </p:cNvPr>
@@ -19723,7 +23552,7 @@
             <p:cNvPr id="30" name="Straight Connector 29">
               <a:extLst>
                 <a:ext uri="{FF2B5EF4-FFF2-40B4-BE49-F238E27FC236}">
-                  <a16:creationId xmlns="" xmlns:a16="http://schemas.microsoft.com/office/drawing/2014/main" id="{7E9A0FBC-7CFF-4AFA-ADC2-70A883BBAB52}"/>
+                  <a16:creationId xmlns:a16="http://schemas.microsoft.com/office/drawing/2014/main" xmlns="" id="{7E9A0FBC-7CFF-4AFA-ADC2-70A883BBAB52}"/>
                 </a:ext>
               </a:extLst>
             </p:cNvPr>
@@ -19771,7 +23600,7 @@
             <p:cNvPr id="31" name="Straight Connector 30">
               <a:extLst>
                 <a:ext uri="{FF2B5EF4-FFF2-40B4-BE49-F238E27FC236}">
-                  <a16:creationId xmlns="" xmlns:a16="http://schemas.microsoft.com/office/drawing/2014/main" id="{DA4B84F3-447D-4B3E-AEEF-81177D4289CC}"/>
+                  <a16:creationId xmlns:a16="http://schemas.microsoft.com/office/drawing/2014/main" xmlns="" id="{DA4B84F3-447D-4B3E-AEEF-81177D4289CC}"/>
                 </a:ext>
               </a:extLst>
             </p:cNvPr>
@@ -19819,7 +23648,7 @@
             <p:cNvPr id="32" name="Straight Connector 31">
               <a:extLst>
                 <a:ext uri="{FF2B5EF4-FFF2-40B4-BE49-F238E27FC236}">
-                  <a16:creationId xmlns="" xmlns:a16="http://schemas.microsoft.com/office/drawing/2014/main" id="{C618F212-7F6A-41E4-8AF8-7BFDA2D561E0}"/>
+                  <a16:creationId xmlns:a16="http://schemas.microsoft.com/office/drawing/2014/main" xmlns="" id="{C618F212-7F6A-41E4-8AF8-7BFDA2D561E0}"/>
                 </a:ext>
               </a:extLst>
             </p:cNvPr>
@@ -19866,7 +23695,7 @@
             <p:cNvPr id="33" name="Straight Connector 32">
               <a:extLst>
                 <a:ext uri="{FF2B5EF4-FFF2-40B4-BE49-F238E27FC236}">
-                  <a16:creationId xmlns="" xmlns:a16="http://schemas.microsoft.com/office/drawing/2014/main" id="{EE98D6B3-4767-4E65-80F5-5805E7D0D088}"/>
+                  <a16:creationId xmlns:a16="http://schemas.microsoft.com/office/drawing/2014/main" xmlns="" id="{EE98D6B3-4767-4E65-80F5-5805E7D0D088}"/>
                 </a:ext>
               </a:extLst>
             </p:cNvPr>
@@ -19913,7 +23742,7 @@
             <p:cNvPr id="34" name="Straight Connector 33">
               <a:extLst>
                 <a:ext uri="{FF2B5EF4-FFF2-40B4-BE49-F238E27FC236}">
-                  <a16:creationId xmlns="" xmlns:a16="http://schemas.microsoft.com/office/drawing/2014/main" id="{DB54EE6A-8715-4615-8EE4-C3F183ECB7F6}"/>
+                  <a16:creationId xmlns:a16="http://schemas.microsoft.com/office/drawing/2014/main" xmlns="" id="{DB54EE6A-8715-4615-8EE4-C3F183ECB7F6}"/>
                 </a:ext>
               </a:extLst>
             </p:cNvPr>
@@ -19960,7 +23789,7 @@
             <p:cNvPr id="35" name="Straight Connector 34">
               <a:extLst>
                 <a:ext uri="{FF2B5EF4-FFF2-40B4-BE49-F238E27FC236}">
-                  <a16:creationId xmlns="" xmlns:a16="http://schemas.microsoft.com/office/drawing/2014/main" id="{AD47ACAD-79CA-4181-A603-B3F3A3C56972}"/>
+                  <a16:creationId xmlns:a16="http://schemas.microsoft.com/office/drawing/2014/main" xmlns="" id="{AD47ACAD-79CA-4181-A603-B3F3A3C56972}"/>
                 </a:ext>
               </a:extLst>
             </p:cNvPr>
@@ -20007,7 +23836,7 @@
             <p:cNvPr id="36" name="Straight Connector 35">
               <a:extLst>
                 <a:ext uri="{FF2B5EF4-FFF2-40B4-BE49-F238E27FC236}">
-                  <a16:creationId xmlns="" xmlns:a16="http://schemas.microsoft.com/office/drawing/2014/main" id="{E4D21E65-A33D-4B82-8F6D-5E57631945F5}"/>
+                  <a16:creationId xmlns:a16="http://schemas.microsoft.com/office/drawing/2014/main" xmlns="" id="{E4D21E65-A33D-4B82-8F6D-5E57631945F5}"/>
                 </a:ext>
               </a:extLst>
             </p:cNvPr>
@@ -20055,7 +23884,7 @@
             <p:cNvPr id="37" name="Straight Connector 36">
               <a:extLst>
                 <a:ext uri="{FF2B5EF4-FFF2-40B4-BE49-F238E27FC236}">
-                  <a16:creationId xmlns="" xmlns:a16="http://schemas.microsoft.com/office/drawing/2014/main" id="{B05BBB2A-AADA-4A12-AFEF-C304AEBA3955}"/>
+                  <a16:creationId xmlns:a16="http://schemas.microsoft.com/office/drawing/2014/main" xmlns="" id="{B05BBB2A-AADA-4A12-AFEF-C304AEBA3955}"/>
                 </a:ext>
               </a:extLst>
             </p:cNvPr>
@@ -20103,7 +23932,7 @@
             <p:cNvPr id="38" name="Straight Connector 37">
               <a:extLst>
                 <a:ext uri="{FF2B5EF4-FFF2-40B4-BE49-F238E27FC236}">
-                  <a16:creationId xmlns="" xmlns:a16="http://schemas.microsoft.com/office/drawing/2014/main" id="{B1BE11C2-43D1-48CE-B701-2B22922EC4B2}"/>
+                  <a16:creationId xmlns:a16="http://schemas.microsoft.com/office/drawing/2014/main" xmlns="" id="{B1BE11C2-43D1-48CE-B701-2B22922EC4B2}"/>
                 </a:ext>
               </a:extLst>
             </p:cNvPr>
@@ -20151,7 +23980,7 @@
             <p:cNvPr id="39" name="Straight Connector 38">
               <a:extLst>
                 <a:ext uri="{FF2B5EF4-FFF2-40B4-BE49-F238E27FC236}">
-                  <a16:creationId xmlns="" xmlns:a16="http://schemas.microsoft.com/office/drawing/2014/main" id="{8F500EBD-A961-40B0-A633-D663B266CDD9}"/>
+                  <a16:creationId xmlns:a16="http://schemas.microsoft.com/office/drawing/2014/main" xmlns="" id="{8F500EBD-A961-40B0-A633-D663B266CDD9}"/>
                 </a:ext>
               </a:extLst>
             </p:cNvPr>
@@ -20199,7 +24028,7 @@
             <p:cNvPr id="40" name="Straight Connector 39">
               <a:extLst>
                 <a:ext uri="{FF2B5EF4-FFF2-40B4-BE49-F238E27FC236}">
-                  <a16:creationId xmlns="" xmlns:a16="http://schemas.microsoft.com/office/drawing/2014/main" id="{50649136-82AD-404A-AC08-D5DA5B8ADA26}"/>
+                  <a16:creationId xmlns:a16="http://schemas.microsoft.com/office/drawing/2014/main" xmlns="" id="{50649136-82AD-404A-AC08-D5DA5B8ADA26}"/>
                 </a:ext>
               </a:extLst>
             </p:cNvPr>
@@ -20246,7 +24075,7 @@
             <p:cNvPr id="41" name="Straight Connector 40">
               <a:extLst>
                 <a:ext uri="{FF2B5EF4-FFF2-40B4-BE49-F238E27FC236}">
-                  <a16:creationId xmlns="" xmlns:a16="http://schemas.microsoft.com/office/drawing/2014/main" id="{716D3833-79A9-4D05-94EA-2A1FBD47D6FD}"/>
+                  <a16:creationId xmlns:a16="http://schemas.microsoft.com/office/drawing/2014/main" xmlns="" id="{716D3833-79A9-4D05-94EA-2A1FBD47D6FD}"/>
                 </a:ext>
               </a:extLst>
             </p:cNvPr>
@@ -20294,7 +24123,7 @@
             <p:cNvPr id="42" name="Straight Connector 41">
               <a:extLst>
                 <a:ext uri="{FF2B5EF4-FFF2-40B4-BE49-F238E27FC236}">
-                  <a16:creationId xmlns="" xmlns:a16="http://schemas.microsoft.com/office/drawing/2014/main" id="{54F01212-BB44-4345-AFB8-784C37C091F0}"/>
+                  <a16:creationId xmlns:a16="http://schemas.microsoft.com/office/drawing/2014/main" xmlns="" id="{54F01212-BB44-4345-AFB8-784C37C091F0}"/>
                 </a:ext>
               </a:extLst>
             </p:cNvPr>
@@ -20342,7 +24171,7 @@
             <p:cNvPr id="43" name="Straight Connector 42">
               <a:extLst>
                 <a:ext uri="{FF2B5EF4-FFF2-40B4-BE49-F238E27FC236}">
-                  <a16:creationId xmlns="" xmlns:a16="http://schemas.microsoft.com/office/drawing/2014/main" id="{3A22C632-F251-47BF-A47C-BB32F238E49E}"/>
+                  <a16:creationId xmlns:a16="http://schemas.microsoft.com/office/drawing/2014/main" xmlns="" id="{3A22C632-F251-47BF-A47C-BB32F238E49E}"/>
                 </a:ext>
               </a:extLst>
             </p:cNvPr>
@@ -20389,7 +24218,7 @@
             <p:cNvPr id="44" name="Straight Connector 43">
               <a:extLst>
                 <a:ext uri="{FF2B5EF4-FFF2-40B4-BE49-F238E27FC236}">
-                  <a16:creationId xmlns="" xmlns:a16="http://schemas.microsoft.com/office/drawing/2014/main" id="{23E6CA4A-B30D-4EB2-AA92-4A81F8C72FC0}"/>
+                  <a16:creationId xmlns:a16="http://schemas.microsoft.com/office/drawing/2014/main" xmlns="" id="{23E6CA4A-B30D-4EB2-AA92-4A81F8C72FC0}"/>
                 </a:ext>
               </a:extLst>
             </p:cNvPr>
@@ -20436,7 +24265,7 @@
             <p:cNvPr id="45" name="Straight Connector 44">
               <a:extLst>
                 <a:ext uri="{FF2B5EF4-FFF2-40B4-BE49-F238E27FC236}">
-                  <a16:creationId xmlns="" xmlns:a16="http://schemas.microsoft.com/office/drawing/2014/main" id="{FA31386C-C4D0-4EFC-A276-443457DE9BC7}"/>
+                  <a16:creationId xmlns:a16="http://schemas.microsoft.com/office/drawing/2014/main" xmlns="" id="{FA31386C-C4D0-4EFC-A276-443457DE9BC7}"/>
                 </a:ext>
               </a:extLst>
             </p:cNvPr>
@@ -20484,7 +24313,7 @@
             <p:cNvPr id="46" name="Straight Connector 45">
               <a:extLst>
                 <a:ext uri="{FF2B5EF4-FFF2-40B4-BE49-F238E27FC236}">
-                  <a16:creationId xmlns="" xmlns:a16="http://schemas.microsoft.com/office/drawing/2014/main" id="{5EDD08E5-161D-44C4-8CC7-16C83B54B9FF}"/>
+                  <a16:creationId xmlns:a16="http://schemas.microsoft.com/office/drawing/2014/main" xmlns="" id="{5EDD08E5-161D-44C4-8CC7-16C83B54B9FF}"/>
                 </a:ext>
               </a:extLst>
             </p:cNvPr>
@@ -20532,7 +24361,7 @@
             <p:cNvPr id="47" name="Straight Connector 46">
               <a:extLst>
                 <a:ext uri="{FF2B5EF4-FFF2-40B4-BE49-F238E27FC236}">
-                  <a16:creationId xmlns="" xmlns:a16="http://schemas.microsoft.com/office/drawing/2014/main" id="{5BB52D6B-BBC9-4049-89CF-F4BE3BA82C6D}"/>
+                  <a16:creationId xmlns:a16="http://schemas.microsoft.com/office/drawing/2014/main" xmlns="" id="{5BB52D6B-BBC9-4049-89CF-F4BE3BA82C6D}"/>
                 </a:ext>
               </a:extLst>
             </p:cNvPr>
@@ -20580,7 +24409,7 @@
             <p:cNvPr id="48" name="Straight Connector 47">
               <a:extLst>
                 <a:ext uri="{FF2B5EF4-FFF2-40B4-BE49-F238E27FC236}">
-                  <a16:creationId xmlns="" xmlns:a16="http://schemas.microsoft.com/office/drawing/2014/main" id="{562766DD-0278-45E7-A418-B00CA9E0B0F0}"/>
+                  <a16:creationId xmlns:a16="http://schemas.microsoft.com/office/drawing/2014/main" xmlns="" id="{562766DD-0278-45E7-A418-B00CA9E0B0F0}"/>
                 </a:ext>
               </a:extLst>
             </p:cNvPr>
@@ -20628,7 +24457,7 @@
             <p:cNvPr id="49" name="Straight Connector 48">
               <a:extLst>
                 <a:ext uri="{FF2B5EF4-FFF2-40B4-BE49-F238E27FC236}">
-                  <a16:creationId xmlns="" xmlns:a16="http://schemas.microsoft.com/office/drawing/2014/main" id="{9A86ABA7-90CC-43B3-98A4-3A70F3E7CA90}"/>
+                  <a16:creationId xmlns:a16="http://schemas.microsoft.com/office/drawing/2014/main" xmlns="" id="{9A86ABA7-90CC-43B3-98A4-3A70F3E7CA90}"/>
                 </a:ext>
               </a:extLst>
             </p:cNvPr>
@@ -20676,7 +24505,7 @@
             <p:cNvPr id="50" name="Straight Connector 49">
               <a:extLst>
                 <a:ext uri="{FF2B5EF4-FFF2-40B4-BE49-F238E27FC236}">
-                  <a16:creationId xmlns="" xmlns:a16="http://schemas.microsoft.com/office/drawing/2014/main" id="{BBAE8F31-35EA-4950-B29E-54DD0424CBC0}"/>
+                  <a16:creationId xmlns:a16="http://schemas.microsoft.com/office/drawing/2014/main" xmlns="" id="{BBAE8F31-35EA-4950-B29E-54DD0424CBC0}"/>
                 </a:ext>
               </a:extLst>
             </p:cNvPr>
@@ -20724,7 +24553,7 @@
             <p:cNvPr id="51" name="Straight Connector 50">
               <a:extLst>
                 <a:ext uri="{FF2B5EF4-FFF2-40B4-BE49-F238E27FC236}">
-                  <a16:creationId xmlns="" xmlns:a16="http://schemas.microsoft.com/office/drawing/2014/main" id="{D14F2F86-5A3C-4FF9-9A2A-894802E84D80}"/>
+                  <a16:creationId xmlns:a16="http://schemas.microsoft.com/office/drawing/2014/main" xmlns="" id="{D14F2F86-5A3C-4FF9-9A2A-894802E84D80}"/>
                 </a:ext>
               </a:extLst>
             </p:cNvPr>
@@ -20772,7 +24601,7 @@
             <p:cNvPr id="52" name="Straight Connector 51">
               <a:extLst>
                 <a:ext uri="{FF2B5EF4-FFF2-40B4-BE49-F238E27FC236}">
-                  <a16:creationId xmlns="" xmlns:a16="http://schemas.microsoft.com/office/drawing/2014/main" id="{78069052-1C62-41CF-B742-38B248C22B05}"/>
+                  <a16:creationId xmlns:a16="http://schemas.microsoft.com/office/drawing/2014/main" xmlns="" id="{78069052-1C62-41CF-B742-38B248C22B05}"/>
                 </a:ext>
               </a:extLst>
             </p:cNvPr>
@@ -20820,7 +24649,7 @@
             <p:cNvPr id="53" name="Straight Connector 52">
               <a:extLst>
                 <a:ext uri="{FF2B5EF4-FFF2-40B4-BE49-F238E27FC236}">
-                  <a16:creationId xmlns="" xmlns:a16="http://schemas.microsoft.com/office/drawing/2014/main" id="{B6A779B7-6A8E-4BE6-AEBA-83918EB4AAE8}"/>
+                  <a16:creationId xmlns:a16="http://schemas.microsoft.com/office/drawing/2014/main" xmlns="" id="{B6A779B7-6A8E-4BE6-AEBA-83918EB4AAE8}"/>
                 </a:ext>
               </a:extLst>
             </p:cNvPr>
@@ -20867,7 +24696,7 @@
             <p:cNvPr id="54" name="Straight Connector 53">
               <a:extLst>
                 <a:ext uri="{FF2B5EF4-FFF2-40B4-BE49-F238E27FC236}">
-                  <a16:creationId xmlns="" xmlns:a16="http://schemas.microsoft.com/office/drawing/2014/main" id="{9FC02040-715C-43BA-A35A-208E1F2B8A2C}"/>
+                  <a16:creationId xmlns:a16="http://schemas.microsoft.com/office/drawing/2014/main" xmlns="" id="{9FC02040-715C-43BA-A35A-208E1F2B8A2C}"/>
                 </a:ext>
               </a:extLst>
             </p:cNvPr>
@@ -20915,7 +24744,7 @@
             <p:cNvPr id="55" name="Straight Connector 54">
               <a:extLst>
                 <a:ext uri="{FF2B5EF4-FFF2-40B4-BE49-F238E27FC236}">
-                  <a16:creationId xmlns="" xmlns:a16="http://schemas.microsoft.com/office/drawing/2014/main" id="{81CE08A8-26F3-4B85-A77B-EA864F861BA3}"/>
+                  <a16:creationId xmlns:a16="http://schemas.microsoft.com/office/drawing/2014/main" xmlns="" id="{81CE08A8-26F3-4B85-A77B-EA864F861BA3}"/>
                 </a:ext>
               </a:extLst>
             </p:cNvPr>
@@ -20963,7 +24792,7 @@
             <p:cNvPr id="56" name="Straight Connector 55">
               <a:extLst>
                 <a:ext uri="{FF2B5EF4-FFF2-40B4-BE49-F238E27FC236}">
-                  <a16:creationId xmlns="" xmlns:a16="http://schemas.microsoft.com/office/drawing/2014/main" id="{E49A2894-59FE-4627-B09B-11B416578DD5}"/>
+                  <a16:creationId xmlns:a16="http://schemas.microsoft.com/office/drawing/2014/main" xmlns="" id="{E49A2894-59FE-4627-B09B-11B416578DD5}"/>
                 </a:ext>
               </a:extLst>
             </p:cNvPr>
@@ -21011,7 +24840,7 @@
             <p:cNvPr id="57" name="Straight Connector 56">
               <a:extLst>
                 <a:ext uri="{FF2B5EF4-FFF2-40B4-BE49-F238E27FC236}">
-                  <a16:creationId xmlns="" xmlns:a16="http://schemas.microsoft.com/office/drawing/2014/main" id="{5C461EA5-AABA-4AFD-A86B-586B4C950946}"/>
+                  <a16:creationId xmlns:a16="http://schemas.microsoft.com/office/drawing/2014/main" xmlns="" id="{5C461EA5-AABA-4AFD-A86B-586B4C950946}"/>
                 </a:ext>
               </a:extLst>
             </p:cNvPr>
@@ -21059,7 +24888,7 @@
             <p:cNvPr id="58" name="Straight Connector 57">
               <a:extLst>
                 <a:ext uri="{FF2B5EF4-FFF2-40B4-BE49-F238E27FC236}">
-                  <a16:creationId xmlns="" xmlns:a16="http://schemas.microsoft.com/office/drawing/2014/main" id="{07018BEF-3309-4641-BC3C-0B00F6442855}"/>
+                  <a16:creationId xmlns:a16="http://schemas.microsoft.com/office/drawing/2014/main" xmlns="" id="{07018BEF-3309-4641-BC3C-0B00F6442855}"/>
                 </a:ext>
               </a:extLst>
             </p:cNvPr>
@@ -21107,7 +24936,7 @@
             <p:cNvPr id="59" name="Straight Connector 58">
               <a:extLst>
                 <a:ext uri="{FF2B5EF4-FFF2-40B4-BE49-F238E27FC236}">
-                  <a16:creationId xmlns="" xmlns:a16="http://schemas.microsoft.com/office/drawing/2014/main" id="{87694E94-CDB6-42E5-9499-FE75FA476E90}"/>
+                  <a16:creationId xmlns:a16="http://schemas.microsoft.com/office/drawing/2014/main" xmlns="" id="{87694E94-CDB6-42E5-9499-FE75FA476E90}"/>
                 </a:ext>
               </a:extLst>
             </p:cNvPr>
@@ -21155,7 +24984,7 @@
             <p:cNvPr id="60" name="Straight Connector 59">
               <a:extLst>
                 <a:ext uri="{FF2B5EF4-FFF2-40B4-BE49-F238E27FC236}">
-                  <a16:creationId xmlns="" xmlns:a16="http://schemas.microsoft.com/office/drawing/2014/main" id="{9A24D912-578C-4BD9-BD77-68A17AC92C3E}"/>
+                  <a16:creationId xmlns:a16="http://schemas.microsoft.com/office/drawing/2014/main" xmlns="" id="{9A24D912-578C-4BD9-BD77-68A17AC92C3E}"/>
                 </a:ext>
               </a:extLst>
             </p:cNvPr>
@@ -21203,7 +25032,7 @@
             <p:cNvPr id="61" name="Straight Connector 60">
               <a:extLst>
                 <a:ext uri="{FF2B5EF4-FFF2-40B4-BE49-F238E27FC236}">
-                  <a16:creationId xmlns="" xmlns:a16="http://schemas.microsoft.com/office/drawing/2014/main" id="{F9B2DC65-AD4F-42B3-A1B3-E9C6AC8A7EB0}"/>
+                  <a16:creationId xmlns:a16="http://schemas.microsoft.com/office/drawing/2014/main" xmlns="" id="{F9B2DC65-AD4F-42B3-A1B3-E9C6AC8A7EB0}"/>
                 </a:ext>
               </a:extLst>
             </p:cNvPr>
@@ -21251,7 +25080,7 @@
             <p:cNvPr id="62" name="Straight Connector 61">
               <a:extLst>
                 <a:ext uri="{FF2B5EF4-FFF2-40B4-BE49-F238E27FC236}">
-                  <a16:creationId xmlns="" xmlns:a16="http://schemas.microsoft.com/office/drawing/2014/main" id="{F77A3B55-7C38-4976-AAE3-1E728660165E}"/>
+                  <a16:creationId xmlns:a16="http://schemas.microsoft.com/office/drawing/2014/main" xmlns="" id="{F77A3B55-7C38-4976-AAE3-1E728660165E}"/>
                 </a:ext>
               </a:extLst>
             </p:cNvPr>
@@ -21299,7 +25128,7 @@
             <p:cNvPr id="63" name="Straight Connector 62">
               <a:extLst>
                 <a:ext uri="{FF2B5EF4-FFF2-40B4-BE49-F238E27FC236}">
-                  <a16:creationId xmlns="" xmlns:a16="http://schemas.microsoft.com/office/drawing/2014/main" id="{98143AC7-756F-476F-B343-8DE46FBFC98A}"/>
+                  <a16:creationId xmlns:a16="http://schemas.microsoft.com/office/drawing/2014/main" xmlns="" id="{98143AC7-756F-476F-B343-8DE46FBFC98A}"/>
                 </a:ext>
               </a:extLst>
             </p:cNvPr>
@@ -21347,7 +25176,7 @@
             <p:cNvPr id="64" name="Straight Connector 63">
               <a:extLst>
                 <a:ext uri="{FF2B5EF4-FFF2-40B4-BE49-F238E27FC236}">
-                  <a16:creationId xmlns="" xmlns:a16="http://schemas.microsoft.com/office/drawing/2014/main" id="{A1F9E6FC-94A3-496B-AB95-5F81DDDE8FAA}"/>
+                  <a16:creationId xmlns:a16="http://schemas.microsoft.com/office/drawing/2014/main" xmlns="" id="{A1F9E6FC-94A3-496B-AB95-5F81DDDE8FAA}"/>
                 </a:ext>
               </a:extLst>
             </p:cNvPr>
@@ -21395,7 +25224,7 @@
             <p:cNvPr id="65" name="Straight Connector 64">
               <a:extLst>
                 <a:ext uri="{FF2B5EF4-FFF2-40B4-BE49-F238E27FC236}">
-                  <a16:creationId xmlns="" xmlns:a16="http://schemas.microsoft.com/office/drawing/2014/main" id="{70735CA9-DD50-422B-85CE-0C086FC9CC30}"/>
+                  <a16:creationId xmlns:a16="http://schemas.microsoft.com/office/drawing/2014/main" xmlns="" id="{70735CA9-DD50-422B-85CE-0C086FC9CC30}"/>
                 </a:ext>
               </a:extLst>
             </p:cNvPr>
@@ -21442,7 +25271,7 @@
             <p:cNvPr id="66" name="Oval 65">
               <a:extLst>
                 <a:ext uri="{FF2B5EF4-FFF2-40B4-BE49-F238E27FC236}">
-                  <a16:creationId xmlns="" xmlns:a16="http://schemas.microsoft.com/office/drawing/2014/main" id="{C85D7DB4-53E1-47E9-9324-650B2BB0C880}"/>
+                  <a16:creationId xmlns:a16="http://schemas.microsoft.com/office/drawing/2014/main" xmlns="" id="{C85D7DB4-53E1-47E9-9324-650B2BB0C880}"/>
                 </a:ext>
               </a:extLst>
             </p:cNvPr>
@@ -21496,7 +25325,7 @@
             <p:cNvPr id="67" name="Oval 66">
               <a:extLst>
                 <a:ext uri="{FF2B5EF4-FFF2-40B4-BE49-F238E27FC236}">
-                  <a16:creationId xmlns="" xmlns:a16="http://schemas.microsoft.com/office/drawing/2014/main" id="{709E2C89-EF9A-4227-98A5-54E426329A83}"/>
+                  <a16:creationId xmlns:a16="http://schemas.microsoft.com/office/drawing/2014/main" xmlns="" id="{709E2C89-EF9A-4227-98A5-54E426329A83}"/>
                 </a:ext>
               </a:extLst>
             </p:cNvPr>
@@ -21550,7 +25379,7 @@
             <p:cNvPr id="68" name="Oval 67">
               <a:extLst>
                 <a:ext uri="{FF2B5EF4-FFF2-40B4-BE49-F238E27FC236}">
-                  <a16:creationId xmlns="" xmlns:a16="http://schemas.microsoft.com/office/drawing/2014/main" id="{03C40CCB-1D64-419D-BA2D-E718BD22A87E}"/>
+                  <a16:creationId xmlns:a16="http://schemas.microsoft.com/office/drawing/2014/main" xmlns="" id="{03C40CCB-1D64-419D-BA2D-E718BD22A87E}"/>
                 </a:ext>
               </a:extLst>
             </p:cNvPr>
@@ -21604,7 +25433,7 @@
             <p:cNvPr id="69" name="Oval 68">
               <a:extLst>
                 <a:ext uri="{FF2B5EF4-FFF2-40B4-BE49-F238E27FC236}">
-                  <a16:creationId xmlns="" xmlns:a16="http://schemas.microsoft.com/office/drawing/2014/main" id="{088C3687-EB51-43A0-A744-36177DDFF445}"/>
+                  <a16:creationId xmlns:a16="http://schemas.microsoft.com/office/drawing/2014/main" xmlns="" id="{088C3687-EB51-43A0-A744-36177DDFF445}"/>
                 </a:ext>
               </a:extLst>
             </p:cNvPr>
@@ -21660,7 +25489,7 @@
             <p:cNvPr id="70" name="Oval 69">
               <a:extLst>
                 <a:ext uri="{FF2B5EF4-FFF2-40B4-BE49-F238E27FC236}">
-                  <a16:creationId xmlns="" xmlns:a16="http://schemas.microsoft.com/office/drawing/2014/main" id="{F04BA939-B0DD-4F21-B346-D46861FC32C1}"/>
+                  <a16:creationId xmlns:a16="http://schemas.microsoft.com/office/drawing/2014/main" xmlns="" id="{F04BA939-B0DD-4F21-B346-D46861FC32C1}"/>
                 </a:ext>
               </a:extLst>
             </p:cNvPr>
@@ -21716,7 +25545,7 @@
             <p:cNvPr id="71" name="Oval 70">
               <a:extLst>
                 <a:ext uri="{FF2B5EF4-FFF2-40B4-BE49-F238E27FC236}">
-                  <a16:creationId xmlns="" xmlns:a16="http://schemas.microsoft.com/office/drawing/2014/main" id="{FFA3DB31-8773-49EC-B2C8-EDD982D86D5A}"/>
+                  <a16:creationId xmlns:a16="http://schemas.microsoft.com/office/drawing/2014/main" xmlns="" id="{FFA3DB31-8773-49EC-B2C8-EDD982D86D5A}"/>
                 </a:ext>
               </a:extLst>
             </p:cNvPr>
@@ -21770,7 +25599,7 @@
             <p:cNvPr id="72" name="Oval 71">
               <a:extLst>
                 <a:ext uri="{FF2B5EF4-FFF2-40B4-BE49-F238E27FC236}">
-                  <a16:creationId xmlns="" xmlns:a16="http://schemas.microsoft.com/office/drawing/2014/main" id="{7860734D-F81E-491D-A36C-7B75D5983484}"/>
+                  <a16:creationId xmlns:a16="http://schemas.microsoft.com/office/drawing/2014/main" xmlns="" id="{7860734D-F81E-491D-A36C-7B75D5983484}"/>
                 </a:ext>
               </a:extLst>
             </p:cNvPr>
@@ -21826,7 +25655,7 @@
             <p:cNvPr id="73" name="Oval 72">
               <a:extLst>
                 <a:ext uri="{FF2B5EF4-FFF2-40B4-BE49-F238E27FC236}">
-                  <a16:creationId xmlns="" xmlns:a16="http://schemas.microsoft.com/office/drawing/2014/main" id="{81219A5C-7EDF-485B-A662-3011F28830F9}"/>
+                  <a16:creationId xmlns:a16="http://schemas.microsoft.com/office/drawing/2014/main" xmlns="" id="{81219A5C-7EDF-485B-A662-3011F28830F9}"/>
                 </a:ext>
               </a:extLst>
             </p:cNvPr>
@@ -21880,7 +25709,7 @@
             <p:cNvPr id="74" name="Oval 73">
               <a:extLst>
                 <a:ext uri="{FF2B5EF4-FFF2-40B4-BE49-F238E27FC236}">
-                  <a16:creationId xmlns="" xmlns:a16="http://schemas.microsoft.com/office/drawing/2014/main" id="{20D2140B-3417-4B56-89A8-6F81ED0FFBD2}"/>
+                  <a16:creationId xmlns:a16="http://schemas.microsoft.com/office/drawing/2014/main" xmlns="" id="{20D2140B-3417-4B56-89A8-6F81ED0FFBD2}"/>
                 </a:ext>
               </a:extLst>
             </p:cNvPr>
@@ -21934,7 +25763,7 @@
             <p:cNvPr id="75" name="Oval 74">
               <a:extLst>
                 <a:ext uri="{FF2B5EF4-FFF2-40B4-BE49-F238E27FC236}">
-                  <a16:creationId xmlns="" xmlns:a16="http://schemas.microsoft.com/office/drawing/2014/main" id="{9AB29AED-F835-48E8-A9C2-F223B3B8FDE6}"/>
+                  <a16:creationId xmlns:a16="http://schemas.microsoft.com/office/drawing/2014/main" xmlns="" id="{9AB29AED-F835-48E8-A9C2-F223B3B8FDE6}"/>
                 </a:ext>
               </a:extLst>
             </p:cNvPr>
@@ -21990,7 +25819,7 @@
             <p:cNvPr id="76" name="Oval 75">
               <a:extLst>
                 <a:ext uri="{FF2B5EF4-FFF2-40B4-BE49-F238E27FC236}">
-                  <a16:creationId xmlns="" xmlns:a16="http://schemas.microsoft.com/office/drawing/2014/main" id="{AF33854B-D1D4-4F8A-BACF-2031148326B5}"/>
+                  <a16:creationId xmlns:a16="http://schemas.microsoft.com/office/drawing/2014/main" xmlns="" id="{AF33854B-D1D4-4F8A-BACF-2031148326B5}"/>
                 </a:ext>
               </a:extLst>
             </p:cNvPr>
@@ -22044,7 +25873,7 @@
             <p:cNvPr id="77" name="Oval 76">
               <a:extLst>
                 <a:ext uri="{FF2B5EF4-FFF2-40B4-BE49-F238E27FC236}">
-                  <a16:creationId xmlns="" xmlns:a16="http://schemas.microsoft.com/office/drawing/2014/main" id="{32592367-450E-4D51-8BA9-F86A1A3CEC56}"/>
+                  <a16:creationId xmlns:a16="http://schemas.microsoft.com/office/drawing/2014/main" xmlns="" id="{32592367-450E-4D51-8BA9-F86A1A3CEC56}"/>
                 </a:ext>
               </a:extLst>
             </p:cNvPr>
@@ -22098,7 +25927,7 @@
             <p:cNvPr id="78" name="Oval 77">
               <a:extLst>
                 <a:ext uri="{FF2B5EF4-FFF2-40B4-BE49-F238E27FC236}">
-                  <a16:creationId xmlns="" xmlns:a16="http://schemas.microsoft.com/office/drawing/2014/main" id="{E36B3983-C1EA-451B-BB22-41EAA60C49C2}"/>
+                  <a16:creationId xmlns:a16="http://schemas.microsoft.com/office/drawing/2014/main" xmlns="" id="{E36B3983-C1EA-451B-BB22-41EAA60C49C2}"/>
                 </a:ext>
               </a:extLst>
             </p:cNvPr>
@@ -22154,7 +25983,7 @@
             <p:cNvPr id="79" name="Oval 78">
               <a:extLst>
                 <a:ext uri="{FF2B5EF4-FFF2-40B4-BE49-F238E27FC236}">
-                  <a16:creationId xmlns="" xmlns:a16="http://schemas.microsoft.com/office/drawing/2014/main" id="{9E1CB12A-0AE3-4281-95AC-3B8FA027C130}"/>
+                  <a16:creationId xmlns:a16="http://schemas.microsoft.com/office/drawing/2014/main" xmlns="" id="{9E1CB12A-0AE3-4281-95AC-3B8FA027C130}"/>
                 </a:ext>
               </a:extLst>
             </p:cNvPr>
@@ -22208,7 +26037,7 @@
             <p:cNvPr id="80" name="Oval 79">
               <a:extLst>
                 <a:ext uri="{FF2B5EF4-FFF2-40B4-BE49-F238E27FC236}">
-                  <a16:creationId xmlns="" xmlns:a16="http://schemas.microsoft.com/office/drawing/2014/main" id="{E9045CD3-09B2-4E9E-86B4-3BB4DDDBB852}"/>
+                  <a16:creationId xmlns:a16="http://schemas.microsoft.com/office/drawing/2014/main" xmlns="" id="{E9045CD3-09B2-4E9E-86B4-3BB4DDDBB852}"/>
                 </a:ext>
               </a:extLst>
             </p:cNvPr>
@@ -22262,7 +26091,7 @@
             <p:cNvPr id="81" name="Oval 80">
               <a:extLst>
                 <a:ext uri="{FF2B5EF4-FFF2-40B4-BE49-F238E27FC236}">
-                  <a16:creationId xmlns="" xmlns:a16="http://schemas.microsoft.com/office/drawing/2014/main" id="{BF841AED-9DB7-43A1-85AF-A19C1B7BD64B}"/>
+                  <a16:creationId xmlns:a16="http://schemas.microsoft.com/office/drawing/2014/main" xmlns="" id="{BF841AED-9DB7-43A1-85AF-A19C1B7BD64B}"/>
                 </a:ext>
               </a:extLst>
             </p:cNvPr>
@@ -22316,7 +26145,7 @@
             <p:cNvPr id="82" name="Oval 81">
               <a:extLst>
                 <a:ext uri="{FF2B5EF4-FFF2-40B4-BE49-F238E27FC236}">
-                  <a16:creationId xmlns="" xmlns:a16="http://schemas.microsoft.com/office/drawing/2014/main" id="{F2A0DD65-4FF5-4C15-9BC2-2946F57370DC}"/>
+                  <a16:creationId xmlns:a16="http://schemas.microsoft.com/office/drawing/2014/main" xmlns="" id="{F2A0DD65-4FF5-4C15-9BC2-2946F57370DC}"/>
                 </a:ext>
               </a:extLst>
             </p:cNvPr>
@@ -22372,7 +26201,7 @@
             <p:cNvPr id="83" name="Oval 82">
               <a:extLst>
                 <a:ext uri="{FF2B5EF4-FFF2-40B4-BE49-F238E27FC236}">
-                  <a16:creationId xmlns="" xmlns:a16="http://schemas.microsoft.com/office/drawing/2014/main" id="{58BC5438-5B97-4E01-BBD0-3D932CC60CEA}"/>
+                  <a16:creationId xmlns:a16="http://schemas.microsoft.com/office/drawing/2014/main" xmlns="" id="{58BC5438-5B97-4E01-BBD0-3D932CC60CEA}"/>
                 </a:ext>
               </a:extLst>
             </p:cNvPr>
@@ -22428,7 +26257,7 @@
             <p:cNvPr id="84" name="Oval 83">
               <a:extLst>
                 <a:ext uri="{FF2B5EF4-FFF2-40B4-BE49-F238E27FC236}">
-                  <a16:creationId xmlns="" xmlns:a16="http://schemas.microsoft.com/office/drawing/2014/main" id="{0F50743A-08C6-492E-BFEB-68FEC2B6A5A5}"/>
+                  <a16:creationId xmlns:a16="http://schemas.microsoft.com/office/drawing/2014/main" xmlns="" id="{0F50743A-08C6-492E-BFEB-68FEC2B6A5A5}"/>
                 </a:ext>
               </a:extLst>
             </p:cNvPr>
@@ -22484,7 +26313,7 @@
             <p:cNvPr id="85" name="Oval 84">
               <a:extLst>
                 <a:ext uri="{FF2B5EF4-FFF2-40B4-BE49-F238E27FC236}">
-                  <a16:creationId xmlns="" xmlns:a16="http://schemas.microsoft.com/office/drawing/2014/main" id="{ED087C55-710F-4512-BDE0-982018584995}"/>
+                  <a16:creationId xmlns:a16="http://schemas.microsoft.com/office/drawing/2014/main" xmlns="" id="{ED087C55-710F-4512-BDE0-982018584995}"/>
                 </a:ext>
               </a:extLst>
             </p:cNvPr>
@@ -22540,7 +26369,7 @@
             <p:cNvPr id="86" name="Straight Connector 85">
               <a:extLst>
                 <a:ext uri="{FF2B5EF4-FFF2-40B4-BE49-F238E27FC236}">
-                  <a16:creationId xmlns="" xmlns:a16="http://schemas.microsoft.com/office/drawing/2014/main" id="{CC9C201F-48E4-4BE4-BE7D-7B78E27E2641}"/>
+                  <a16:creationId xmlns:a16="http://schemas.microsoft.com/office/drawing/2014/main" xmlns="" id="{CC9C201F-48E4-4BE4-BE7D-7B78E27E2641}"/>
                 </a:ext>
               </a:extLst>
             </p:cNvPr>
@@ -22588,7 +26417,7 @@
             <p:cNvPr id="87" name="Straight Connector 86">
               <a:extLst>
                 <a:ext uri="{FF2B5EF4-FFF2-40B4-BE49-F238E27FC236}">
-                  <a16:creationId xmlns="" xmlns:a16="http://schemas.microsoft.com/office/drawing/2014/main" id="{FA215683-3F41-4989-A91B-86482CAF52C9}"/>
+                  <a16:creationId xmlns:a16="http://schemas.microsoft.com/office/drawing/2014/main" xmlns="" id="{FA215683-3F41-4989-A91B-86482CAF52C9}"/>
                 </a:ext>
               </a:extLst>
             </p:cNvPr>
@@ -22636,7 +26465,7 @@
             <p:cNvPr id="88" name="Oval 87">
               <a:extLst>
                 <a:ext uri="{FF2B5EF4-FFF2-40B4-BE49-F238E27FC236}">
-                  <a16:creationId xmlns="" xmlns:a16="http://schemas.microsoft.com/office/drawing/2014/main" id="{9A20A5AC-7B72-46B4-9A02-5A59E89A4579}"/>
+                  <a16:creationId xmlns:a16="http://schemas.microsoft.com/office/drawing/2014/main" xmlns="" id="{9A20A5AC-7B72-46B4-9A02-5A59E89A4579}"/>
                 </a:ext>
               </a:extLst>
             </p:cNvPr>
@@ -22692,7 +26521,7 @@
             <p:cNvPr id="89" name="Straight Connector 88">
               <a:extLst>
                 <a:ext uri="{FF2B5EF4-FFF2-40B4-BE49-F238E27FC236}">
-                  <a16:creationId xmlns="" xmlns:a16="http://schemas.microsoft.com/office/drawing/2014/main" id="{5AC034E5-3045-4C72-A245-51A7D7606B36}"/>
+                  <a16:creationId xmlns:a16="http://schemas.microsoft.com/office/drawing/2014/main" xmlns="" id="{5AC034E5-3045-4C72-A245-51A7D7606B36}"/>
                 </a:ext>
               </a:extLst>
             </p:cNvPr>
@@ -22739,7 +26568,7 @@
             <p:cNvPr id="90" name="Straight Connector 89">
               <a:extLst>
                 <a:ext uri="{FF2B5EF4-FFF2-40B4-BE49-F238E27FC236}">
-                  <a16:creationId xmlns="" xmlns:a16="http://schemas.microsoft.com/office/drawing/2014/main" id="{2B4D5B8C-FCAE-4D66-A6B3-791D4787E79E}"/>
+                  <a16:creationId xmlns:a16="http://schemas.microsoft.com/office/drawing/2014/main" xmlns="" id="{2B4D5B8C-FCAE-4D66-A6B3-791D4787E79E}"/>
                 </a:ext>
               </a:extLst>
             </p:cNvPr>
@@ -22786,7 +26615,7 @@
             <p:cNvPr id="91" name="Straight Connector 90">
               <a:extLst>
                 <a:ext uri="{FF2B5EF4-FFF2-40B4-BE49-F238E27FC236}">
-                  <a16:creationId xmlns="" xmlns:a16="http://schemas.microsoft.com/office/drawing/2014/main" id="{EA1782CB-DF33-44B9-BED1-41E48F248A50}"/>
+                  <a16:creationId xmlns:a16="http://schemas.microsoft.com/office/drawing/2014/main" xmlns="" id="{EA1782CB-DF33-44B9-BED1-41E48F248A50}"/>
                 </a:ext>
               </a:extLst>
             </p:cNvPr>
@@ -22833,7 +26662,7 @@
             <p:cNvPr id="92" name="Straight Connector 91">
               <a:extLst>
                 <a:ext uri="{FF2B5EF4-FFF2-40B4-BE49-F238E27FC236}">
-                  <a16:creationId xmlns="" xmlns:a16="http://schemas.microsoft.com/office/drawing/2014/main" id="{537FBA88-9688-45F0-B04D-222EDBF843CF}"/>
+                  <a16:creationId xmlns:a16="http://schemas.microsoft.com/office/drawing/2014/main" xmlns="" id="{537FBA88-9688-45F0-B04D-222EDBF843CF}"/>
                 </a:ext>
               </a:extLst>
             </p:cNvPr>
@@ -22880,7 +26709,7 @@
             <p:cNvPr id="93" name="Chord 92">
               <a:extLst>
                 <a:ext uri="{FF2B5EF4-FFF2-40B4-BE49-F238E27FC236}">
-                  <a16:creationId xmlns="" xmlns:a16="http://schemas.microsoft.com/office/drawing/2014/main" id="{8F50A8FD-DA90-487E-A4B2-9EF9C90693E8}"/>
+                  <a16:creationId xmlns:a16="http://schemas.microsoft.com/office/drawing/2014/main" xmlns="" id="{8F50A8FD-DA90-487E-A4B2-9EF9C90693E8}"/>
                 </a:ext>
               </a:extLst>
             </p:cNvPr>
@@ -22939,7 +26768,7 @@
             <p:cNvPr id="94" name="Chord 93">
               <a:extLst>
                 <a:ext uri="{FF2B5EF4-FFF2-40B4-BE49-F238E27FC236}">
-                  <a16:creationId xmlns="" xmlns:a16="http://schemas.microsoft.com/office/drawing/2014/main" id="{8A478409-4933-4289-8478-209580633B34}"/>
+                  <a16:creationId xmlns:a16="http://schemas.microsoft.com/office/drawing/2014/main" xmlns="" id="{8A478409-4933-4289-8478-209580633B34}"/>
                 </a:ext>
               </a:extLst>
             </p:cNvPr>
@@ -22998,7 +26827,7 @@
             <p:cNvPr id="95" name="Straight Connector 94">
               <a:extLst>
                 <a:ext uri="{FF2B5EF4-FFF2-40B4-BE49-F238E27FC236}">
-                  <a16:creationId xmlns="" xmlns:a16="http://schemas.microsoft.com/office/drawing/2014/main" id="{F32554CF-827E-44A7-BED4-3A73C3692EEB}"/>
+                  <a16:creationId xmlns:a16="http://schemas.microsoft.com/office/drawing/2014/main" xmlns="" id="{F32554CF-827E-44A7-BED4-3A73C3692EEB}"/>
                 </a:ext>
               </a:extLst>
             </p:cNvPr>
@@ -23046,7 +26875,7 @@
             <p:cNvPr id="96" name="Straight Connector 95">
               <a:extLst>
                 <a:ext uri="{FF2B5EF4-FFF2-40B4-BE49-F238E27FC236}">
-                  <a16:creationId xmlns="" xmlns:a16="http://schemas.microsoft.com/office/drawing/2014/main" id="{6981A961-FB45-43D9-AC17-3BFF0259559E}"/>
+                  <a16:creationId xmlns:a16="http://schemas.microsoft.com/office/drawing/2014/main" xmlns="" id="{6981A961-FB45-43D9-AC17-3BFF0259559E}"/>
                 </a:ext>
               </a:extLst>
             </p:cNvPr>
@@ -23093,7 +26922,7 @@
             <p:cNvPr id="97" name="Straight Connector 96">
               <a:extLst>
                 <a:ext uri="{FF2B5EF4-FFF2-40B4-BE49-F238E27FC236}">
-                  <a16:creationId xmlns="" xmlns:a16="http://schemas.microsoft.com/office/drawing/2014/main" id="{79959F54-9DCF-4339-8E7B-865CEC1E414D}"/>
+                  <a16:creationId xmlns:a16="http://schemas.microsoft.com/office/drawing/2014/main" xmlns="" id="{79959F54-9DCF-4339-8E7B-865CEC1E414D}"/>
                 </a:ext>
               </a:extLst>
             </p:cNvPr>
@@ -23140,7 +26969,7 @@
             <p:cNvPr id="98" name="Straight Connector 97">
               <a:extLst>
                 <a:ext uri="{FF2B5EF4-FFF2-40B4-BE49-F238E27FC236}">
-                  <a16:creationId xmlns="" xmlns:a16="http://schemas.microsoft.com/office/drawing/2014/main" id="{4DC7BEE1-C67E-4F94-8D82-4F10366BB570}"/>
+                  <a16:creationId xmlns:a16="http://schemas.microsoft.com/office/drawing/2014/main" xmlns="" id="{4DC7BEE1-C67E-4F94-8D82-4F10366BB570}"/>
                 </a:ext>
               </a:extLst>
             </p:cNvPr>
@@ -23188,7 +27017,7 @@
             <p:cNvPr id="99" name="Straight Connector 98">
               <a:extLst>
                 <a:ext uri="{FF2B5EF4-FFF2-40B4-BE49-F238E27FC236}">
-                  <a16:creationId xmlns="" xmlns:a16="http://schemas.microsoft.com/office/drawing/2014/main" id="{646DB28D-DB75-40C7-A319-98F6F3CEDB47}"/>
+                  <a16:creationId xmlns:a16="http://schemas.microsoft.com/office/drawing/2014/main" xmlns="" id="{646DB28D-DB75-40C7-A319-98F6F3CEDB47}"/>
                 </a:ext>
               </a:extLst>
             </p:cNvPr>
@@ -23236,7 +27065,7 @@
             <p:cNvPr id="100" name="Straight Connector 99">
               <a:extLst>
                 <a:ext uri="{FF2B5EF4-FFF2-40B4-BE49-F238E27FC236}">
-                  <a16:creationId xmlns="" xmlns:a16="http://schemas.microsoft.com/office/drawing/2014/main" id="{999718EA-2547-47A1-8E3B-EAE8E1BFFC55}"/>
+                  <a16:creationId xmlns:a16="http://schemas.microsoft.com/office/drawing/2014/main" xmlns="" id="{999718EA-2547-47A1-8E3B-EAE8E1BFFC55}"/>
                 </a:ext>
               </a:extLst>
             </p:cNvPr>
@@ -23284,7 +27113,7 @@
             <p:cNvPr id="101" name="Straight Connector 100">
               <a:extLst>
                 <a:ext uri="{FF2B5EF4-FFF2-40B4-BE49-F238E27FC236}">
-                  <a16:creationId xmlns="" xmlns:a16="http://schemas.microsoft.com/office/drawing/2014/main" id="{6FFD2241-A284-449E-9453-D2FB90D201FF}"/>
+                  <a16:creationId xmlns:a16="http://schemas.microsoft.com/office/drawing/2014/main" xmlns="" id="{6FFD2241-A284-449E-9453-D2FB90D201FF}"/>
                 </a:ext>
               </a:extLst>
             </p:cNvPr>
@@ -23331,7 +27160,7 @@
             <p:cNvPr id="102" name="Straight Connector 101">
               <a:extLst>
                 <a:ext uri="{FF2B5EF4-FFF2-40B4-BE49-F238E27FC236}">
-                  <a16:creationId xmlns="" xmlns:a16="http://schemas.microsoft.com/office/drawing/2014/main" id="{7EB8ED5C-95A0-4123-A833-9086F3E289D2}"/>
+                  <a16:creationId xmlns:a16="http://schemas.microsoft.com/office/drawing/2014/main" xmlns="" id="{7EB8ED5C-95A0-4123-A833-9086F3E289D2}"/>
                 </a:ext>
               </a:extLst>
             </p:cNvPr>
@@ -23379,7 +27208,7 @@
             <p:cNvPr id="103" name="Straight Connector 102">
               <a:extLst>
                 <a:ext uri="{FF2B5EF4-FFF2-40B4-BE49-F238E27FC236}">
-                  <a16:creationId xmlns="" xmlns:a16="http://schemas.microsoft.com/office/drawing/2014/main" id="{E3E50F5B-905F-4F19-BC69-3DCB2B371F51}"/>
+                  <a16:creationId xmlns:a16="http://schemas.microsoft.com/office/drawing/2014/main" xmlns="" id="{E3E50F5B-905F-4F19-BC69-3DCB2B371F51}"/>
                 </a:ext>
               </a:extLst>
             </p:cNvPr>
@@ -23427,7 +27256,7 @@
             <p:cNvPr id="104" name="Straight Connector 103">
               <a:extLst>
                 <a:ext uri="{FF2B5EF4-FFF2-40B4-BE49-F238E27FC236}">
-                  <a16:creationId xmlns="" xmlns:a16="http://schemas.microsoft.com/office/drawing/2014/main" id="{CBC9AB95-C9BE-4BA5-B255-CC96D46EFD82}"/>
+                  <a16:creationId xmlns:a16="http://schemas.microsoft.com/office/drawing/2014/main" xmlns="" id="{CBC9AB95-C9BE-4BA5-B255-CC96D46EFD82}"/>
                 </a:ext>
               </a:extLst>
             </p:cNvPr>
@@ -23475,7 +27304,7 @@
             <p:cNvPr id="105" name="Straight Connector 104">
               <a:extLst>
                 <a:ext uri="{FF2B5EF4-FFF2-40B4-BE49-F238E27FC236}">
-                  <a16:creationId xmlns="" xmlns:a16="http://schemas.microsoft.com/office/drawing/2014/main" id="{1119CD90-6434-4BAC-92DF-40CC638D290E}"/>
+                  <a16:creationId xmlns:a16="http://schemas.microsoft.com/office/drawing/2014/main" xmlns="" id="{1119CD90-6434-4BAC-92DF-40CC638D290E}"/>
                 </a:ext>
               </a:extLst>
             </p:cNvPr>
@@ -23523,7 +27352,7 @@
             <p:cNvPr id="106" name="Straight Connector 105">
               <a:extLst>
                 <a:ext uri="{FF2B5EF4-FFF2-40B4-BE49-F238E27FC236}">
-                  <a16:creationId xmlns="" xmlns:a16="http://schemas.microsoft.com/office/drawing/2014/main" id="{E96FFE7C-23EA-4CB4-B29E-3873AE2CB4EE}"/>
+                  <a16:creationId xmlns:a16="http://schemas.microsoft.com/office/drawing/2014/main" xmlns="" id="{E96FFE7C-23EA-4CB4-B29E-3873AE2CB4EE}"/>
                 </a:ext>
               </a:extLst>
             </p:cNvPr>
@@ -23571,7 +27400,7 @@
             <p:cNvPr id="107" name="Straight Connector 106">
               <a:extLst>
                 <a:ext uri="{FF2B5EF4-FFF2-40B4-BE49-F238E27FC236}">
-                  <a16:creationId xmlns="" xmlns:a16="http://schemas.microsoft.com/office/drawing/2014/main" id="{51E1FC14-5B30-4C97-81DC-E37AC9430126}"/>
+                  <a16:creationId xmlns:a16="http://schemas.microsoft.com/office/drawing/2014/main" xmlns="" id="{51E1FC14-5B30-4C97-81DC-E37AC9430126}"/>
                 </a:ext>
               </a:extLst>
             </p:cNvPr>
@@ -23619,7 +27448,7 @@
             <p:cNvPr id="108" name="Straight Connector 107">
               <a:extLst>
                 <a:ext uri="{FF2B5EF4-FFF2-40B4-BE49-F238E27FC236}">
-                  <a16:creationId xmlns="" xmlns:a16="http://schemas.microsoft.com/office/drawing/2014/main" id="{000D45EF-2ABB-4374-AC35-E7E66C802956}"/>
+                  <a16:creationId xmlns:a16="http://schemas.microsoft.com/office/drawing/2014/main" xmlns="" id="{000D45EF-2ABB-4374-AC35-E7E66C802956}"/>
                 </a:ext>
               </a:extLst>
             </p:cNvPr>
@@ -23667,7 +27496,7 @@
             <p:cNvPr id="109" name="Straight Connector 108">
               <a:extLst>
                 <a:ext uri="{FF2B5EF4-FFF2-40B4-BE49-F238E27FC236}">
-                  <a16:creationId xmlns="" xmlns:a16="http://schemas.microsoft.com/office/drawing/2014/main" id="{EB848D5E-4B86-4365-BE40-C1E9C605BEA8}"/>
+                  <a16:creationId xmlns:a16="http://schemas.microsoft.com/office/drawing/2014/main" xmlns="" id="{EB848D5E-4B86-4365-BE40-C1E9C605BEA8}"/>
                 </a:ext>
               </a:extLst>
             </p:cNvPr>
@@ -23715,7 +27544,7 @@
             <p:cNvPr id="110" name="Straight Connector 109">
               <a:extLst>
                 <a:ext uri="{FF2B5EF4-FFF2-40B4-BE49-F238E27FC236}">
-                  <a16:creationId xmlns="" xmlns:a16="http://schemas.microsoft.com/office/drawing/2014/main" id="{5CC3D79E-2A0F-4132-B214-2BFC8EBEA6A4}"/>
+                  <a16:creationId xmlns:a16="http://schemas.microsoft.com/office/drawing/2014/main" xmlns="" id="{5CC3D79E-2A0F-4132-B214-2BFC8EBEA6A4}"/>
                 </a:ext>
               </a:extLst>
             </p:cNvPr>
@@ -23763,7 +27592,7 @@
             <p:cNvPr id="111" name="Straight Connector 110">
               <a:extLst>
                 <a:ext uri="{FF2B5EF4-FFF2-40B4-BE49-F238E27FC236}">
-                  <a16:creationId xmlns="" xmlns:a16="http://schemas.microsoft.com/office/drawing/2014/main" id="{1E95C72C-5DC8-4E44-A04C-60712F8C29DC}"/>
+                  <a16:creationId xmlns:a16="http://schemas.microsoft.com/office/drawing/2014/main" xmlns="" id="{1E95C72C-5DC8-4E44-A04C-60712F8C29DC}"/>
                 </a:ext>
               </a:extLst>
             </p:cNvPr>
@@ -23810,7 +27639,7 @@
             <p:cNvPr id="112" name="Straight Connector 111">
               <a:extLst>
                 <a:ext uri="{FF2B5EF4-FFF2-40B4-BE49-F238E27FC236}">
-                  <a16:creationId xmlns="" xmlns:a16="http://schemas.microsoft.com/office/drawing/2014/main" id="{A0AA27BD-5A10-4370-9E99-C431FB7BBF06}"/>
+                  <a16:creationId xmlns:a16="http://schemas.microsoft.com/office/drawing/2014/main" xmlns="" id="{A0AA27BD-5A10-4370-9E99-C431FB7BBF06}"/>
                 </a:ext>
               </a:extLst>
             </p:cNvPr>
@@ -23858,7 +27687,7 @@
             <p:cNvPr id="113" name="Straight Connector 112">
               <a:extLst>
                 <a:ext uri="{FF2B5EF4-FFF2-40B4-BE49-F238E27FC236}">
-                  <a16:creationId xmlns="" xmlns:a16="http://schemas.microsoft.com/office/drawing/2014/main" id="{4DC9D52B-2BA9-4D4C-94AE-9EBCC9E9F897}"/>
+                  <a16:creationId xmlns:a16="http://schemas.microsoft.com/office/drawing/2014/main" xmlns="" id="{4DC9D52B-2BA9-4D4C-94AE-9EBCC9E9F897}"/>
                 </a:ext>
               </a:extLst>
             </p:cNvPr>
@@ -23906,7 +27735,7 @@
             <p:cNvPr id="114" name="Straight Connector 113">
               <a:extLst>
                 <a:ext uri="{FF2B5EF4-FFF2-40B4-BE49-F238E27FC236}">
-                  <a16:creationId xmlns="" xmlns:a16="http://schemas.microsoft.com/office/drawing/2014/main" id="{D8EDE77A-C599-4B0B-9DE4-E75C7B7CBD3D}"/>
+                  <a16:creationId xmlns:a16="http://schemas.microsoft.com/office/drawing/2014/main" xmlns="" id="{D8EDE77A-C599-4B0B-9DE4-E75C7B7CBD3D}"/>
                 </a:ext>
               </a:extLst>
             </p:cNvPr>
@@ -23953,7 +27782,7 @@
             <p:cNvPr id="115" name="Straight Connector 114">
               <a:extLst>
                 <a:ext uri="{FF2B5EF4-FFF2-40B4-BE49-F238E27FC236}">
-                  <a16:creationId xmlns="" xmlns:a16="http://schemas.microsoft.com/office/drawing/2014/main" id="{C30CBD17-90A0-47FF-899E-E5DF5E52088F}"/>
+                  <a16:creationId xmlns:a16="http://schemas.microsoft.com/office/drawing/2014/main" xmlns="" id="{C30CBD17-90A0-47FF-899E-E5DF5E52088F}"/>
                 </a:ext>
               </a:extLst>
             </p:cNvPr>
@@ -24001,7 +27830,7 @@
             <p:cNvPr id="116" name="Straight Connector 115">
               <a:extLst>
                 <a:ext uri="{FF2B5EF4-FFF2-40B4-BE49-F238E27FC236}">
-                  <a16:creationId xmlns="" xmlns:a16="http://schemas.microsoft.com/office/drawing/2014/main" id="{6E9176D4-CAAC-41BF-983F-15BC6B23AA2E}"/>
+                  <a16:creationId xmlns:a16="http://schemas.microsoft.com/office/drawing/2014/main" xmlns="" id="{6E9176D4-CAAC-41BF-983F-15BC6B23AA2E}"/>
                 </a:ext>
               </a:extLst>
             </p:cNvPr>
@@ -24049,7 +27878,7 @@
             <p:cNvPr id="117" name="Straight Connector 116">
               <a:extLst>
                 <a:ext uri="{FF2B5EF4-FFF2-40B4-BE49-F238E27FC236}">
-                  <a16:creationId xmlns="" xmlns:a16="http://schemas.microsoft.com/office/drawing/2014/main" id="{E0B49AC8-ADAF-4426-A6ED-F73D10B73FBB}"/>
+                  <a16:creationId xmlns:a16="http://schemas.microsoft.com/office/drawing/2014/main" xmlns="" id="{E0B49AC8-ADAF-4426-A6ED-F73D10B73FBB}"/>
                 </a:ext>
               </a:extLst>
             </p:cNvPr>
@@ -24096,7 +27925,7 @@
             <p:cNvPr id="118" name="Straight Connector 117">
               <a:extLst>
                 <a:ext uri="{FF2B5EF4-FFF2-40B4-BE49-F238E27FC236}">
-                  <a16:creationId xmlns="" xmlns:a16="http://schemas.microsoft.com/office/drawing/2014/main" id="{AD6F00E1-FD8C-4BEE-98A5-4DD1DB590F44}"/>
+                  <a16:creationId xmlns:a16="http://schemas.microsoft.com/office/drawing/2014/main" xmlns="" id="{AD6F00E1-FD8C-4BEE-98A5-4DD1DB590F44}"/>
                 </a:ext>
               </a:extLst>
             </p:cNvPr>
@@ -24143,7 +27972,7 @@
             <p:cNvPr id="119" name="Straight Connector 118">
               <a:extLst>
                 <a:ext uri="{FF2B5EF4-FFF2-40B4-BE49-F238E27FC236}">
-                  <a16:creationId xmlns="" xmlns:a16="http://schemas.microsoft.com/office/drawing/2014/main" id="{88924D97-EE7C-498D-8A80-9C5F7E381C8E}"/>
+                  <a16:creationId xmlns:a16="http://schemas.microsoft.com/office/drawing/2014/main" xmlns="" id="{88924D97-EE7C-498D-8A80-9C5F7E381C8E}"/>
                 </a:ext>
               </a:extLst>
             </p:cNvPr>
@@ -24191,7 +28020,7 @@
             <p:cNvPr id="120" name="Straight Connector 119">
               <a:extLst>
                 <a:ext uri="{FF2B5EF4-FFF2-40B4-BE49-F238E27FC236}">
-                  <a16:creationId xmlns="" xmlns:a16="http://schemas.microsoft.com/office/drawing/2014/main" id="{CC4D91EB-0829-4AD1-9BBC-2414E9D0E0AC}"/>
+                  <a16:creationId xmlns:a16="http://schemas.microsoft.com/office/drawing/2014/main" xmlns="" id="{CC4D91EB-0829-4AD1-9BBC-2414E9D0E0AC}"/>
                 </a:ext>
               </a:extLst>
             </p:cNvPr>
@@ -24239,7 +28068,7 @@
             <p:cNvPr id="121" name="Straight Connector 120">
               <a:extLst>
                 <a:ext uri="{FF2B5EF4-FFF2-40B4-BE49-F238E27FC236}">
-                  <a16:creationId xmlns="" xmlns:a16="http://schemas.microsoft.com/office/drawing/2014/main" id="{F63C3E4E-4E4C-4BB9-B5F5-4D72B15F7F2A}"/>
+                  <a16:creationId xmlns:a16="http://schemas.microsoft.com/office/drawing/2014/main" xmlns="" id="{F63C3E4E-4E4C-4BB9-B5F5-4D72B15F7F2A}"/>
                 </a:ext>
               </a:extLst>
             </p:cNvPr>
@@ -24287,7 +28116,7 @@
             <p:cNvPr id="122" name="Straight Connector 121">
               <a:extLst>
                 <a:ext uri="{FF2B5EF4-FFF2-40B4-BE49-F238E27FC236}">
-                  <a16:creationId xmlns="" xmlns:a16="http://schemas.microsoft.com/office/drawing/2014/main" id="{17589E6F-B89F-4A9B-B756-ED8A5C4A8C63}"/>
+                  <a16:creationId xmlns:a16="http://schemas.microsoft.com/office/drawing/2014/main" xmlns="" id="{17589E6F-B89F-4A9B-B756-ED8A5C4A8C63}"/>
                 </a:ext>
               </a:extLst>
             </p:cNvPr>
@@ -24335,7 +28164,7 @@
             <p:cNvPr id="123" name="Straight Connector 122">
               <a:extLst>
                 <a:ext uri="{FF2B5EF4-FFF2-40B4-BE49-F238E27FC236}">
-                  <a16:creationId xmlns="" xmlns:a16="http://schemas.microsoft.com/office/drawing/2014/main" id="{C0E0C98F-2AB1-4E89-83EE-A6B8FA60DF09}"/>
+                  <a16:creationId xmlns:a16="http://schemas.microsoft.com/office/drawing/2014/main" xmlns="" id="{C0E0C98F-2AB1-4E89-83EE-A6B8FA60DF09}"/>
                 </a:ext>
               </a:extLst>
             </p:cNvPr>
@@ -24383,7 +28212,7 @@
             <p:cNvPr id="124" name="Straight Connector 123">
               <a:extLst>
                 <a:ext uri="{FF2B5EF4-FFF2-40B4-BE49-F238E27FC236}">
-                  <a16:creationId xmlns="" xmlns:a16="http://schemas.microsoft.com/office/drawing/2014/main" id="{E5D2FD08-59D7-4702-9576-A547AC7A8A62}"/>
+                  <a16:creationId xmlns:a16="http://schemas.microsoft.com/office/drawing/2014/main" xmlns="" id="{E5D2FD08-59D7-4702-9576-A547AC7A8A62}"/>
                 </a:ext>
               </a:extLst>
             </p:cNvPr>
@@ -24431,7 +28260,7 @@
             <p:cNvPr id="125" name="Straight Connector 124">
               <a:extLst>
                 <a:ext uri="{FF2B5EF4-FFF2-40B4-BE49-F238E27FC236}">
-                  <a16:creationId xmlns="" xmlns:a16="http://schemas.microsoft.com/office/drawing/2014/main" id="{52B485EF-8E8D-4479-B819-883453BE241F}"/>
+                  <a16:creationId xmlns:a16="http://schemas.microsoft.com/office/drawing/2014/main" xmlns="" id="{52B485EF-8E8D-4479-B819-883453BE241F}"/>
                 </a:ext>
               </a:extLst>
             </p:cNvPr>
@@ -24479,7 +28308,7 @@
             <p:cNvPr id="126" name="Straight Connector 125">
               <a:extLst>
                 <a:ext uri="{FF2B5EF4-FFF2-40B4-BE49-F238E27FC236}">
-                  <a16:creationId xmlns="" xmlns:a16="http://schemas.microsoft.com/office/drawing/2014/main" id="{4D99830A-0B6B-4B2B-BAAA-39DE8D1D04AA}"/>
+                  <a16:creationId xmlns:a16="http://schemas.microsoft.com/office/drawing/2014/main" xmlns="" id="{4D99830A-0B6B-4B2B-BAAA-39DE8D1D04AA}"/>
                 </a:ext>
               </a:extLst>
             </p:cNvPr>
@@ -24527,7 +28356,7 @@
             <p:cNvPr id="127" name="Straight Connector 126">
               <a:extLst>
                 <a:ext uri="{FF2B5EF4-FFF2-40B4-BE49-F238E27FC236}">
-                  <a16:creationId xmlns="" xmlns:a16="http://schemas.microsoft.com/office/drawing/2014/main" id="{2AC6728F-DB31-4983-BE32-4D655323B5BC}"/>
+                  <a16:creationId xmlns:a16="http://schemas.microsoft.com/office/drawing/2014/main" xmlns="" id="{2AC6728F-DB31-4983-BE32-4D655323B5BC}"/>
                 </a:ext>
               </a:extLst>
             </p:cNvPr>
@@ -24575,7 +28404,7 @@
             <p:cNvPr id="128" name="Straight Connector 127">
               <a:extLst>
                 <a:ext uri="{FF2B5EF4-FFF2-40B4-BE49-F238E27FC236}">
-                  <a16:creationId xmlns="" xmlns:a16="http://schemas.microsoft.com/office/drawing/2014/main" id="{5F9AA938-CC74-4616-B307-1DB70C79C3B9}"/>
+                  <a16:creationId xmlns:a16="http://schemas.microsoft.com/office/drawing/2014/main" xmlns="" id="{5F9AA938-CC74-4616-B307-1DB70C79C3B9}"/>
                 </a:ext>
               </a:extLst>
             </p:cNvPr>
@@ -24622,7 +28451,7 @@
             <p:cNvPr id="129" name="Straight Connector 128">
               <a:extLst>
                 <a:ext uri="{FF2B5EF4-FFF2-40B4-BE49-F238E27FC236}">
-                  <a16:creationId xmlns="" xmlns:a16="http://schemas.microsoft.com/office/drawing/2014/main" id="{78E304A2-F5D5-4F29-ADF0-E9D4DA4817CE}"/>
+                  <a16:creationId xmlns:a16="http://schemas.microsoft.com/office/drawing/2014/main" xmlns="" id="{78E304A2-F5D5-4F29-ADF0-E9D4DA4817CE}"/>
                 </a:ext>
               </a:extLst>
             </p:cNvPr>
@@ -24670,7 +28499,7 @@
             <p:cNvPr id="130" name="Straight Connector 129">
               <a:extLst>
                 <a:ext uri="{FF2B5EF4-FFF2-40B4-BE49-F238E27FC236}">
-                  <a16:creationId xmlns="" xmlns:a16="http://schemas.microsoft.com/office/drawing/2014/main" id="{4F8945B3-E7BA-46C4-9545-BCE95E5F9F09}"/>
+                  <a16:creationId xmlns:a16="http://schemas.microsoft.com/office/drawing/2014/main" xmlns="" id="{4F8945B3-E7BA-46C4-9545-BCE95E5F9F09}"/>
                 </a:ext>
               </a:extLst>
             </p:cNvPr>
@@ -24717,7 +28546,7 @@
             <p:cNvPr id="131" name="Straight Connector 130">
               <a:extLst>
                 <a:ext uri="{FF2B5EF4-FFF2-40B4-BE49-F238E27FC236}">
-                  <a16:creationId xmlns="" xmlns:a16="http://schemas.microsoft.com/office/drawing/2014/main" id="{1C635628-6EFD-441D-9972-6403B0D0FABE}"/>
+                  <a16:creationId xmlns:a16="http://schemas.microsoft.com/office/drawing/2014/main" xmlns="" id="{1C635628-6EFD-441D-9972-6403B0D0FABE}"/>
                 </a:ext>
               </a:extLst>
             </p:cNvPr>
@@ -24764,7 +28593,7 @@
             <p:cNvPr id="132" name="Straight Connector 131">
               <a:extLst>
                 <a:ext uri="{FF2B5EF4-FFF2-40B4-BE49-F238E27FC236}">
-                  <a16:creationId xmlns="" xmlns:a16="http://schemas.microsoft.com/office/drawing/2014/main" id="{9E7AB171-7A32-46D2-9D9D-8AC2DA640438}"/>
+                  <a16:creationId xmlns:a16="http://schemas.microsoft.com/office/drawing/2014/main" xmlns="" id="{9E7AB171-7A32-46D2-9D9D-8AC2DA640438}"/>
                 </a:ext>
               </a:extLst>
             </p:cNvPr>
@@ -24812,7 +28641,7 @@
             <p:cNvPr id="133" name="Straight Connector 132">
               <a:extLst>
                 <a:ext uri="{FF2B5EF4-FFF2-40B4-BE49-F238E27FC236}">
-                  <a16:creationId xmlns="" xmlns:a16="http://schemas.microsoft.com/office/drawing/2014/main" id="{A0594AE1-1E9E-4B6E-BC3A-379515A29636}"/>
+                  <a16:creationId xmlns:a16="http://schemas.microsoft.com/office/drawing/2014/main" xmlns="" id="{A0594AE1-1E9E-4B6E-BC3A-379515A29636}"/>
                 </a:ext>
               </a:extLst>
             </p:cNvPr>
@@ -24860,7 +28689,7 @@
             <p:cNvPr id="134" name="Straight Connector 133">
               <a:extLst>
                 <a:ext uri="{FF2B5EF4-FFF2-40B4-BE49-F238E27FC236}">
-                  <a16:creationId xmlns="" xmlns:a16="http://schemas.microsoft.com/office/drawing/2014/main" id="{538D00EE-907C-4360-A607-9D263044EC4E}"/>
+                  <a16:creationId xmlns:a16="http://schemas.microsoft.com/office/drawing/2014/main" xmlns="" id="{538D00EE-907C-4360-A607-9D263044EC4E}"/>
                 </a:ext>
               </a:extLst>
             </p:cNvPr>
@@ -24908,7 +28737,7 @@
             <p:cNvPr id="135" name="Straight Connector 134">
               <a:extLst>
                 <a:ext uri="{FF2B5EF4-FFF2-40B4-BE49-F238E27FC236}">
-                  <a16:creationId xmlns="" xmlns:a16="http://schemas.microsoft.com/office/drawing/2014/main" id="{9E8AAFF4-8353-4250-AD5B-E30008DA8C0F}"/>
+                  <a16:creationId xmlns:a16="http://schemas.microsoft.com/office/drawing/2014/main" xmlns="" id="{9E8AAFF4-8353-4250-AD5B-E30008DA8C0F}"/>
                 </a:ext>
               </a:extLst>
             </p:cNvPr>
@@ -24956,7 +28785,7 @@
             <p:cNvPr id="136" name="Straight Connector 135">
               <a:extLst>
                 <a:ext uri="{FF2B5EF4-FFF2-40B4-BE49-F238E27FC236}">
-                  <a16:creationId xmlns="" xmlns:a16="http://schemas.microsoft.com/office/drawing/2014/main" id="{DCB3F67A-EFD6-4A00-AF54-A54386887FA1}"/>
+                  <a16:creationId xmlns:a16="http://schemas.microsoft.com/office/drawing/2014/main" xmlns="" id="{DCB3F67A-EFD6-4A00-AF54-A54386887FA1}"/>
                 </a:ext>
               </a:extLst>
             </p:cNvPr>
@@ -25004,7 +28833,7 @@
             <p:cNvPr id="137" name="Straight Connector 136">
               <a:extLst>
                 <a:ext uri="{FF2B5EF4-FFF2-40B4-BE49-F238E27FC236}">
-                  <a16:creationId xmlns="" xmlns:a16="http://schemas.microsoft.com/office/drawing/2014/main" id="{C04A4EB7-B993-4C1E-9512-FC11117D4DD3}"/>
+                  <a16:creationId xmlns:a16="http://schemas.microsoft.com/office/drawing/2014/main" xmlns="" id="{C04A4EB7-B993-4C1E-9512-FC11117D4DD3}"/>
                 </a:ext>
               </a:extLst>
             </p:cNvPr>
@@ -25052,7 +28881,7 @@
             <p:cNvPr id="138" name="Straight Connector 137">
               <a:extLst>
                 <a:ext uri="{FF2B5EF4-FFF2-40B4-BE49-F238E27FC236}">
-                  <a16:creationId xmlns="" xmlns:a16="http://schemas.microsoft.com/office/drawing/2014/main" id="{33AB111C-0728-44CB-99DA-BD5F465D17E4}"/>
+                  <a16:creationId xmlns:a16="http://schemas.microsoft.com/office/drawing/2014/main" xmlns="" id="{33AB111C-0728-44CB-99DA-BD5F465D17E4}"/>
                 </a:ext>
               </a:extLst>
             </p:cNvPr>
@@ -25100,7 +28929,7 @@
             <p:cNvPr id="139" name="Straight Connector 138">
               <a:extLst>
                 <a:ext uri="{FF2B5EF4-FFF2-40B4-BE49-F238E27FC236}">
-                  <a16:creationId xmlns="" xmlns:a16="http://schemas.microsoft.com/office/drawing/2014/main" id="{0824AB1A-AF27-4AAC-A510-E835981EB35C}"/>
+                  <a16:creationId xmlns:a16="http://schemas.microsoft.com/office/drawing/2014/main" xmlns="" id="{0824AB1A-AF27-4AAC-A510-E835981EB35C}"/>
                 </a:ext>
               </a:extLst>
             </p:cNvPr>
@@ -25148,7 +28977,7 @@
             <p:cNvPr id="140" name="Straight Connector 139">
               <a:extLst>
                 <a:ext uri="{FF2B5EF4-FFF2-40B4-BE49-F238E27FC236}">
-                  <a16:creationId xmlns="" xmlns:a16="http://schemas.microsoft.com/office/drawing/2014/main" id="{7B2A9CAE-D54C-4F99-BC89-2A47AC6F057A}"/>
+                  <a16:creationId xmlns:a16="http://schemas.microsoft.com/office/drawing/2014/main" xmlns="" id="{7B2A9CAE-D54C-4F99-BC89-2A47AC6F057A}"/>
                 </a:ext>
               </a:extLst>
             </p:cNvPr>
@@ -25196,7 +29025,7 @@
             <p:cNvPr id="141" name="Straight Connector 140">
               <a:extLst>
                 <a:ext uri="{FF2B5EF4-FFF2-40B4-BE49-F238E27FC236}">
-                  <a16:creationId xmlns="" xmlns:a16="http://schemas.microsoft.com/office/drawing/2014/main" id="{49C2A513-DA3C-4A76-9627-46F3EA1674F2}"/>
+                  <a16:creationId xmlns:a16="http://schemas.microsoft.com/office/drawing/2014/main" xmlns="" id="{49C2A513-DA3C-4A76-9627-46F3EA1674F2}"/>
                 </a:ext>
               </a:extLst>
             </p:cNvPr>
@@ -25244,7 +29073,7 @@
             <p:cNvPr id="142" name="Straight Connector 141">
               <a:extLst>
                 <a:ext uri="{FF2B5EF4-FFF2-40B4-BE49-F238E27FC236}">
-                  <a16:creationId xmlns="" xmlns:a16="http://schemas.microsoft.com/office/drawing/2014/main" id="{CB48AD31-8E77-4D83-9FF0-837B6A3CB825}"/>
+                  <a16:creationId xmlns:a16="http://schemas.microsoft.com/office/drawing/2014/main" xmlns="" id="{CB48AD31-8E77-4D83-9FF0-837B6A3CB825}"/>
                 </a:ext>
               </a:extLst>
             </p:cNvPr>
@@ -25292,7 +29121,7 @@
             <p:cNvPr id="143" name="Straight Connector 142">
               <a:extLst>
                 <a:ext uri="{FF2B5EF4-FFF2-40B4-BE49-F238E27FC236}">
-                  <a16:creationId xmlns="" xmlns:a16="http://schemas.microsoft.com/office/drawing/2014/main" id="{AA383FD2-934F-4979-BD40-681C7BCCDA81}"/>
+                  <a16:creationId xmlns:a16="http://schemas.microsoft.com/office/drawing/2014/main" xmlns="" id="{AA383FD2-934F-4979-BD40-681C7BCCDA81}"/>
                 </a:ext>
               </a:extLst>
             </p:cNvPr>
@@ -25340,7 +29169,7 @@
             <p:cNvPr id="144" name="Straight Connector 143">
               <a:extLst>
                 <a:ext uri="{FF2B5EF4-FFF2-40B4-BE49-F238E27FC236}">
-                  <a16:creationId xmlns="" xmlns:a16="http://schemas.microsoft.com/office/drawing/2014/main" id="{72B60496-127B-4D07-B9D7-550F342723FD}"/>
+                  <a16:creationId xmlns:a16="http://schemas.microsoft.com/office/drawing/2014/main" xmlns="" id="{72B60496-127B-4D07-B9D7-550F342723FD}"/>
                 </a:ext>
               </a:extLst>
             </p:cNvPr>
@@ -25388,7 +29217,7 @@
             <p:cNvPr id="145" name="Straight Connector 144">
               <a:extLst>
                 <a:ext uri="{FF2B5EF4-FFF2-40B4-BE49-F238E27FC236}">
-                  <a16:creationId xmlns="" xmlns:a16="http://schemas.microsoft.com/office/drawing/2014/main" id="{89043197-9393-4509-8DD1-E5C4512FD9BB}"/>
+                  <a16:creationId xmlns:a16="http://schemas.microsoft.com/office/drawing/2014/main" xmlns="" id="{89043197-9393-4509-8DD1-E5C4512FD9BB}"/>
                 </a:ext>
               </a:extLst>
             </p:cNvPr>
@@ -25435,7 +29264,7 @@
             <p:cNvPr id="146" name="Straight Connector 145">
               <a:extLst>
                 <a:ext uri="{FF2B5EF4-FFF2-40B4-BE49-F238E27FC236}">
-                  <a16:creationId xmlns="" xmlns:a16="http://schemas.microsoft.com/office/drawing/2014/main" id="{FB94D064-2104-45B7-8D56-6D27B6F5E7DF}"/>
+                  <a16:creationId xmlns:a16="http://schemas.microsoft.com/office/drawing/2014/main" xmlns="" id="{FB94D064-2104-45B7-8D56-6D27B6F5E7DF}"/>
                 </a:ext>
               </a:extLst>
             </p:cNvPr>
@@ -25483,7 +29312,7 @@
             <p:cNvPr id="147" name="Oval 146">
               <a:extLst>
                 <a:ext uri="{FF2B5EF4-FFF2-40B4-BE49-F238E27FC236}">
-                  <a16:creationId xmlns="" xmlns:a16="http://schemas.microsoft.com/office/drawing/2014/main" id="{FE1DBC0C-7FF3-4C50-9A4A-B2C226B258D1}"/>
+                  <a16:creationId xmlns:a16="http://schemas.microsoft.com/office/drawing/2014/main" xmlns="" id="{FE1DBC0C-7FF3-4C50-9A4A-B2C226B258D1}"/>
                 </a:ext>
               </a:extLst>
             </p:cNvPr>
@@ -25537,7 +29366,7 @@
             <p:cNvPr id="148" name="Oval 147">
               <a:extLst>
                 <a:ext uri="{FF2B5EF4-FFF2-40B4-BE49-F238E27FC236}">
-                  <a16:creationId xmlns="" xmlns:a16="http://schemas.microsoft.com/office/drawing/2014/main" id="{819E98D6-2855-4A42-AB3E-365BB54EB1D1}"/>
+                  <a16:creationId xmlns:a16="http://schemas.microsoft.com/office/drawing/2014/main" xmlns="" id="{819E98D6-2855-4A42-AB3E-365BB54EB1D1}"/>
                 </a:ext>
               </a:extLst>
             </p:cNvPr>
@@ -25593,7 +29422,7 @@
             <p:cNvPr id="149" name="Oval 148">
               <a:extLst>
                 <a:ext uri="{FF2B5EF4-FFF2-40B4-BE49-F238E27FC236}">
-                  <a16:creationId xmlns="" xmlns:a16="http://schemas.microsoft.com/office/drawing/2014/main" id="{F998912D-7A0B-4FFD-A177-A3B838E6A36A}"/>
+                  <a16:creationId xmlns:a16="http://schemas.microsoft.com/office/drawing/2014/main" xmlns="" id="{F998912D-7A0B-4FFD-A177-A3B838E6A36A}"/>
                 </a:ext>
               </a:extLst>
             </p:cNvPr>
@@ -25647,7 +29476,7 @@
             <p:cNvPr id="150" name="Oval 149">
               <a:extLst>
                 <a:ext uri="{FF2B5EF4-FFF2-40B4-BE49-F238E27FC236}">
-                  <a16:creationId xmlns="" xmlns:a16="http://schemas.microsoft.com/office/drawing/2014/main" id="{B8F576D9-EB15-40F7-97F7-51307DCA108A}"/>
+                  <a16:creationId xmlns:a16="http://schemas.microsoft.com/office/drawing/2014/main" xmlns="" id="{B8F576D9-EB15-40F7-97F7-51307DCA108A}"/>
                 </a:ext>
               </a:extLst>
             </p:cNvPr>
@@ -25701,7 +29530,7 @@
             <p:cNvPr id="151" name="Oval 150">
               <a:extLst>
                 <a:ext uri="{FF2B5EF4-FFF2-40B4-BE49-F238E27FC236}">
-                  <a16:creationId xmlns="" xmlns:a16="http://schemas.microsoft.com/office/drawing/2014/main" id="{5F0252DA-0578-484B-BA55-4C22D0C908D3}"/>
+                  <a16:creationId xmlns:a16="http://schemas.microsoft.com/office/drawing/2014/main" xmlns="" id="{5F0252DA-0578-484B-BA55-4C22D0C908D3}"/>
                 </a:ext>
               </a:extLst>
             </p:cNvPr>
@@ -25757,7 +29586,7 @@
             <p:cNvPr id="152" name="Oval 151">
               <a:extLst>
                 <a:ext uri="{FF2B5EF4-FFF2-40B4-BE49-F238E27FC236}">
-                  <a16:creationId xmlns="" xmlns:a16="http://schemas.microsoft.com/office/drawing/2014/main" id="{5957B164-FF03-439C-999F-2D84D2789FE3}"/>
+                  <a16:creationId xmlns:a16="http://schemas.microsoft.com/office/drawing/2014/main" xmlns="" id="{5957B164-FF03-439C-999F-2D84D2789FE3}"/>
                 </a:ext>
               </a:extLst>
             </p:cNvPr>
@@ -25811,7 +29640,7 @@
             <p:cNvPr id="153" name="Oval 152">
               <a:extLst>
                 <a:ext uri="{FF2B5EF4-FFF2-40B4-BE49-F238E27FC236}">
-                  <a16:creationId xmlns="" xmlns:a16="http://schemas.microsoft.com/office/drawing/2014/main" id="{5CE014D8-4823-4B50-8CC4-98219946E67B}"/>
+                  <a16:creationId xmlns:a16="http://schemas.microsoft.com/office/drawing/2014/main" xmlns="" id="{5CE014D8-4823-4B50-8CC4-98219946E67B}"/>
                 </a:ext>
               </a:extLst>
             </p:cNvPr>
@@ -25865,7 +29694,7 @@
             <p:cNvPr id="154" name="Oval 153">
               <a:extLst>
                 <a:ext uri="{FF2B5EF4-FFF2-40B4-BE49-F238E27FC236}">
-                  <a16:creationId xmlns="" xmlns:a16="http://schemas.microsoft.com/office/drawing/2014/main" id="{8BA855C5-6E64-472C-BC81-9D7A13A682F5}"/>
+                  <a16:creationId xmlns:a16="http://schemas.microsoft.com/office/drawing/2014/main" xmlns="" id="{8BA855C5-6E64-472C-BC81-9D7A13A682F5}"/>
                 </a:ext>
               </a:extLst>
             </p:cNvPr>
@@ -25921,7 +29750,7 @@
             <p:cNvPr id="155" name="Oval 154">
               <a:extLst>
                 <a:ext uri="{FF2B5EF4-FFF2-40B4-BE49-F238E27FC236}">
-                  <a16:creationId xmlns="" xmlns:a16="http://schemas.microsoft.com/office/drawing/2014/main" id="{5E1565B9-0D0F-49BE-A15D-F8EF68521E12}"/>
+                  <a16:creationId xmlns:a16="http://schemas.microsoft.com/office/drawing/2014/main" xmlns="" id="{5E1565B9-0D0F-49BE-A15D-F8EF68521E12}"/>
                 </a:ext>
               </a:extLst>
             </p:cNvPr>
@@ -25975,7 +29804,7 @@
             <p:cNvPr id="156" name="Oval 155">
               <a:extLst>
                 <a:ext uri="{FF2B5EF4-FFF2-40B4-BE49-F238E27FC236}">
-                  <a16:creationId xmlns="" xmlns:a16="http://schemas.microsoft.com/office/drawing/2014/main" id="{9C9F9A08-EC57-48F9-88FF-89C46D2D0FAB}"/>
+                  <a16:creationId xmlns:a16="http://schemas.microsoft.com/office/drawing/2014/main" xmlns="" id="{9C9F9A08-EC57-48F9-88FF-89C46D2D0FAB}"/>
                 </a:ext>
               </a:extLst>
             </p:cNvPr>
@@ -26029,7 +29858,7 @@
             <p:cNvPr id="157" name="Oval 156">
               <a:extLst>
                 <a:ext uri="{FF2B5EF4-FFF2-40B4-BE49-F238E27FC236}">
-                  <a16:creationId xmlns="" xmlns:a16="http://schemas.microsoft.com/office/drawing/2014/main" id="{B9F63E34-B71A-4177-A92C-7E6C9FCC9BF7}"/>
+                  <a16:creationId xmlns:a16="http://schemas.microsoft.com/office/drawing/2014/main" xmlns="" id="{B9F63E34-B71A-4177-A92C-7E6C9FCC9BF7}"/>
                 </a:ext>
               </a:extLst>
             </p:cNvPr>
@@ -26083,7 +29912,7 @@
             <p:cNvPr id="158" name="Oval 157">
               <a:extLst>
                 <a:ext uri="{FF2B5EF4-FFF2-40B4-BE49-F238E27FC236}">
-                  <a16:creationId xmlns="" xmlns:a16="http://schemas.microsoft.com/office/drawing/2014/main" id="{1608D259-83DB-492F-95A4-F7A165EA7A77}"/>
+                  <a16:creationId xmlns:a16="http://schemas.microsoft.com/office/drawing/2014/main" xmlns="" id="{1608D259-83DB-492F-95A4-F7A165EA7A77}"/>
                 </a:ext>
               </a:extLst>
             </p:cNvPr>
@@ -26139,7 +29968,7 @@
             <p:cNvPr id="159" name="Oval 158">
               <a:extLst>
                 <a:ext uri="{FF2B5EF4-FFF2-40B4-BE49-F238E27FC236}">
-                  <a16:creationId xmlns="" xmlns:a16="http://schemas.microsoft.com/office/drawing/2014/main" id="{E7AEE8C4-57AB-456F-985F-571138FED7AE}"/>
+                  <a16:creationId xmlns:a16="http://schemas.microsoft.com/office/drawing/2014/main" xmlns="" id="{E7AEE8C4-57AB-456F-985F-571138FED7AE}"/>
                 </a:ext>
               </a:extLst>
             </p:cNvPr>
@@ -26193,7 +30022,7 @@
             <p:cNvPr id="160" name="Oval 159">
               <a:extLst>
                 <a:ext uri="{FF2B5EF4-FFF2-40B4-BE49-F238E27FC236}">
-                  <a16:creationId xmlns="" xmlns:a16="http://schemas.microsoft.com/office/drawing/2014/main" id="{CE94D409-F6CA-456B-87C3-CBD002709847}"/>
+                  <a16:creationId xmlns:a16="http://schemas.microsoft.com/office/drawing/2014/main" xmlns="" id="{CE94D409-F6CA-456B-87C3-CBD002709847}"/>
                 </a:ext>
               </a:extLst>
             </p:cNvPr>
@@ -26247,7 +30076,7 @@
             <p:cNvPr id="161" name="Oval 160">
               <a:extLst>
                 <a:ext uri="{FF2B5EF4-FFF2-40B4-BE49-F238E27FC236}">
-                  <a16:creationId xmlns="" xmlns:a16="http://schemas.microsoft.com/office/drawing/2014/main" id="{6D4EFF78-0E0F-4A48-BA14-038A3245C15A}"/>
+                  <a16:creationId xmlns:a16="http://schemas.microsoft.com/office/drawing/2014/main" xmlns="" id="{6D4EFF78-0E0F-4A48-BA14-038A3245C15A}"/>
                 </a:ext>
               </a:extLst>
             </p:cNvPr>
@@ -26303,7 +30132,7 @@
             <p:cNvPr id="162" name="Oval 161">
               <a:extLst>
                 <a:ext uri="{FF2B5EF4-FFF2-40B4-BE49-F238E27FC236}">
-                  <a16:creationId xmlns="" xmlns:a16="http://schemas.microsoft.com/office/drawing/2014/main" id="{D4981ADC-C194-4F16-9E99-AA33E5E2F9D0}"/>
+                  <a16:creationId xmlns:a16="http://schemas.microsoft.com/office/drawing/2014/main" xmlns="" id="{D4981ADC-C194-4F16-9E99-AA33E5E2F9D0}"/>
                 </a:ext>
               </a:extLst>
             </p:cNvPr>
@@ -26359,7 +30188,7 @@
             <p:cNvPr id="163" name="Chord 162">
               <a:extLst>
                 <a:ext uri="{FF2B5EF4-FFF2-40B4-BE49-F238E27FC236}">
-                  <a16:creationId xmlns="" xmlns:a16="http://schemas.microsoft.com/office/drawing/2014/main" id="{15C62939-53C6-4D13-828C-4B132C094971}"/>
+                  <a16:creationId xmlns:a16="http://schemas.microsoft.com/office/drawing/2014/main" xmlns="" id="{15C62939-53C6-4D13-828C-4B132C094971}"/>
                 </a:ext>
               </a:extLst>
             </p:cNvPr>
@@ -26418,7 +30247,7 @@
             <p:cNvPr id="164" name="Chord 163">
               <a:extLst>
                 <a:ext uri="{FF2B5EF4-FFF2-40B4-BE49-F238E27FC236}">
-                  <a16:creationId xmlns="" xmlns:a16="http://schemas.microsoft.com/office/drawing/2014/main" id="{11A7B4C1-28C9-41EF-96AD-01DAED015DAE}"/>
+                  <a16:creationId xmlns:a16="http://schemas.microsoft.com/office/drawing/2014/main" xmlns="" id="{11A7B4C1-28C9-41EF-96AD-01DAED015DAE}"/>
                 </a:ext>
               </a:extLst>
             </p:cNvPr>
@@ -26477,7 +30306,7 @@
             <p:cNvPr id="165" name="Straight Connector 164">
               <a:extLst>
                 <a:ext uri="{FF2B5EF4-FFF2-40B4-BE49-F238E27FC236}">
-                  <a16:creationId xmlns="" xmlns:a16="http://schemas.microsoft.com/office/drawing/2014/main" id="{2C386063-0BC2-434C-8E3B-8C49E8AE4314}"/>
+                  <a16:creationId xmlns:a16="http://schemas.microsoft.com/office/drawing/2014/main" xmlns="" id="{2C386063-0BC2-434C-8E3B-8C49E8AE4314}"/>
                 </a:ext>
               </a:extLst>
             </p:cNvPr>
@@ -26525,7 +30354,7 @@
             <p:cNvPr id="166" name="Straight Connector 165">
               <a:extLst>
                 <a:ext uri="{FF2B5EF4-FFF2-40B4-BE49-F238E27FC236}">
-                  <a16:creationId xmlns="" xmlns:a16="http://schemas.microsoft.com/office/drawing/2014/main" id="{49A57370-6220-4B9E-956C-42A672B35652}"/>
+                  <a16:creationId xmlns:a16="http://schemas.microsoft.com/office/drawing/2014/main" xmlns="" id="{49A57370-6220-4B9E-956C-42A672B35652}"/>
                 </a:ext>
               </a:extLst>
             </p:cNvPr>
@@ -26573,7 +30402,7 @@
             <p:cNvPr id="167" name="Straight Connector 166">
               <a:extLst>
                 <a:ext uri="{FF2B5EF4-FFF2-40B4-BE49-F238E27FC236}">
-                  <a16:creationId xmlns="" xmlns:a16="http://schemas.microsoft.com/office/drawing/2014/main" id="{B0F7DC8C-D286-405D-BCD1-3B2980649D74}"/>
+                  <a16:creationId xmlns:a16="http://schemas.microsoft.com/office/drawing/2014/main" xmlns="" id="{B0F7DC8C-D286-405D-BCD1-3B2980649D74}"/>
                 </a:ext>
               </a:extLst>
             </p:cNvPr>
@@ -26621,7 +30450,7 @@
             <p:cNvPr id="168" name="Straight Connector 167">
               <a:extLst>
                 <a:ext uri="{FF2B5EF4-FFF2-40B4-BE49-F238E27FC236}">
-                  <a16:creationId xmlns="" xmlns:a16="http://schemas.microsoft.com/office/drawing/2014/main" id="{BBCFE525-2B87-4315-8BCB-8DAF19C732E7}"/>
+                  <a16:creationId xmlns:a16="http://schemas.microsoft.com/office/drawing/2014/main" xmlns="" id="{BBCFE525-2B87-4315-8BCB-8DAF19C732E7}"/>
                 </a:ext>
               </a:extLst>
             </p:cNvPr>
@@ -26669,7 +30498,7 @@
             <p:cNvPr id="169" name="Straight Connector 168">
               <a:extLst>
                 <a:ext uri="{FF2B5EF4-FFF2-40B4-BE49-F238E27FC236}">
-                  <a16:creationId xmlns="" xmlns:a16="http://schemas.microsoft.com/office/drawing/2014/main" id="{5C6476B1-7DDE-4297-89A9-056A99F9D30A}"/>
+                  <a16:creationId xmlns:a16="http://schemas.microsoft.com/office/drawing/2014/main" xmlns="" id="{5C6476B1-7DDE-4297-89A9-056A99F9D30A}"/>
                 </a:ext>
               </a:extLst>
             </p:cNvPr>
@@ -26716,7 +30545,7 @@
             <p:cNvPr id="170" name="Straight Connector 169">
               <a:extLst>
                 <a:ext uri="{FF2B5EF4-FFF2-40B4-BE49-F238E27FC236}">
-                  <a16:creationId xmlns="" xmlns:a16="http://schemas.microsoft.com/office/drawing/2014/main" id="{ED3CD5FC-03C8-45D5-8309-4449E2DC8E7F}"/>
+                  <a16:creationId xmlns:a16="http://schemas.microsoft.com/office/drawing/2014/main" xmlns="" id="{ED3CD5FC-03C8-45D5-8309-4449E2DC8E7F}"/>
                 </a:ext>
               </a:extLst>
             </p:cNvPr>
@@ -26764,7 +30593,7 @@
             <p:cNvPr id="171" name="Straight Connector 170">
               <a:extLst>
                 <a:ext uri="{FF2B5EF4-FFF2-40B4-BE49-F238E27FC236}">
-                  <a16:creationId xmlns="" xmlns:a16="http://schemas.microsoft.com/office/drawing/2014/main" id="{21B08651-B039-4782-9DEA-F196FEDB7BC5}"/>
+                  <a16:creationId xmlns:a16="http://schemas.microsoft.com/office/drawing/2014/main" xmlns="" id="{21B08651-B039-4782-9DEA-F196FEDB7BC5}"/>
                 </a:ext>
               </a:extLst>
             </p:cNvPr>
@@ -26812,7 +30641,7 @@
             <p:cNvPr id="172" name="Straight Connector 171">
               <a:extLst>
                 <a:ext uri="{FF2B5EF4-FFF2-40B4-BE49-F238E27FC236}">
-                  <a16:creationId xmlns="" xmlns:a16="http://schemas.microsoft.com/office/drawing/2014/main" id="{4CF1415B-B410-49A8-948A-A7A51B9072F0}"/>
+                  <a16:creationId xmlns:a16="http://schemas.microsoft.com/office/drawing/2014/main" xmlns="" id="{4CF1415B-B410-49A8-948A-A7A51B9072F0}"/>
                 </a:ext>
               </a:extLst>
             </p:cNvPr>
@@ -26860,7 +30689,7 @@
             <p:cNvPr id="173" name="Straight Connector 172">
               <a:extLst>
                 <a:ext uri="{FF2B5EF4-FFF2-40B4-BE49-F238E27FC236}">
-                  <a16:creationId xmlns="" xmlns:a16="http://schemas.microsoft.com/office/drawing/2014/main" id="{33E0C3E6-A235-471D-A1B3-591C622C5E5A}"/>
+                  <a16:creationId xmlns:a16="http://schemas.microsoft.com/office/drawing/2014/main" xmlns="" id="{33E0C3E6-A235-471D-A1B3-591C622C5E5A}"/>
                 </a:ext>
               </a:extLst>
             </p:cNvPr>
@@ -26907,7 +30736,7 @@
             <p:cNvPr id="174" name="Straight Connector 173">
               <a:extLst>
                 <a:ext uri="{FF2B5EF4-FFF2-40B4-BE49-F238E27FC236}">
-                  <a16:creationId xmlns="" xmlns:a16="http://schemas.microsoft.com/office/drawing/2014/main" id="{E131013C-402D-4E7E-AF11-8610E3A4E51B}"/>
+                  <a16:creationId xmlns:a16="http://schemas.microsoft.com/office/drawing/2014/main" xmlns="" id="{E131013C-402D-4E7E-AF11-8610E3A4E51B}"/>
                 </a:ext>
               </a:extLst>
             </p:cNvPr>
@@ -26955,7 +30784,7 @@
             <p:cNvPr id="175" name="Straight Connector 174">
               <a:extLst>
                 <a:ext uri="{FF2B5EF4-FFF2-40B4-BE49-F238E27FC236}">
-                  <a16:creationId xmlns="" xmlns:a16="http://schemas.microsoft.com/office/drawing/2014/main" id="{4A4ADD74-65B5-4E5B-B584-0D4E631840A2}"/>
+                  <a16:creationId xmlns:a16="http://schemas.microsoft.com/office/drawing/2014/main" xmlns="" id="{4A4ADD74-65B5-4E5B-B584-0D4E631840A2}"/>
                 </a:ext>
               </a:extLst>
             </p:cNvPr>
@@ -27003,7 +30832,7 @@
             <p:cNvPr id="176" name="Straight Connector 175">
               <a:extLst>
                 <a:ext uri="{FF2B5EF4-FFF2-40B4-BE49-F238E27FC236}">
-                  <a16:creationId xmlns="" xmlns:a16="http://schemas.microsoft.com/office/drawing/2014/main" id="{3B02ADA0-EDA9-4242-A237-2EB77593412A}"/>
+                  <a16:creationId xmlns:a16="http://schemas.microsoft.com/office/drawing/2014/main" xmlns="" id="{3B02ADA0-EDA9-4242-A237-2EB77593412A}"/>
                 </a:ext>
               </a:extLst>
             </p:cNvPr>
@@ -27051,7 +30880,7 @@
             <p:cNvPr id="177" name="Straight Connector 176">
               <a:extLst>
                 <a:ext uri="{FF2B5EF4-FFF2-40B4-BE49-F238E27FC236}">
-                  <a16:creationId xmlns="" xmlns:a16="http://schemas.microsoft.com/office/drawing/2014/main" id="{98FAA103-A03F-483B-A8C2-02D377F9478C}"/>
+                  <a16:creationId xmlns:a16="http://schemas.microsoft.com/office/drawing/2014/main" xmlns="" id="{98FAA103-A03F-483B-A8C2-02D377F9478C}"/>
                 </a:ext>
               </a:extLst>
             </p:cNvPr>
@@ -27099,7 +30928,7 @@
             <p:cNvPr id="178" name="Straight Connector 177">
               <a:extLst>
                 <a:ext uri="{FF2B5EF4-FFF2-40B4-BE49-F238E27FC236}">
-                  <a16:creationId xmlns="" xmlns:a16="http://schemas.microsoft.com/office/drawing/2014/main" id="{59A155A8-9BA2-478B-BF3C-FDCBF42F2FCA}"/>
+                  <a16:creationId xmlns:a16="http://schemas.microsoft.com/office/drawing/2014/main" xmlns="" id="{59A155A8-9BA2-478B-BF3C-FDCBF42F2FCA}"/>
                 </a:ext>
               </a:extLst>
             </p:cNvPr>
@@ -27147,7 +30976,7 @@
             <p:cNvPr id="179" name="Straight Connector 178">
               <a:extLst>
                 <a:ext uri="{FF2B5EF4-FFF2-40B4-BE49-F238E27FC236}">
-                  <a16:creationId xmlns="" xmlns:a16="http://schemas.microsoft.com/office/drawing/2014/main" id="{C3D96F16-826A-4CA1-9001-1C1A5FE7682E}"/>
+                  <a16:creationId xmlns:a16="http://schemas.microsoft.com/office/drawing/2014/main" xmlns="" id="{C3D96F16-826A-4CA1-9001-1C1A5FE7682E}"/>
                 </a:ext>
               </a:extLst>
             </p:cNvPr>
@@ -27195,7 +31024,7 @@
             <p:cNvPr id="180" name="Straight Connector 179">
               <a:extLst>
                 <a:ext uri="{FF2B5EF4-FFF2-40B4-BE49-F238E27FC236}">
-                  <a16:creationId xmlns="" xmlns:a16="http://schemas.microsoft.com/office/drawing/2014/main" id="{E10A8AD3-D413-4513-8B78-6FCC483405F7}"/>
+                  <a16:creationId xmlns:a16="http://schemas.microsoft.com/office/drawing/2014/main" xmlns="" id="{E10A8AD3-D413-4513-8B78-6FCC483405F7}"/>
                 </a:ext>
               </a:extLst>
             </p:cNvPr>
@@ -27243,7 +31072,7 @@
             <p:cNvPr id="181" name="Straight Connector 180">
               <a:extLst>
                 <a:ext uri="{FF2B5EF4-FFF2-40B4-BE49-F238E27FC236}">
-                  <a16:creationId xmlns="" xmlns:a16="http://schemas.microsoft.com/office/drawing/2014/main" id="{A5B2AAD1-0A07-40A8-81EB-C51DDFDFE59C}"/>
+                  <a16:creationId xmlns:a16="http://schemas.microsoft.com/office/drawing/2014/main" xmlns="" id="{A5B2AAD1-0A07-40A8-81EB-C51DDFDFE59C}"/>
                 </a:ext>
               </a:extLst>
             </p:cNvPr>
@@ -27290,7 +31119,7 @@
             <p:cNvPr id="182" name="Oval 181">
               <a:extLst>
                 <a:ext uri="{FF2B5EF4-FFF2-40B4-BE49-F238E27FC236}">
-                  <a16:creationId xmlns="" xmlns:a16="http://schemas.microsoft.com/office/drawing/2014/main" id="{4E31A65C-EDEC-42C4-9417-D67A62525378}"/>
+                  <a16:creationId xmlns:a16="http://schemas.microsoft.com/office/drawing/2014/main" xmlns="" id="{4E31A65C-EDEC-42C4-9417-D67A62525378}"/>
                 </a:ext>
               </a:extLst>
             </p:cNvPr>
@@ -27344,7 +31173,7 @@
             <p:cNvPr id="183" name="Oval 182">
               <a:extLst>
                 <a:ext uri="{FF2B5EF4-FFF2-40B4-BE49-F238E27FC236}">
-                  <a16:creationId xmlns="" xmlns:a16="http://schemas.microsoft.com/office/drawing/2014/main" id="{8DDF3B5F-0610-4C1D-BC39-9972618B657E}"/>
+                  <a16:creationId xmlns:a16="http://schemas.microsoft.com/office/drawing/2014/main" xmlns="" id="{8DDF3B5F-0610-4C1D-BC39-9972618B657E}"/>
                 </a:ext>
               </a:extLst>
             </p:cNvPr>
@@ -27398,7 +31227,7 @@
             <p:cNvPr id="184" name="Oval 183">
               <a:extLst>
                 <a:ext uri="{FF2B5EF4-FFF2-40B4-BE49-F238E27FC236}">
-                  <a16:creationId xmlns="" xmlns:a16="http://schemas.microsoft.com/office/drawing/2014/main" id="{1956FE60-41C8-4525-A6E1-A25A3B858D9A}"/>
+                  <a16:creationId xmlns:a16="http://schemas.microsoft.com/office/drawing/2014/main" xmlns="" id="{1956FE60-41C8-4525-A6E1-A25A3B858D9A}"/>
                 </a:ext>
               </a:extLst>
             </p:cNvPr>
@@ -27452,7 +31281,7 @@
             <p:cNvPr id="185" name="Oval 184">
               <a:extLst>
                 <a:ext uri="{FF2B5EF4-FFF2-40B4-BE49-F238E27FC236}">
-                  <a16:creationId xmlns="" xmlns:a16="http://schemas.microsoft.com/office/drawing/2014/main" id="{F89E9125-FCE6-45F6-889A-F4214FA6C97A}"/>
+                  <a16:creationId xmlns:a16="http://schemas.microsoft.com/office/drawing/2014/main" xmlns="" id="{F89E9125-FCE6-45F6-889A-F4214FA6C97A}"/>
                 </a:ext>
               </a:extLst>
             </p:cNvPr>
@@ -27508,7 +31337,7 @@
             <p:cNvPr id="186" name="Oval 185">
               <a:extLst>
                 <a:ext uri="{FF2B5EF4-FFF2-40B4-BE49-F238E27FC236}">
-                  <a16:creationId xmlns="" xmlns:a16="http://schemas.microsoft.com/office/drawing/2014/main" id="{C1A4CD43-1EB0-4505-AFE3-A0804CF99DED}"/>
+                  <a16:creationId xmlns:a16="http://schemas.microsoft.com/office/drawing/2014/main" xmlns="" id="{C1A4CD43-1EB0-4505-AFE3-A0804CF99DED}"/>
                 </a:ext>
               </a:extLst>
             </p:cNvPr>
@@ -27564,7 +31393,7 @@
             <p:cNvPr id="187" name="Oval 186">
               <a:extLst>
                 <a:ext uri="{FF2B5EF4-FFF2-40B4-BE49-F238E27FC236}">
-                  <a16:creationId xmlns="" xmlns:a16="http://schemas.microsoft.com/office/drawing/2014/main" id="{0866670F-4A2D-4683-9CFD-68E415E11DBE}"/>
+                  <a16:creationId xmlns:a16="http://schemas.microsoft.com/office/drawing/2014/main" xmlns="" id="{0866670F-4A2D-4683-9CFD-68E415E11DBE}"/>
                 </a:ext>
               </a:extLst>
             </p:cNvPr>
@@ -27620,7 +31449,7 @@
             <p:cNvPr id="188" name="Oval 187">
               <a:extLst>
                 <a:ext uri="{FF2B5EF4-FFF2-40B4-BE49-F238E27FC236}">
-                  <a16:creationId xmlns="" xmlns:a16="http://schemas.microsoft.com/office/drawing/2014/main" id="{134702E5-52D2-43DD-B14F-D8D4F9A18C47}"/>
+                  <a16:creationId xmlns:a16="http://schemas.microsoft.com/office/drawing/2014/main" xmlns="" id="{134702E5-52D2-43DD-B14F-D8D4F9A18C47}"/>
                 </a:ext>
               </a:extLst>
             </p:cNvPr>
@@ -27676,7 +31505,7 @@
             <p:cNvPr id="189" name="Straight Connector 188">
               <a:extLst>
                 <a:ext uri="{FF2B5EF4-FFF2-40B4-BE49-F238E27FC236}">
-                  <a16:creationId xmlns="" xmlns:a16="http://schemas.microsoft.com/office/drawing/2014/main" id="{754ED39E-C29A-4E22-929F-390D51657687}"/>
+                  <a16:creationId xmlns:a16="http://schemas.microsoft.com/office/drawing/2014/main" xmlns="" id="{754ED39E-C29A-4E22-929F-390D51657687}"/>
                 </a:ext>
               </a:extLst>
             </p:cNvPr>
@@ -27723,7 +31552,7 @@
             <p:cNvPr id="190" name="Straight Connector 189">
               <a:extLst>
                 <a:ext uri="{FF2B5EF4-FFF2-40B4-BE49-F238E27FC236}">
-                  <a16:creationId xmlns="" xmlns:a16="http://schemas.microsoft.com/office/drawing/2014/main" id="{87AB2D6A-D21C-45AD-B82B-7901F6629DBD}"/>
+                  <a16:creationId xmlns:a16="http://schemas.microsoft.com/office/drawing/2014/main" xmlns="" id="{87AB2D6A-D21C-45AD-B82B-7901F6629DBD}"/>
                 </a:ext>
               </a:extLst>
             </p:cNvPr>
@@ -27771,7 +31600,7 @@
             <p:cNvPr id="191" name="Oval 190">
               <a:extLst>
                 <a:ext uri="{FF2B5EF4-FFF2-40B4-BE49-F238E27FC236}">
-                  <a16:creationId xmlns="" xmlns:a16="http://schemas.microsoft.com/office/drawing/2014/main" id="{5DF650AE-A324-4804-AAAD-E7CE834715AB}"/>
+                  <a16:creationId xmlns:a16="http://schemas.microsoft.com/office/drawing/2014/main" xmlns="" id="{5DF650AE-A324-4804-AAAD-E7CE834715AB}"/>
                 </a:ext>
               </a:extLst>
             </p:cNvPr>
@@ -27827,7 +31656,7 @@
             <p:cNvPr id="192" name="Straight Connector 191">
               <a:extLst>
                 <a:ext uri="{FF2B5EF4-FFF2-40B4-BE49-F238E27FC236}">
-                  <a16:creationId xmlns="" xmlns:a16="http://schemas.microsoft.com/office/drawing/2014/main" id="{DA85335F-E68B-4FCF-973E-C68A71EB0A62}"/>
+                  <a16:creationId xmlns:a16="http://schemas.microsoft.com/office/drawing/2014/main" xmlns="" id="{DA85335F-E68B-4FCF-973E-C68A71EB0A62}"/>
                 </a:ext>
               </a:extLst>
             </p:cNvPr>
@@ -27875,7 +31704,7 @@
             <p:cNvPr id="193" name="Straight Connector 192">
               <a:extLst>
                 <a:ext uri="{FF2B5EF4-FFF2-40B4-BE49-F238E27FC236}">
-                  <a16:creationId xmlns="" xmlns:a16="http://schemas.microsoft.com/office/drawing/2014/main" id="{BCEA5CB2-482B-421A-8AE0-7A0BBB2F5661}"/>
+                  <a16:creationId xmlns:a16="http://schemas.microsoft.com/office/drawing/2014/main" xmlns="" id="{BCEA5CB2-482B-421A-8AE0-7A0BBB2F5661}"/>
                 </a:ext>
               </a:extLst>
             </p:cNvPr>
@@ -27923,7 +31752,7 @@
             <p:cNvPr id="194" name="Straight Connector 193">
               <a:extLst>
                 <a:ext uri="{FF2B5EF4-FFF2-40B4-BE49-F238E27FC236}">
-                  <a16:creationId xmlns="" xmlns:a16="http://schemas.microsoft.com/office/drawing/2014/main" id="{2ADC1D77-B495-414C-94FB-E10EA33A0B54}"/>
+                  <a16:creationId xmlns:a16="http://schemas.microsoft.com/office/drawing/2014/main" xmlns="" id="{2ADC1D77-B495-414C-94FB-E10EA33A0B54}"/>
                 </a:ext>
               </a:extLst>
             </p:cNvPr>
@@ -27971,7 +31800,7 @@
             <p:cNvPr id="195" name="Straight Connector 194">
               <a:extLst>
                 <a:ext uri="{FF2B5EF4-FFF2-40B4-BE49-F238E27FC236}">
-                  <a16:creationId xmlns="" xmlns:a16="http://schemas.microsoft.com/office/drawing/2014/main" id="{1854D194-17AC-49AD-9A26-B23EA3008805}"/>
+                  <a16:creationId xmlns:a16="http://schemas.microsoft.com/office/drawing/2014/main" xmlns="" id="{1854D194-17AC-49AD-9A26-B23EA3008805}"/>
                 </a:ext>
               </a:extLst>
             </p:cNvPr>
@@ -28018,7 +31847,7 @@
             <p:cNvPr id="196" name="Chord 195">
               <a:extLst>
                 <a:ext uri="{FF2B5EF4-FFF2-40B4-BE49-F238E27FC236}">
-                  <a16:creationId xmlns="" xmlns:a16="http://schemas.microsoft.com/office/drawing/2014/main" id="{CA34B809-524B-4D3B-9F39-7AE4179609DD}"/>
+                  <a16:creationId xmlns:a16="http://schemas.microsoft.com/office/drawing/2014/main" xmlns="" id="{CA34B809-524B-4D3B-9F39-7AE4179609DD}"/>
                 </a:ext>
               </a:extLst>
             </p:cNvPr>
@@ -28077,7 +31906,7 @@
             <p:cNvPr id="197" name="Straight Connector 196">
               <a:extLst>
                 <a:ext uri="{FF2B5EF4-FFF2-40B4-BE49-F238E27FC236}">
-                  <a16:creationId xmlns="" xmlns:a16="http://schemas.microsoft.com/office/drawing/2014/main" id="{8DF30D01-7B97-48EA-AD30-2BCB2ED9E72F}"/>
+                  <a16:creationId xmlns:a16="http://schemas.microsoft.com/office/drawing/2014/main" xmlns="" id="{8DF30D01-7B97-48EA-AD30-2BCB2ED9E72F}"/>
                 </a:ext>
               </a:extLst>
             </p:cNvPr>
@@ -28124,7 +31953,7 @@
             <p:cNvPr id="198" name="Straight Connector 197">
               <a:extLst>
                 <a:ext uri="{FF2B5EF4-FFF2-40B4-BE49-F238E27FC236}">
-                  <a16:creationId xmlns="" xmlns:a16="http://schemas.microsoft.com/office/drawing/2014/main" id="{8D9AEE54-631C-4F71-BC5D-BE9FD5B00DAF}"/>
+                  <a16:creationId xmlns:a16="http://schemas.microsoft.com/office/drawing/2014/main" xmlns="" id="{8D9AEE54-631C-4F71-BC5D-BE9FD5B00DAF}"/>
                 </a:ext>
               </a:extLst>
             </p:cNvPr>
@@ -28172,7 +32001,7 @@
             <p:cNvPr id="199" name="Straight Connector 198">
               <a:extLst>
                 <a:ext uri="{FF2B5EF4-FFF2-40B4-BE49-F238E27FC236}">
-                  <a16:creationId xmlns="" xmlns:a16="http://schemas.microsoft.com/office/drawing/2014/main" id="{0C00A23A-2A57-481F-9F19-017D46E739EF}"/>
+                  <a16:creationId xmlns:a16="http://schemas.microsoft.com/office/drawing/2014/main" xmlns="" id="{0C00A23A-2A57-481F-9F19-017D46E739EF}"/>
                 </a:ext>
               </a:extLst>
             </p:cNvPr>
@@ -28220,7 +32049,7 @@
             <p:cNvPr id="200" name="Straight Connector 199">
               <a:extLst>
                 <a:ext uri="{FF2B5EF4-FFF2-40B4-BE49-F238E27FC236}">
-                  <a16:creationId xmlns="" xmlns:a16="http://schemas.microsoft.com/office/drawing/2014/main" id="{692E2763-249A-40E7-9DD6-7131B5196B24}"/>
+                  <a16:creationId xmlns:a16="http://schemas.microsoft.com/office/drawing/2014/main" xmlns="" id="{692E2763-249A-40E7-9DD6-7131B5196B24}"/>
                 </a:ext>
               </a:extLst>
             </p:cNvPr>
@@ -28268,7 +32097,7 @@
             <p:cNvPr id="201" name="Straight Connector 200">
               <a:extLst>
                 <a:ext uri="{FF2B5EF4-FFF2-40B4-BE49-F238E27FC236}">
-                  <a16:creationId xmlns="" xmlns:a16="http://schemas.microsoft.com/office/drawing/2014/main" id="{F13D546A-B38D-4DB1-B353-96DE0927BA0A}"/>
+                  <a16:creationId xmlns:a16="http://schemas.microsoft.com/office/drawing/2014/main" xmlns="" id="{F13D546A-B38D-4DB1-B353-96DE0927BA0A}"/>
                 </a:ext>
               </a:extLst>
             </p:cNvPr>
@@ -28316,7 +32145,7 @@
             <p:cNvPr id="202" name="Straight Connector 201">
               <a:extLst>
                 <a:ext uri="{FF2B5EF4-FFF2-40B4-BE49-F238E27FC236}">
-                  <a16:creationId xmlns="" xmlns:a16="http://schemas.microsoft.com/office/drawing/2014/main" id="{BF110F7D-356C-4B8A-A626-761925A8B9D3}"/>
+                  <a16:creationId xmlns:a16="http://schemas.microsoft.com/office/drawing/2014/main" xmlns="" id="{BF110F7D-356C-4B8A-A626-761925A8B9D3}"/>
                 </a:ext>
               </a:extLst>
             </p:cNvPr>
@@ -28364,7 +32193,7 @@
             <p:cNvPr id="203" name="Straight Connector 202">
               <a:extLst>
                 <a:ext uri="{FF2B5EF4-FFF2-40B4-BE49-F238E27FC236}">
-                  <a16:creationId xmlns="" xmlns:a16="http://schemas.microsoft.com/office/drawing/2014/main" id="{56A4A436-F633-43ED-A67A-6E008AE445F4}"/>
+                  <a16:creationId xmlns:a16="http://schemas.microsoft.com/office/drawing/2014/main" xmlns="" id="{56A4A436-F633-43ED-A67A-6E008AE445F4}"/>
                 </a:ext>
               </a:extLst>
             </p:cNvPr>
@@ -28412,7 +32241,7 @@
             <p:cNvPr id="204" name="Straight Connector 203">
               <a:extLst>
                 <a:ext uri="{FF2B5EF4-FFF2-40B4-BE49-F238E27FC236}">
-                  <a16:creationId xmlns="" xmlns:a16="http://schemas.microsoft.com/office/drawing/2014/main" id="{E970A69B-B0FF-49E7-AF8C-CDC55A3846FE}"/>
+                  <a16:creationId xmlns:a16="http://schemas.microsoft.com/office/drawing/2014/main" xmlns="" id="{E970A69B-B0FF-49E7-AF8C-CDC55A3846FE}"/>
                 </a:ext>
               </a:extLst>
             </p:cNvPr>
@@ -28460,7 +32289,7 @@
             <p:cNvPr id="205" name="Straight Connector 204">
               <a:extLst>
                 <a:ext uri="{FF2B5EF4-FFF2-40B4-BE49-F238E27FC236}">
-                  <a16:creationId xmlns="" xmlns:a16="http://schemas.microsoft.com/office/drawing/2014/main" id="{B165BDAF-BB77-4A59-886B-B54857AAB3D9}"/>
+                  <a16:creationId xmlns:a16="http://schemas.microsoft.com/office/drawing/2014/main" xmlns="" id="{B165BDAF-BB77-4A59-886B-B54857AAB3D9}"/>
                 </a:ext>
               </a:extLst>
             </p:cNvPr>
@@ -28508,7 +32337,7 @@
             <p:cNvPr id="206" name="Straight Connector 205">
               <a:extLst>
                 <a:ext uri="{FF2B5EF4-FFF2-40B4-BE49-F238E27FC236}">
-                  <a16:creationId xmlns="" xmlns:a16="http://schemas.microsoft.com/office/drawing/2014/main" id="{1B05A21C-4569-4482-8CF4-87314D2D4C37}"/>
+                  <a16:creationId xmlns:a16="http://schemas.microsoft.com/office/drawing/2014/main" xmlns="" id="{1B05A21C-4569-4482-8CF4-87314D2D4C37}"/>
                 </a:ext>
               </a:extLst>
             </p:cNvPr>
@@ -28556,7 +32385,7 @@
             <p:cNvPr id="207" name="Straight Connector 206">
               <a:extLst>
                 <a:ext uri="{FF2B5EF4-FFF2-40B4-BE49-F238E27FC236}">
-                  <a16:creationId xmlns="" xmlns:a16="http://schemas.microsoft.com/office/drawing/2014/main" id="{A17D20A8-6B73-4115-8E58-81665266507D}"/>
+                  <a16:creationId xmlns:a16="http://schemas.microsoft.com/office/drawing/2014/main" xmlns="" id="{A17D20A8-6B73-4115-8E58-81665266507D}"/>
                 </a:ext>
               </a:extLst>
             </p:cNvPr>
@@ -28604,7 +32433,7 @@
             <p:cNvPr id="208" name="Straight Connector 207">
               <a:extLst>
                 <a:ext uri="{FF2B5EF4-FFF2-40B4-BE49-F238E27FC236}">
-                  <a16:creationId xmlns="" xmlns:a16="http://schemas.microsoft.com/office/drawing/2014/main" id="{D0B6502E-7684-460D-AB86-9F0E5167C03F}"/>
+                  <a16:creationId xmlns:a16="http://schemas.microsoft.com/office/drawing/2014/main" xmlns="" id="{D0B6502E-7684-460D-AB86-9F0E5167C03F}"/>
                 </a:ext>
               </a:extLst>
             </p:cNvPr>
@@ -28652,7 +32481,7 @@
             <p:cNvPr id="209" name="Straight Connector 208">
               <a:extLst>
                 <a:ext uri="{FF2B5EF4-FFF2-40B4-BE49-F238E27FC236}">
-                  <a16:creationId xmlns="" xmlns:a16="http://schemas.microsoft.com/office/drawing/2014/main" id="{DA18729E-555C-4FDA-B3AA-4A04A2779A38}"/>
+                  <a16:creationId xmlns:a16="http://schemas.microsoft.com/office/drawing/2014/main" xmlns="" id="{DA18729E-555C-4FDA-B3AA-4A04A2779A38}"/>
                 </a:ext>
               </a:extLst>
             </p:cNvPr>
@@ -28700,7 +32529,7 @@
             <p:cNvPr id="210" name="Straight Connector 209">
               <a:extLst>
                 <a:ext uri="{FF2B5EF4-FFF2-40B4-BE49-F238E27FC236}">
-                  <a16:creationId xmlns="" xmlns:a16="http://schemas.microsoft.com/office/drawing/2014/main" id="{24AF831C-6204-4D1B-8064-1F030951D66D}"/>
+                  <a16:creationId xmlns:a16="http://schemas.microsoft.com/office/drawing/2014/main" xmlns="" id="{24AF831C-6204-4D1B-8064-1F030951D66D}"/>
                 </a:ext>
               </a:extLst>
             </p:cNvPr>
@@ -28748,7 +32577,7 @@
             <p:cNvPr id="211" name="Straight Connector 210">
               <a:extLst>
                 <a:ext uri="{FF2B5EF4-FFF2-40B4-BE49-F238E27FC236}">
-                  <a16:creationId xmlns="" xmlns:a16="http://schemas.microsoft.com/office/drawing/2014/main" id="{0D514801-3856-4ABA-BEAB-739730774461}"/>
+                  <a16:creationId xmlns:a16="http://schemas.microsoft.com/office/drawing/2014/main" xmlns="" id="{0D514801-3856-4ABA-BEAB-739730774461}"/>
                 </a:ext>
               </a:extLst>
             </p:cNvPr>
@@ -28796,7 +32625,7 @@
             <p:cNvPr id="212" name="Straight Connector 211">
               <a:extLst>
                 <a:ext uri="{FF2B5EF4-FFF2-40B4-BE49-F238E27FC236}">
-                  <a16:creationId xmlns="" xmlns:a16="http://schemas.microsoft.com/office/drawing/2014/main" id="{8BF4AA65-C7D4-4A82-8ED3-1ADEFDD9D159}"/>
+                  <a16:creationId xmlns:a16="http://schemas.microsoft.com/office/drawing/2014/main" xmlns="" id="{8BF4AA65-C7D4-4A82-8ED3-1ADEFDD9D159}"/>
                 </a:ext>
               </a:extLst>
             </p:cNvPr>
@@ -28844,7 +32673,7 @@
             <p:cNvPr id="213" name="Oval 212">
               <a:extLst>
                 <a:ext uri="{FF2B5EF4-FFF2-40B4-BE49-F238E27FC236}">
-                  <a16:creationId xmlns="" xmlns:a16="http://schemas.microsoft.com/office/drawing/2014/main" id="{06DC0826-2E06-4367-BA4F-D6BB47448C56}"/>
+                  <a16:creationId xmlns:a16="http://schemas.microsoft.com/office/drawing/2014/main" xmlns="" id="{06DC0826-2E06-4367-BA4F-D6BB47448C56}"/>
                 </a:ext>
               </a:extLst>
             </p:cNvPr>
@@ -28898,7 +32727,7 @@
             <p:cNvPr id="214" name="Oval 213">
               <a:extLst>
                 <a:ext uri="{FF2B5EF4-FFF2-40B4-BE49-F238E27FC236}">
-                  <a16:creationId xmlns="" xmlns:a16="http://schemas.microsoft.com/office/drawing/2014/main" id="{D272245F-B68B-4C8F-872E-D1382716775F}"/>
+                  <a16:creationId xmlns:a16="http://schemas.microsoft.com/office/drawing/2014/main" xmlns="" id="{D272245F-B68B-4C8F-872E-D1382716775F}"/>
                 </a:ext>
               </a:extLst>
             </p:cNvPr>
@@ -28952,7 +32781,7 @@
             <p:cNvPr id="215" name="Oval 214">
               <a:extLst>
                 <a:ext uri="{FF2B5EF4-FFF2-40B4-BE49-F238E27FC236}">
-                  <a16:creationId xmlns="" xmlns:a16="http://schemas.microsoft.com/office/drawing/2014/main" id="{E03EFA70-43EA-4925-82A2-C7560E27FDC6}"/>
+                  <a16:creationId xmlns:a16="http://schemas.microsoft.com/office/drawing/2014/main" xmlns="" id="{E03EFA70-43EA-4925-82A2-C7560E27FDC6}"/>
                 </a:ext>
               </a:extLst>
             </p:cNvPr>
@@ -29008,7 +32837,7 @@
             <p:cNvPr id="216" name="Straight Connector 215">
               <a:extLst>
                 <a:ext uri="{FF2B5EF4-FFF2-40B4-BE49-F238E27FC236}">
-                  <a16:creationId xmlns="" xmlns:a16="http://schemas.microsoft.com/office/drawing/2014/main" id="{D1704DC9-A2FE-46DF-A33D-2C5B0B62822C}"/>
+                  <a16:creationId xmlns:a16="http://schemas.microsoft.com/office/drawing/2014/main" xmlns="" id="{D1704DC9-A2FE-46DF-A33D-2C5B0B62822C}"/>
                 </a:ext>
               </a:extLst>
             </p:cNvPr>
@@ -29056,7 +32885,7 @@
             <p:cNvPr id="217" name="Straight Connector 216">
               <a:extLst>
                 <a:ext uri="{FF2B5EF4-FFF2-40B4-BE49-F238E27FC236}">
-                  <a16:creationId xmlns="" xmlns:a16="http://schemas.microsoft.com/office/drawing/2014/main" id="{A4B7AD97-C8C7-4DBA-B251-B090D2591095}"/>
+                  <a16:creationId xmlns:a16="http://schemas.microsoft.com/office/drawing/2014/main" xmlns="" id="{A4B7AD97-C8C7-4DBA-B251-B090D2591095}"/>
                 </a:ext>
               </a:extLst>
             </p:cNvPr>
@@ -29104,7 +32933,7 @@
           <p:cNvPr id="3" name="Text Placeholder 9">
             <a:extLst>
               <a:ext uri="{FF2B5EF4-FFF2-40B4-BE49-F238E27FC236}">
-                <a16:creationId xmlns="" xmlns:a16="http://schemas.microsoft.com/office/drawing/2014/main" id="{EF70765A-4598-4D75-8EBE-B820808F6559}"/>
+                <a16:creationId xmlns:a16="http://schemas.microsoft.com/office/drawing/2014/main" xmlns="" id="{EF70765A-4598-4D75-8EBE-B820808F6559}"/>
               </a:ext>
             </a:extLst>
           </p:cNvPr>
@@ -29152,7 +32981,7 @@
           <p:cNvPr id="223" name="Picture Placeholder 2">
             <a:extLst>
               <a:ext uri="{FF2B5EF4-FFF2-40B4-BE49-F238E27FC236}">
-                <a16:creationId xmlns="" xmlns:a16="http://schemas.microsoft.com/office/drawing/2014/main" id="{A12E6587-F03D-4C57-AAFE-4763BFD9192E}"/>
+                <a16:creationId xmlns:a16="http://schemas.microsoft.com/office/drawing/2014/main" xmlns="" id="{A12E6587-F03D-4C57-AAFE-4763BFD9192E}"/>
               </a:ext>
             </a:extLst>
           </p:cNvPr>
@@ -29245,7 +33074,7 @@
           <p:cNvPr id="224" name="Picture Placeholder 2">
             <a:extLst>
               <a:ext uri="{FF2B5EF4-FFF2-40B4-BE49-F238E27FC236}">
-                <a16:creationId xmlns="" xmlns:a16="http://schemas.microsoft.com/office/drawing/2014/main" id="{A202D3EE-B2AB-497C-838C-AE327E69D39A}"/>
+                <a16:creationId xmlns:a16="http://schemas.microsoft.com/office/drawing/2014/main" xmlns="" id="{A202D3EE-B2AB-497C-838C-AE327E69D39A}"/>
               </a:ext>
             </a:extLst>
           </p:cNvPr>
@@ -29338,7 +33167,7 @@
           <p:cNvPr id="225" name="Picture Placeholder 2">
             <a:extLst>
               <a:ext uri="{FF2B5EF4-FFF2-40B4-BE49-F238E27FC236}">
-                <a16:creationId xmlns="" xmlns:a16="http://schemas.microsoft.com/office/drawing/2014/main" id="{9DF5AD96-04D7-4C76-AF28-774C3C834F7B}"/>
+                <a16:creationId xmlns:a16="http://schemas.microsoft.com/office/drawing/2014/main" xmlns="" id="{9DF5AD96-04D7-4C76-AF28-774C3C834F7B}"/>
               </a:ext>
             </a:extLst>
           </p:cNvPr>
@@ -29431,7 +33260,7 @@
           <p:cNvPr id="226" name="Picture Placeholder 2">
             <a:extLst>
               <a:ext uri="{FF2B5EF4-FFF2-40B4-BE49-F238E27FC236}">
-                <a16:creationId xmlns="" xmlns:a16="http://schemas.microsoft.com/office/drawing/2014/main" id="{3BC1DC84-BDCC-4285-BF2F-160995CFC167}"/>
+                <a16:creationId xmlns:a16="http://schemas.microsoft.com/office/drawing/2014/main" xmlns="" id="{3BC1DC84-BDCC-4285-BF2F-160995CFC167}"/>
               </a:ext>
             </a:extLst>
           </p:cNvPr>
@@ -37752,26 +41581,38 @@
               <a:buNone/>
             </a:pPr>
             <a:r>
-              <a:rPr lang="en-US" sz="2800" dirty="0"/>
+              <a:rPr lang="en-US" sz="2800" dirty="0">
+                <a:latin typeface="+mj-lt"/>
+              </a:rPr>
               <a:t>Nhóm </a:t>
             </a:r>
             <a:r>
-              <a:rPr lang="en-US" sz="2800" dirty="0" smtClean="0"/>
+              <a:rPr lang="en-US" sz="2800" dirty="0" smtClean="0">
+                <a:latin typeface="+mj-lt"/>
+              </a:rPr>
               <a:t>6: </a:t>
             </a:r>
             <a:r>
-              <a:rPr lang="en-US" sz="2800" dirty="0" err="1" smtClean="0"/>
+              <a:rPr lang="en-US" sz="2800" dirty="0" err="1" smtClean="0">
+                <a:latin typeface="+mj-lt"/>
+              </a:rPr>
               <a:t>Nguyễn</a:t>
             </a:r>
             <a:r>
-              <a:rPr lang="en-US" sz="2800" dirty="0" smtClean="0"/>
+              <a:rPr lang="en-US" sz="2800" dirty="0" smtClean="0">
+                <a:latin typeface="+mj-lt"/>
+              </a:rPr>
               <a:t> Văn </a:t>
             </a:r>
             <a:r>
-              <a:rPr lang="en-US" sz="2800" dirty="0" err="1" smtClean="0"/>
+              <a:rPr lang="en-US" sz="2800" dirty="0" err="1" smtClean="0">
+                <a:latin typeface="+mj-lt"/>
+              </a:rPr>
               <a:t>Ngọc</a:t>
             </a:r>
-            <a:endParaRPr lang="en-US" sz="2800" dirty="0" smtClean="0"/>
+            <a:endParaRPr lang="en-US" sz="2800" dirty="0" smtClean="0">
+              <a:latin typeface="+mj-lt"/>
+            </a:endParaRPr>
           </a:p>
           <a:p>
             <a:pPr marL="0" lvl="0" indent="0" algn="l" rtl="0">
@@ -37788,34 +41629,50 @@
               <a:buNone/>
             </a:pPr>
             <a:r>
-              <a:rPr lang="en-US" sz="2800" dirty="0"/>
+              <a:rPr lang="en-US" sz="2800" dirty="0">
+                <a:latin typeface="+mj-lt"/>
+              </a:rPr>
               <a:t> </a:t>
             </a:r>
             <a:r>
-              <a:rPr lang="en-US" sz="2800" dirty="0" smtClean="0"/>
+              <a:rPr lang="en-US" sz="2800" dirty="0" smtClean="0">
+                <a:latin typeface="+mj-lt"/>
+              </a:rPr>
               <a:t>               </a:t>
             </a:r>
             <a:r>
-              <a:rPr lang="en-US" sz="2800" dirty="0" err="1" smtClean="0"/>
+              <a:rPr lang="en-US" sz="2800" dirty="0" err="1" smtClean="0">
+                <a:latin typeface="+mj-lt"/>
+              </a:rPr>
               <a:t>Lê</a:t>
             </a:r>
             <a:r>
-              <a:rPr lang="en-US" sz="2800" dirty="0" smtClean="0"/>
+              <a:rPr lang="en-US" sz="2800" dirty="0" smtClean="0">
+                <a:latin typeface="+mj-lt"/>
+              </a:rPr>
               <a:t> </a:t>
             </a:r>
             <a:r>
-              <a:rPr lang="en-US" sz="2800" dirty="0" err="1" smtClean="0"/>
+              <a:rPr lang="en-US" sz="2800" dirty="0" err="1" smtClean="0">
+                <a:latin typeface="+mj-lt"/>
+              </a:rPr>
               <a:t>Xuân</a:t>
             </a:r>
             <a:r>
-              <a:rPr lang="en-US" sz="2800" dirty="0" smtClean="0"/>
+              <a:rPr lang="en-US" sz="2800" dirty="0" smtClean="0">
+                <a:latin typeface="+mj-lt"/>
+              </a:rPr>
               <a:t> </a:t>
             </a:r>
             <a:r>
-              <a:rPr lang="en-US" sz="2800" dirty="0" err="1" smtClean="0"/>
+              <a:rPr lang="en-US" sz="2800" dirty="0" err="1" smtClean="0">
+                <a:latin typeface="+mj-lt"/>
+              </a:rPr>
               <a:t>Hùng</a:t>
             </a:r>
-            <a:endParaRPr lang="en-US" sz="2800" dirty="0" smtClean="0"/>
+            <a:endParaRPr lang="en-US" sz="2800" dirty="0" smtClean="0">
+              <a:latin typeface="+mj-lt"/>
+            </a:endParaRPr>
           </a:p>
           <a:p>
             <a:pPr marL="0" lvl="0" indent="0" algn="l" rtl="0">
@@ -37832,26 +41689,38 @@
               <a:buNone/>
             </a:pPr>
             <a:r>
-              <a:rPr lang="en-US" sz="2800" dirty="0"/>
+              <a:rPr lang="en-US" sz="2800" dirty="0">
+                <a:latin typeface="+mj-lt"/>
+              </a:rPr>
               <a:t> </a:t>
             </a:r>
             <a:r>
-              <a:rPr lang="en-US" sz="2800" dirty="0" smtClean="0"/>
+              <a:rPr lang="en-US" sz="2800" dirty="0" smtClean="0">
+                <a:latin typeface="+mj-lt"/>
+              </a:rPr>
               <a:t>               Hoàng </a:t>
             </a:r>
             <a:r>
-              <a:rPr lang="en-US" sz="2800" dirty="0" err="1" smtClean="0"/>
+              <a:rPr lang="en-US" sz="2800" dirty="0" err="1" smtClean="0">
+                <a:latin typeface="+mj-lt"/>
+              </a:rPr>
               <a:t>Duy</a:t>
             </a:r>
             <a:r>
-              <a:rPr lang="en-US" sz="2800" dirty="0" smtClean="0"/>
+              <a:rPr lang="en-US" sz="2800" dirty="0" smtClean="0">
+                <a:latin typeface="+mj-lt"/>
+              </a:rPr>
               <a:t> </a:t>
             </a:r>
             <a:r>
-              <a:rPr lang="en-US" sz="2800" dirty="0" err="1" smtClean="0"/>
+              <a:rPr lang="en-US" sz="2800" dirty="0" err="1" smtClean="0">
+                <a:latin typeface="+mj-lt"/>
+              </a:rPr>
               <a:t>Khánh</a:t>
             </a:r>
-            <a:endParaRPr lang="en-US" sz="2800" dirty="0" smtClean="0"/>
+            <a:endParaRPr lang="en-US" sz="2800" dirty="0" smtClean="0">
+              <a:latin typeface="+mj-lt"/>
+            </a:endParaRPr>
           </a:p>
           <a:p>
             <a:pPr marL="0" lvl="0" indent="0" algn="l" rtl="0">
@@ -37868,19 +41737,27 @@
               <a:buNone/>
             </a:pPr>
             <a:r>
-              <a:rPr lang="en-US" sz="2800" dirty="0"/>
+              <a:rPr lang="en-US" sz="2800" dirty="0">
+                <a:latin typeface="+mj-lt"/>
+              </a:rPr>
               <a:t> </a:t>
             </a:r>
             <a:r>
-              <a:rPr lang="en-US" sz="2800" dirty="0" smtClean="0"/>
+              <a:rPr lang="en-US" sz="2800" dirty="0" smtClean="0">
+                <a:latin typeface="+mj-lt"/>
+              </a:rPr>
               <a:t>               </a:t>
             </a:r>
             <a:r>
-              <a:rPr lang="en-US" sz="2800" dirty="0" err="1" smtClean="0"/>
+              <a:rPr lang="en-US" sz="2800" dirty="0" err="1" smtClean="0">
+                <a:latin typeface="+mj-lt"/>
+              </a:rPr>
               <a:t>Nguyễn</a:t>
             </a:r>
             <a:r>
-              <a:rPr lang="en-US" sz="2800" dirty="0" smtClean="0"/>
+              <a:rPr lang="en-US" sz="2800" dirty="0" smtClean="0">
+                <a:latin typeface="+mj-lt"/>
+              </a:rPr>
               <a:t> Văn Kiên</a:t>
             </a:r>
           </a:p>
@@ -37899,34 +41776,50 @@
               <a:buNone/>
             </a:pPr>
             <a:r>
-              <a:rPr lang="en-US" sz="2800" dirty="0"/>
+              <a:rPr lang="en-US" sz="2800" dirty="0">
+                <a:latin typeface="+mj-lt"/>
+              </a:rPr>
               <a:t> </a:t>
             </a:r>
             <a:r>
-              <a:rPr lang="en-US" sz="2800" dirty="0" smtClean="0"/>
+              <a:rPr lang="en-US" sz="2800" dirty="0" smtClean="0">
+                <a:latin typeface="+mj-lt"/>
+              </a:rPr>
               <a:t>               </a:t>
             </a:r>
             <a:r>
-              <a:rPr lang="en-US" sz="2800" dirty="0" err="1" smtClean="0"/>
+              <a:rPr lang="en-US" sz="2800" dirty="0" err="1" smtClean="0">
+                <a:latin typeface="+mj-lt"/>
+              </a:rPr>
               <a:t>Nguyễn</a:t>
             </a:r>
             <a:r>
-              <a:rPr lang="en-US" sz="2800" dirty="0" smtClean="0"/>
+              <a:rPr lang="en-US" sz="2800" dirty="0" smtClean="0">
+                <a:latin typeface="+mj-lt"/>
+              </a:rPr>
               <a:t> </a:t>
             </a:r>
             <a:r>
-              <a:rPr lang="en-US" sz="2800" dirty="0" err="1" smtClean="0"/>
+              <a:rPr lang="en-US" sz="2800" dirty="0" err="1" smtClean="0">
+                <a:latin typeface="+mj-lt"/>
+              </a:rPr>
               <a:t>Công</a:t>
             </a:r>
             <a:r>
-              <a:rPr lang="en-US" sz="2800" dirty="0"/>
+              <a:rPr lang="en-US" sz="2800" dirty="0">
+                <a:latin typeface="+mj-lt"/>
+              </a:rPr>
               <a:t> </a:t>
             </a:r>
             <a:r>
-              <a:rPr lang="en-US" sz="2800" dirty="0" err="1" smtClean="0"/>
+              <a:rPr lang="en-US" sz="2800" dirty="0" err="1" smtClean="0">
+                <a:latin typeface="+mj-lt"/>
+              </a:rPr>
               <a:t>Đạt</a:t>
             </a:r>
-            <a:endParaRPr sz="2800" dirty="0"/>
+            <a:endParaRPr sz="2800" dirty="0">
+              <a:latin typeface="+mj-lt"/>
+            </a:endParaRPr>
           </a:p>
         </p:txBody>
       </p:sp>
@@ -43452,7 +47345,7 @@
           <p:cNvPr id="2" name="Text Placeholder 1">
             <a:extLst>
               <a:ext uri="{FF2B5EF4-FFF2-40B4-BE49-F238E27FC236}">
-                <a16:creationId xmlns="" xmlns:a16="http://schemas.microsoft.com/office/drawing/2014/main" id="{21BB3ACD-39D6-4B07-B165-F979837486AA}"/>
+                <a16:creationId xmlns:a16="http://schemas.microsoft.com/office/drawing/2014/main" xmlns="" id="{21BB3ACD-39D6-4B07-B165-F979837486AA}"/>
               </a:ext>
             </a:extLst>
           </p:cNvPr>
@@ -43512,7 +47405,7 @@
           <p:cNvPr id="4" name="Picture Placeholder 3">
             <a:extLst>
               <a:ext uri="{FF2B5EF4-FFF2-40B4-BE49-F238E27FC236}">
-                <a16:creationId xmlns="" xmlns:a16="http://schemas.microsoft.com/office/drawing/2014/main" id="{BBB2962E-A477-46E4-8E09-7C1A56948CC7}"/>
+                <a16:creationId xmlns:a16="http://schemas.microsoft.com/office/drawing/2014/main" xmlns="" id="{BBB2962E-A477-46E4-8E09-7C1A56948CC7}"/>
               </a:ext>
             </a:extLst>
           </p:cNvPr>
@@ -43530,7 +47423,7 @@
           <p:cNvPr id="6" name="Picture Placeholder 5">
             <a:extLst>
               <a:ext uri="{FF2B5EF4-FFF2-40B4-BE49-F238E27FC236}">
-                <a16:creationId xmlns="" xmlns:a16="http://schemas.microsoft.com/office/drawing/2014/main" id="{E3CE3150-8AFA-48F7-8B09-E93A0FB5BE01}"/>
+                <a16:creationId xmlns:a16="http://schemas.microsoft.com/office/drawing/2014/main" xmlns="" id="{E3CE3150-8AFA-48F7-8B09-E93A0FB5BE01}"/>
               </a:ext>
             </a:extLst>
           </p:cNvPr>
@@ -43548,7 +47441,7 @@
           <p:cNvPr id="8" name="Picture Placeholder 7">
             <a:extLst>
               <a:ext uri="{FF2B5EF4-FFF2-40B4-BE49-F238E27FC236}">
-                <a16:creationId xmlns="" xmlns:a16="http://schemas.microsoft.com/office/drawing/2014/main" id="{F6D9AC7B-F45F-4FB3-A923-715D1117B8DF}"/>
+                <a16:creationId xmlns:a16="http://schemas.microsoft.com/office/drawing/2014/main" xmlns="" id="{F6D9AC7B-F45F-4FB3-A923-715D1117B8DF}"/>
               </a:ext>
             </a:extLst>
           </p:cNvPr>
@@ -43566,7 +47459,7 @@
           <p:cNvPr id="10" name="Picture Placeholder 9">
             <a:extLst>
               <a:ext uri="{FF2B5EF4-FFF2-40B4-BE49-F238E27FC236}">
-                <a16:creationId xmlns="" xmlns:a16="http://schemas.microsoft.com/office/drawing/2014/main" id="{EFA933D6-109E-4C82-A625-5F1435EA1EA5}"/>
+                <a16:creationId xmlns:a16="http://schemas.microsoft.com/office/drawing/2014/main" xmlns="" id="{EFA933D6-109E-4C82-A625-5F1435EA1EA5}"/>
               </a:ext>
             </a:extLst>
           </p:cNvPr>
@@ -50280,7 +54173,7 @@
       </p:sp>
       <p:pic>
         <p:nvPicPr>
-          <p:cNvPr id="2054" name="Picture 6" descr="Toàn quốc: - [HN] Bán bảng gỗ tiện lợi: đính ảnh, lưu lời ghi chú ..."/>
+          <p:cNvPr id="1026" name="Picture 2"/>
           <p:cNvPicPr>
             <a:picLocks noChangeAspect="1" noChangeArrowheads="1"/>
           </p:cNvPicPr>
@@ -50301,20 +54194,43 @@
         </p:blipFill>
         <p:spPr bwMode="auto">
           <a:xfrm>
-            <a:off x="7070785" y="2103408"/>
-            <a:ext cx="1613139" cy="1372318"/>
+            <a:off x="7070784" y="2122817"/>
+            <a:ext cx="1613140" cy="1276709"/>
           </a:xfrm>
           <a:prstGeom prst="rect">
             <a:avLst/>
           </a:prstGeom>
           <a:noFill/>
+          <a:ln>
+            <a:noFill/>
+          </a:ln>
+          <a:effectLst/>
           <a:extLst>
             <a:ext uri="{909E8E84-426E-40DD-AFC4-6F175D3DCCD1}">
               <a14:hiddenFill xmlns:a14="http://schemas.microsoft.com/office/drawing/2010/main">
                 <a:solidFill>
-                  <a:srgbClr val="FFFFFF"/>
+                  <a:schemeClr val="accent1"/>
                 </a:solidFill>
               </a14:hiddenFill>
+            </a:ext>
+            <a:ext uri="{91240B29-F687-4F45-9708-019B960494DF}">
+              <a14:hiddenLine xmlns:a14="http://schemas.microsoft.com/office/drawing/2010/main" w="9525">
+                <a:solidFill>
+                  <a:schemeClr val="tx1"/>
+                </a:solidFill>
+                <a:miter lim="800000"/>
+                <a:headEnd/>
+                <a:tailEnd/>
+              </a14:hiddenLine>
+            </a:ext>
+            <a:ext uri="{AF507438-7753-43E0-B8FC-AC1667EBCBE1}">
+              <a14:hiddenEffects xmlns:a14="http://schemas.microsoft.com/office/drawing/2010/main">
+                <a:effectLst>
+                  <a:outerShdw dist="35921" dir="2700000" algn="ctr" rotWithShape="0">
+                    <a:schemeClr val="bg2"/>
+                  </a:outerShdw>
+                </a:effectLst>
+              </a14:hiddenEffects>
             </a:ext>
           </a:extLst>
         </p:spPr>
@@ -50667,7 +54583,7 @@
                             </p:stCondLst>
                             <p:childTnLst>
                               <p:par>
-                                <p:cTn id="23" presetID="16" presetClass="entr" presetSubtype="21" fill="hold" grpId="0" nodeType="clickEffect">
+                                <p:cTn id="23" presetID="42" presetClass="entr" presetSubtype="0" fill="hold" grpId="0" nodeType="clickEffect">
                                   <p:stCondLst>
                                     <p:cond delay="0"/>
                                   </p:stCondLst>
@@ -50690,26 +54606,72 @@
                                         <p:strVal val="visible"/>
                                       </p:to>
                                     </p:set>
-                                    <p:animEffect transition="in" filter="barn(inVertical)">
+                                    <p:animEffect transition="in" filter="fade">
                                       <p:cBhvr>
-                                        <p:cTn id="25" dur="500"/>
+                                        <p:cTn id="25" dur="1000"/>
                                         <p:tgtEl>
                                           <p:spTgt spid="12"/>
                                         </p:tgtEl>
                                       </p:cBhvr>
                                     </p:animEffect>
+                                    <p:anim calcmode="lin" valueType="num">
+                                      <p:cBhvr>
+                                        <p:cTn id="26" dur="1000" fill="hold"/>
+                                        <p:tgtEl>
+                                          <p:spTgt spid="12"/>
+                                        </p:tgtEl>
+                                        <p:attrNameLst>
+                                          <p:attrName>ppt_x</p:attrName>
+                                        </p:attrNameLst>
+                                      </p:cBhvr>
+                                      <p:tavLst>
+                                        <p:tav tm="0">
+                                          <p:val>
+                                            <p:strVal val="#ppt_x"/>
+                                          </p:val>
+                                        </p:tav>
+                                        <p:tav tm="100000">
+                                          <p:val>
+                                            <p:strVal val="#ppt_x"/>
+                                          </p:val>
+                                        </p:tav>
+                                      </p:tavLst>
+                                    </p:anim>
+                                    <p:anim calcmode="lin" valueType="num">
+                                      <p:cBhvr>
+                                        <p:cTn id="27" dur="1000" fill="hold"/>
+                                        <p:tgtEl>
+                                          <p:spTgt spid="12"/>
+                                        </p:tgtEl>
+                                        <p:attrNameLst>
+                                          <p:attrName>ppt_y</p:attrName>
+                                        </p:attrNameLst>
+                                      </p:cBhvr>
+                                      <p:tavLst>
+                                        <p:tav tm="0">
+                                          <p:val>
+                                            <p:strVal val="#ppt_y+.1"/>
+                                          </p:val>
+                                        </p:tav>
+                                        <p:tav tm="100000">
+                                          <p:val>
+                                            <p:strVal val="#ppt_y"/>
+                                          </p:val>
+                                        </p:tav>
+                                      </p:tavLst>
+                                    </p:anim>
                                   </p:childTnLst>
                                 </p:cTn>
                               </p:par>
                               <p:par>
-                                <p:cTn id="26" presetID="16" presetClass="entr" presetSubtype="21" fill="hold" grpId="0" nodeType="withEffect">
+                                <p:cTn id="28" presetID="42" presetClass="entr" presetSubtype="0" fill="hold" grpId="0" nodeType="withEffect">
                                   <p:stCondLst>
                                     <p:cond delay="0"/>
                                   </p:stCondLst>
                                   <p:childTnLst>
                                     <p:set>
                                       <p:cBhvr>
-                                        <p:cTn id="27" dur="1" fill="hold">
+                                        <p:cTn id="29" dur="1" fill="hold">
                                           <p:stCondLst>
                                             <p:cond delay="0"/>
                                           </p:stCondLst>
@@ -50725,32 +54687,78 @@
                                         <p:strVal val="visible"/>
                                       </p:to>
                                     </p:set>
-                                    <p:animEffect transition="in" filter="barn(inVertical)">
+                                    <p:animEffect transition="in" filter="fade">
                                       <p:cBhvr>
-                                        <p:cTn id="28" dur="500"/>
+                                        <p:cTn id="30" dur="1000"/>
                                         <p:tgtEl>
                                           <p:spTgt spid="14"/>
                                         </p:tgtEl>
                                       </p:cBhvr>
                                     </p:animEffect>
+                                    <p:anim calcmode="lin" valueType="num">
+                                      <p:cBhvr>
+                                        <p:cTn id="31" dur="1000" fill="hold"/>
+                                        <p:tgtEl>
+                                          <p:spTgt spid="14"/>
+                                        </p:tgtEl>
+                                        <p:attrNameLst>
+                                          <p:attrName>ppt_x</p:attrName>
+                                        </p:attrNameLst>
+                                      </p:cBhvr>
+                                      <p:tavLst>
+                                        <p:tav tm="0">
+                                          <p:val>
+                                            <p:strVal val="#ppt_x"/>
+                                          </p:val>
+                                        </p:tav>
+                                        <p:tav tm="100000">
+                                          <p:val>
+                                            <p:strVal val="#ppt_x"/>
+                                          </p:val>
+                                        </p:tav>
+                                      </p:tavLst>
+                                    </p:anim>
+                                    <p:anim calcmode="lin" valueType="num">
+                                      <p:cBhvr>
+                                        <p:cTn id="32" dur="1000" fill="hold"/>
+                                        <p:tgtEl>
+                                          <p:spTgt spid="14"/>
+                                        </p:tgtEl>
+                                        <p:attrNameLst>
+                                          <p:attrName>ppt_y</p:attrName>
+                                        </p:attrNameLst>
+                                      </p:cBhvr>
+                                      <p:tavLst>
+                                        <p:tav tm="0">
+                                          <p:val>
+                                            <p:strVal val="#ppt_y+.1"/>
+                                          </p:val>
+                                        </p:tav>
+                                        <p:tav tm="100000">
+                                          <p:val>
+                                            <p:strVal val="#ppt_y"/>
+                                          </p:val>
+                                        </p:tav>
+                                      </p:tavLst>
+                                    </p:anim>
                                   </p:childTnLst>
                                 </p:cTn>
                               </p:par>
                               <p:par>
-                                <p:cTn id="29" presetID="16" presetClass="entr" presetSubtype="21" fill="hold" nodeType="withEffect">
+                                <p:cTn id="33" presetID="42" presetClass="entr" presetSubtype="0" fill="hold" nodeType="withEffect">
                                   <p:stCondLst>
                                     <p:cond delay="0"/>
                                   </p:stCondLst>
                                   <p:childTnLst>
                                     <p:set>
                                       <p:cBhvr>
-                                        <p:cTn id="30" dur="1" fill="hold">
+                                        <p:cTn id="34" dur="1" fill="hold">
                                           <p:stCondLst>
                                             <p:cond delay="0"/>
                                           </p:stCondLst>
                                         </p:cTn>
                                         <p:tgtEl>
-                                          <p:spTgt spid="2054"/>
+                                          <p:spTgt spid="1026"/>
                                         </p:tgtEl>
                                         <p:attrNameLst>
                                           <p:attrName>style.visibility</p:attrName>
@@ -50760,26 +54768,72 @@
                                         <p:strVal val="visible"/>
                                       </p:to>
                                     </p:set>
-                                    <p:animEffect transition="in" filter="barn(inVertical)">
+                                    <p:animEffect transition="in" filter="fade">
                                       <p:cBhvr>
-                                        <p:cTn id="31" dur="500"/>
+                                        <p:cTn id="35" dur="1000"/>
                                         <p:tgtEl>
-                                          <p:spTgt spid="2054"/>
+                                          <p:spTgt spid="1026"/>
                                         </p:tgtEl>
                                       </p:cBhvr>
                                     </p:animEffect>
+                                    <p:anim calcmode="lin" valueType="num">
+                                      <p:cBhvr>
+                                        <p:cTn id="36" dur="1000" fill="hold"/>
+                                        <p:tgtEl>
+                                          <p:spTgt spid="1026"/>
+                                        </p:tgtEl>
+                                        <p:attrNameLst>
+                                          <p:attrName>ppt_x</p:attrName>
+                                        </p:attrNameLst>
+                                      </p:cBhvr>
+                                      <p:tavLst>
+                                        <p:tav tm="0">
+                                          <p:val>
+                                            <p:strVal val="#ppt_x"/>
+                                          </p:val>
+                                        </p:tav>
+                                        <p:tav tm="100000">
+                                          <p:val>
+                                            <p:strVal val="#ppt_x"/>
+                                          </p:val>
+                                        </p:tav>
+                                      </p:tavLst>
+                                    </p:anim>
+                                    <p:anim calcmode="lin" valueType="num">
+                                      <p:cBhvr>
+                                        <p:cTn id="37" dur="1000" fill="hold"/>
+                                        <p:tgtEl>
+                                          <p:spTgt spid="1026"/>
+                                        </p:tgtEl>
+                                        <p:attrNameLst>
+                                          <p:attrName>ppt_y</p:attrName>
+                                        </p:attrNameLst>
+                                      </p:cBhvr>
+                                      <p:tavLst>
+                                        <p:tav tm="0">
+                                          <p:val>
+                                            <p:strVal val="#ppt_y+.1"/>
+                                          </p:val>
+                                        </p:tav>
+                                        <p:tav tm="100000">
+                                          <p:val>
+                                            <p:strVal val="#ppt_y"/>
+                                          </p:val>
+                                        </p:tav>
+                                      </p:tavLst>
+                                    </p:anim>
                                   </p:childTnLst>
                                 </p:cTn>
                               </p:par>
                               <p:par>
-                                <p:cTn id="32" presetID="16" presetClass="entr" presetSubtype="21" fill="hold" grpId="0" nodeType="withEffect">
+                                <p:cTn id="38" presetID="42" presetClass="entr" presetSubtype="0" fill="hold" grpId="0" nodeType="withEffect">
                                   <p:stCondLst>
                                     <p:cond delay="0"/>
                                   </p:stCondLst>
                                   <p:childTnLst>
                                     <p:set>
                                       <p:cBhvr>
-                                        <p:cTn id="33" dur="1" fill="hold">
+                                        <p:cTn id="39" dur="1" fill="hold">
                                           <p:stCondLst>
                                             <p:cond delay="0"/>
                                           </p:stCondLst>
@@ -50795,14 +54849,60 @@
                                         <p:strVal val="visible"/>
                                       </p:to>
                                     </p:set>
-                                    <p:animEffect transition="in" filter="barn(inVertical)">
+                                    <p:animEffect transition="in" filter="fade">
                                       <p:cBhvr>
-                                        <p:cTn id="34" dur="500"/>
+                                        <p:cTn id="40" dur="1000"/>
                                         <p:tgtEl>
                                           <p:spTgt spid="16"/>
                                         </p:tgtEl>
                                       </p:cBhvr>
                                     </p:animEffect>
+                                    <p:anim calcmode="lin" valueType="num">
+                                      <p:cBhvr>
+                                        <p:cTn id="41" dur="1000" fill="hold"/>
+                                        <p:tgtEl>
+                                          <p:spTgt spid="16"/>
+                                        </p:tgtEl>
+                                        <p:attrNameLst>
+                                          <p:attrName>ppt_x</p:attrName>
+                                        </p:attrNameLst>
+                                      </p:cBhvr>
+                                      <p:tavLst>
+                                        <p:tav tm="0">
+                                          <p:val>
+                                            <p:strVal val="#ppt_x"/>
+                                          </p:val>
+                                        </p:tav>
+                                        <p:tav tm="100000">
+                                          <p:val>
+                                            <p:strVal val="#ppt_x"/>
+                                          </p:val>
+                                        </p:tav>
+                                      </p:tavLst>
+                                    </p:anim>
+                                    <p:anim calcmode="lin" valueType="num">
+                                      <p:cBhvr>
+                                        <p:cTn id="42" dur="1000" fill="hold"/>
+                                        <p:tgtEl>
+                                          <p:spTgt spid="16"/>
+                                        </p:tgtEl>
+                                        <p:attrNameLst>
+                                          <p:attrName>ppt_y</p:attrName>
+                                        </p:attrNameLst>
+                                      </p:cBhvr>
+                                      <p:tavLst>
+                                        <p:tav tm="0">
+                                          <p:val>
+                                            <p:strVal val="#ppt_y+.1"/>
+                                          </p:val>
+                                        </p:tav>
+                                        <p:tav tm="100000">
+                                          <p:val>
+                                            <p:strVal val="#ppt_y"/>
+                                          </p:val>
+                                        </p:tav>
+                                      </p:tavLst>
+                                    </p:anim>
                                   </p:childTnLst>
                                 </p:cTn>
                               </p:par>
@@ -50909,8 +55009,16 @@
               <a:t> </a:t>
             </a:r>
             <a:r>
-              <a:rPr lang="en-US" dirty="0" err="1"/>
+              <a:rPr lang="en-US" dirty="0" err="1" smtClean="0"/>
               <a:t>trạng</a:t>
+            </a:r>
+            <a:r>
+              <a:rPr lang="en-US" dirty="0" smtClean="0"/>
+              <a:t> </a:t>
+            </a:r>
+            <a:r>
+              <a:rPr lang="en-US" dirty="0" err="1" smtClean="0"/>
+              <a:t>thái</a:t>
             </a:r>
             <a:endParaRPr dirty="0"/>
           </a:p>
@@ -51532,7 +55640,7 @@
                             </p:stCondLst>
                             <p:childTnLst>
                               <p:par>
-                                <p:cTn id="5" presetID="2" presetClass="entr" presetSubtype="4" fill="hold" grpId="0" nodeType="clickEffect">
+                                <p:cTn id="5" presetID="2" presetClass="entr" presetSubtype="4" fill="hold" nodeType="clickEffect">
                                   <p:stCondLst>
                                     <p:cond delay="0"/>
                                   </p:stCondLst>
@@ -51545,7 +55653,7 @@
                                           </p:stCondLst>
                                         </p:cTn>
                                         <p:tgtEl>
-                                          <p:spTgt spid="3"/>
+                                          <p:spTgt spid="7171"/>
                                         </p:tgtEl>
                                         <p:attrNameLst>
                                           <p:attrName>style.visibility</p:attrName>
@@ -51559,7 +55667,7 @@
                                       <p:cBhvr additive="base">
                                         <p:cTn id="7" dur="500" fill="hold"/>
                                         <p:tgtEl>
-                                          <p:spTgt spid="3"/>
+                                          <p:spTgt spid="7171"/>
                                         </p:tgtEl>
                                         <p:attrNameLst>
                                           <p:attrName>ppt_x</p:attrName>
@@ -51582,7 +55690,7 @@
                                       <p:cBhvr additive="base">
                                         <p:cTn id="8" dur="500" fill="hold"/>
                                         <p:tgtEl>
-                                          <p:spTgt spid="3"/>
+                                          <p:spTgt spid="7171"/>
                                         </p:tgtEl>
                                         <p:attrNameLst>
                                           <p:attrName>ppt_y</p:attrName>
@@ -51691,6 +55799,79 @@
                                           </p:stCondLst>
                                         </p:cTn>
                                         <p:tgtEl>
+                                          <p:spTgt spid="3"/>
+                                        </p:tgtEl>
+                                        <p:attrNameLst>
+                                          <p:attrName>style.visibility</p:attrName>
+                                        </p:attrNameLst>
+                                      </p:cBhvr>
+                                      <p:to>
+                                        <p:strVal val="visible"/>
+                                      </p:to>
+                                    </p:set>
+                                    <p:anim calcmode="lin" valueType="num">
+                                      <p:cBhvr additive="base">
+                                        <p:cTn id="15" dur="500" fill="hold"/>
+                                        <p:tgtEl>
+                                          <p:spTgt spid="3"/>
+                                        </p:tgtEl>
+                                        <p:attrNameLst>
+                                          <p:attrName>ppt_x</p:attrName>
+                                        </p:attrNameLst>
+                                      </p:cBhvr>
+                                      <p:tavLst>
+                                        <p:tav tm="0">
+                                          <p:val>
+                                            <p:strVal val="#ppt_x"/>
+                                          </p:val>
+                                        </p:tav>
+                                        <p:tav tm="100000">
+                                          <p:val>
+                                            <p:strVal val="#ppt_x"/>
+                                          </p:val>
+                                        </p:tav>
+                                      </p:tavLst>
+                                    </p:anim>
+                                    <p:anim calcmode="lin" valueType="num">
+                                      <p:cBhvr additive="base">
+                                        <p:cTn id="16" dur="500" fill="hold"/>
+                                        <p:tgtEl>
+                                          <p:spTgt spid="3"/>
+                                        </p:tgtEl>
+                                        <p:attrNameLst>
+                                          <p:attrName>ppt_y</p:attrName>
+                                        </p:attrNameLst>
+                                      </p:cBhvr>
+                                      <p:tavLst>
+                                        <p:tav tm="0">
+                                          <p:val>
+                                            <p:strVal val="1+#ppt_h/2"/>
+                                          </p:val>
+                                        </p:tav>
+                                        <p:tav tm="100000">
+                                          <p:val>
+                                            <p:strVal val="#ppt_y"/>
+                                          </p:val>
+                                        </p:tav>
+                                      </p:tavLst>
+                                    </p:anim>
+                                  </p:childTnLst>
+                                </p:cTn>
+                              </p:par>
+                              <p:par>
+                                <p:cTn id="17" presetID="2" presetClass="entr" presetSubtype="4" fill="hold" grpId="0" nodeType="withEffect">
+                                  <p:stCondLst>
+                                    <p:cond delay="0"/>
+                                  </p:stCondLst>
+                                  <p:childTnLst>
+                                    <p:set>
+                                      <p:cBhvr>
+                                        <p:cTn id="18" dur="1" fill="hold">
+                                          <p:stCondLst>
+                                            <p:cond delay="0"/>
+                                          </p:stCondLst>
+                                        </p:cTn>
+                                        <p:tgtEl>
                                           <p:spTgt spid="5"/>
                                         </p:tgtEl>
                                         <p:attrNameLst>
@@ -51703,7 +55884,7 @@
                                     </p:set>
                                     <p:anim calcmode="lin" valueType="num">
                                       <p:cBhvr additive="base">
-                                        <p:cTn id="15" dur="500" fill="hold"/>
+                                        <p:cTn id="19" dur="500" fill="hold"/>
                                         <p:tgtEl>
                                           <p:spTgt spid="5"/>
                                         </p:tgtEl>
@@ -51726,7 +55907,7 @@
                                     </p:anim>
                                     <p:anim calcmode="lin" valueType="num">
                                       <p:cBhvr additive="base">
-                                        <p:cTn id="16" dur="500" fill="hold"/>
+                                        <p:cTn id="20" dur="500" fill="hold"/>
                                         <p:tgtEl>
                                           <p:spTgt spid="5"/>
                                         </p:tgtEl>
@@ -51757,26 +55938,96 @@
                     </p:cTn>
                   </p:par>
                   <p:par>
-                    <p:cTn id="17" fill="hold">
+                    <p:cTn id="21" fill="hold">
                       <p:stCondLst>
                         <p:cond delay="indefinite"/>
                       </p:stCondLst>
                       <p:childTnLst>
                         <p:par>
-                          <p:cTn id="18" fill="hold">
+                          <p:cTn id="22" fill="hold">
                             <p:stCondLst>
                               <p:cond delay="0"/>
                             </p:stCondLst>
                             <p:childTnLst>
                               <p:par>
-                                <p:cTn id="19" presetID="16" presetClass="entr" presetSubtype="21" fill="hold" grpId="0" nodeType="clickEffect">
+                                <p:cTn id="23" presetID="6" presetClass="entr" presetSubtype="16" fill="hold" nodeType="clickEffect">
                                   <p:stCondLst>
                                     <p:cond delay="0"/>
                                   </p:stCondLst>
                                   <p:childTnLst>
                                     <p:set>
                                       <p:cBhvr>
-                                        <p:cTn id="20" dur="1" fill="hold">
+                                        <p:cTn id="24" dur="1" fill="hold">
+                                          <p:stCondLst>
+                                            <p:cond delay="0"/>
+                                          </p:stCondLst>
+                                        </p:cTn>
+                                        <p:tgtEl>
+                                          <p:spTgt spid="7172"/>
+                                        </p:tgtEl>
+                                        <p:attrNameLst>
+                                          <p:attrName>style.visibility</p:attrName>
+                                        </p:attrNameLst>
+                                      </p:cBhvr>
+                                      <p:to>
+                                        <p:strVal val="visible"/>
+                                      </p:to>
+                                    </p:set>
+                                    <p:animEffect transition="in" filter="circle(in)">
+                                      <p:cBhvr>
+                                        <p:cTn id="25" dur="2000"/>
+                                        <p:tgtEl>
+                                          <p:spTgt spid="7172"/>
+                                        </p:tgtEl>
+                                      </p:cBhvr>
+                                    </p:animEffect>
+                                  </p:childTnLst>
+                                </p:cTn>
+                              </p:par>
+                              <p:par>
+                                <p:cTn id="26" presetID="6" presetClass="entr" presetSubtype="16" fill="hold" grpId="0" nodeType="withEffect">
+                                  <p:stCondLst>
+                                    <p:cond delay="0"/>
+                                  </p:stCondLst>
+                                  <p:childTnLst>
+                                    <p:set>
+                                      <p:cBhvr>
+                                        <p:cTn id="27" dur="1" fill="hold">
+                                          <p:stCondLst>
+                                            <p:cond delay="0"/>
+                                          </p:stCondLst>
+                                        </p:cTn>
+                                        <p:tgtEl>
+                                          <p:spTgt spid="14"/>
+                                        </p:tgtEl>
+                                        <p:attrNameLst>
+                                          <p:attrName>style.visibility</p:attrName>
+                                        </p:attrNameLst>
+                                      </p:cBhvr>
+                                      <p:to>
+                                        <p:strVal val="visible"/>
+                                      </p:to>
+                                    </p:set>
+                                    <p:animEffect transition="in" filter="circle(in)">
+                                      <p:cBhvr>
+                                        <p:cTn id="28" dur="2000"/>
+                                        <p:tgtEl>
+                                          <p:spTgt spid="14"/>
+                                        </p:tgtEl>
+                                      </p:cBhvr>
+                                    </p:animEffect>
+                                  </p:childTnLst>
+                                </p:cTn>
+                              </p:par>
+                              <p:par>
+                                <p:cTn id="29" presetID="6" presetClass="entr" presetSubtype="16" fill="hold" grpId="0" nodeType="withEffect">
+                                  <p:stCondLst>
+                                    <p:cond delay="0"/>
+                                  </p:stCondLst>
+                                  <p:childTnLst>
+                                    <p:set>
+                                      <p:cBhvr>
+                                        <p:cTn id="30" dur="1" fill="hold">
                                           <p:stCondLst>
                                             <p:cond delay="0"/>
                                           </p:stCondLst>
@@ -51792,9 +56043,9 @@
                                         <p:strVal val="visible"/>
                                       </p:to>
                                     </p:set>
-                                    <p:animEffect transition="in" filter="barn(inVertical)">
+                                    <p:animEffect transition="in" filter="circle(in)">
                                       <p:cBhvr>
-                                        <p:cTn id="21" dur="500"/>
+                                        <p:cTn id="31" dur="2000"/>
                                         <p:tgtEl>
                                           <p:spTgt spid="12"/>
                                         </p:tgtEl>
@@ -51804,49 +56055,14 @@
                                 </p:cTn>
                               </p:par>
                               <p:par>
-                                <p:cTn id="22" presetID="16" presetClass="entr" presetSubtype="21" fill="hold" grpId="0" nodeType="withEffect">
+                                <p:cTn id="32" presetID="6" presetClass="entr" presetSubtype="16" fill="hold" grpId="0" nodeType="withEffect">
                                   <p:stCondLst>
                                     <p:cond delay="0"/>
                                   </p:stCondLst>
                                   <p:childTnLst>
                                     <p:set>
                                       <p:cBhvr>
-                                        <p:cTn id="23" dur="1" fill="hold">
-                                          <p:stCondLst>
-                                            <p:cond delay="0"/>
-                                          </p:stCondLst>
-                                        </p:cTn>
-                                        <p:tgtEl>
-                                          <p:spTgt spid="14"/>
-                                        </p:tgtEl>
-                                        <p:attrNameLst>
-                                          <p:attrName>style.visibility</p:attrName>
-                                        </p:attrNameLst>
-                                      </p:cBhvr>
-                                      <p:to>
-                                        <p:strVal val="visible"/>
-                                      </p:to>
-                                    </p:set>
-                                    <p:animEffect transition="in" filter="barn(inVertical)">
-                                      <p:cBhvr>
-                                        <p:cTn id="24" dur="500"/>
-                                        <p:tgtEl>
-                                          <p:spTgt spid="14"/>
-                                        </p:tgtEl>
-                                      </p:cBhvr>
-                                    </p:animEffect>
-                                  </p:childTnLst>
-                                </p:cTn>
-                              </p:par>
-                              <p:par>
-                                <p:cTn id="25" presetID="16" presetClass="entr" presetSubtype="21" fill="hold" grpId="0" nodeType="withEffect">
-                                  <p:stCondLst>
-                                    <p:cond delay="0"/>
-                                  </p:stCondLst>
-                                  <p:childTnLst>
-                                    <p:set>
-                                      <p:cBhvr>
-                                        <p:cTn id="26" dur="1" fill="hold">
+                                        <p:cTn id="33" dur="1" fill="hold">
                                           <p:stCondLst>
                                             <p:cond delay="0"/>
                                           </p:stCondLst>
@@ -51862,9 +56078,9 @@
                                         <p:strVal val="visible"/>
                                       </p:to>
                                     </p:set>
-                                    <p:animEffect transition="in" filter="barn(inVertical)">
+                                    <p:animEffect transition="in" filter="circle(in)">
                                       <p:cBhvr>
-                                        <p:cTn id="27" dur="500"/>
+                                        <p:cTn id="34" dur="2000"/>
                                         <p:tgtEl>
                                           <p:spTgt spid="16"/>
                                         </p:tgtEl>
